--- a/ppt/第一章 Android应用和开发.pptx
+++ b/ppt/第一章 Android应用和开发.pptx
@@ -5,7 +5,7 @@
     <p:sldMasterId id="2147483648" r:id="rId1"/>
   </p:sldMasterIdLst>
   <p:notesMasterIdLst>
-    <p:notesMasterId r:id="rId23"/>
+    <p:notesMasterId r:id="rId24"/>
   </p:notesMasterIdLst>
   <p:sldIdLst>
     <p:sldId id="256" r:id="rId2"/>
@@ -15,20 +15,21 @@
     <p:sldId id="295" r:id="rId6"/>
     <p:sldId id="311" r:id="rId7"/>
     <p:sldId id="294" r:id="rId8"/>
-    <p:sldId id="297" r:id="rId9"/>
-    <p:sldId id="296" r:id="rId10"/>
-    <p:sldId id="298" r:id="rId11"/>
-    <p:sldId id="299" r:id="rId12"/>
-    <p:sldId id="300" r:id="rId13"/>
-    <p:sldId id="301" r:id="rId14"/>
-    <p:sldId id="302" r:id="rId15"/>
-    <p:sldId id="303" r:id="rId16"/>
-    <p:sldId id="304" r:id="rId17"/>
-    <p:sldId id="305" r:id="rId18"/>
-    <p:sldId id="306" r:id="rId19"/>
-    <p:sldId id="308" r:id="rId20"/>
-    <p:sldId id="309" r:id="rId21"/>
-    <p:sldId id="310" r:id="rId22"/>
+    <p:sldId id="315" r:id="rId9"/>
+    <p:sldId id="297" r:id="rId10"/>
+    <p:sldId id="296" r:id="rId11"/>
+    <p:sldId id="298" r:id="rId12"/>
+    <p:sldId id="299" r:id="rId13"/>
+    <p:sldId id="300" r:id="rId14"/>
+    <p:sldId id="301" r:id="rId15"/>
+    <p:sldId id="302" r:id="rId16"/>
+    <p:sldId id="303" r:id="rId17"/>
+    <p:sldId id="304" r:id="rId18"/>
+    <p:sldId id="305" r:id="rId19"/>
+    <p:sldId id="306" r:id="rId20"/>
+    <p:sldId id="308" r:id="rId21"/>
+    <p:sldId id="309" r:id="rId22"/>
+    <p:sldId id="310" r:id="rId23"/>
   </p:sldIdLst>
   <p:sldSz cx="12192000" cy="6858000"/>
   <p:notesSz cx="6858000" cy="9144000"/>
@@ -965,7 +966,7 @@
           <a:p>
             <a:fld id="{8118EB5E-8291-4918-89D9-10BDB096D9E8}" type="slidenum">
               <a:rPr lang="zh-CN" altLang="en-US" smtClean="0"/>
-              <a:t>9</a:t>
+              <a:t>10</a:t>
             </a:fld>
             <a:endParaRPr lang="zh-CN" altLang="en-US"/>
           </a:p>
@@ -1049,7 +1050,7 @@
           <a:p>
             <a:fld id="{8118EB5E-8291-4918-89D9-10BDB096D9E8}" type="slidenum">
               <a:rPr lang="zh-CN" altLang="en-US" smtClean="0"/>
-              <a:t>11</a:t>
+              <a:t>12</a:t>
             </a:fld>
             <a:endParaRPr lang="zh-CN" altLang="en-US"/>
           </a:p>
@@ -1288,7 +1289,7 @@
           <a:p>
             <a:fld id="{8118EB5E-8291-4918-89D9-10BDB096D9E8}" type="slidenum">
               <a:rPr lang="zh-CN" altLang="en-US" smtClean="0"/>
-              <a:t>19</a:t>
+              <a:t>20</a:t>
             </a:fld>
             <a:endParaRPr lang="zh-CN" altLang="en-US"/>
           </a:p>
@@ -5315,7 +5316,7 @@
           </a:ln>
           <a:extLst>
             <a:ext uri="{91240B29-F687-4f45-9708-019B960494DF}">
-              <a14:hiddenLine xmlns="" xmlns:a14="http://schemas.microsoft.com/office/drawing/2010/main" w="12700" cap="flat" cmpd="sng">
+              <a14:hiddenLine xmlns:a14="http://schemas.microsoft.com/office/drawing/2010/main" xmlns="" w="12700" cap="flat" cmpd="sng">
                 <a:solidFill>
                   <a:srgbClr val="42719B"/>
                 </a:solidFill>
@@ -5447,6 +5448,1609 @@
 </file>
 
 <file path=ppt/slides/slide10.xml><?xml version="1.0" encoding="utf-8"?>
+<p:sld xmlns:a="http://schemas.openxmlformats.org/drawingml/2006/main" xmlns:r="http://schemas.openxmlformats.org/officeDocument/2006/relationships" xmlns:p="http://schemas.openxmlformats.org/presentationml/2006/main">
+  <p:cSld>
+    <p:spTree>
+      <p:nvGrpSpPr>
+        <p:cNvPr id="1" name=""/>
+        <p:cNvGrpSpPr/>
+        <p:nvPr/>
+      </p:nvGrpSpPr>
+      <p:grpSpPr>
+        <a:xfrm>
+          <a:off x="0" y="0"/>
+          <a:ext cx="0" cy="0"/>
+          <a:chOff x="0" y="0"/>
+          <a:chExt cx="0" cy="0"/>
+        </a:xfrm>
+      </p:grpSpPr>
+      <p:cxnSp>
+        <p:nvCxnSpPr>
+          <p:cNvPr id="6" name="直接连接符 5"/>
+          <p:cNvCxnSpPr/>
+          <p:nvPr/>
+        </p:nvCxnSpPr>
+        <p:spPr>
+          <a:xfrm>
+            <a:off x="1158875" y="4298950"/>
+            <a:ext cx="4152900" cy="0"/>
+          </a:xfrm>
+          <a:prstGeom prst="line">
+            <a:avLst/>
+          </a:prstGeom>
+          <a:ln>
+            <a:solidFill>
+              <a:schemeClr val="bg1"/>
+            </a:solidFill>
+          </a:ln>
+        </p:spPr>
+        <p:style>
+          <a:lnRef idx="1">
+            <a:schemeClr val="accent1"/>
+          </a:lnRef>
+          <a:fillRef idx="0">
+            <a:schemeClr val="accent1"/>
+          </a:fillRef>
+          <a:effectRef idx="0">
+            <a:schemeClr val="accent1"/>
+          </a:effectRef>
+          <a:fontRef idx="minor">
+            <a:schemeClr val="tx1"/>
+          </a:fontRef>
+        </p:style>
+      </p:cxnSp>
+      <p:cxnSp>
+        <p:nvCxnSpPr>
+          <p:cNvPr id="7" name="直接连接符 6"/>
+          <p:cNvCxnSpPr/>
+          <p:nvPr/>
+        </p:nvCxnSpPr>
+        <p:spPr>
+          <a:xfrm>
+            <a:off x="5474494" y="2604931"/>
+            <a:ext cx="0" cy="1347787"/>
+          </a:xfrm>
+          <a:prstGeom prst="line">
+            <a:avLst/>
+          </a:prstGeom>
+          <a:ln>
+            <a:solidFill>
+              <a:schemeClr val="bg1"/>
+            </a:solidFill>
+          </a:ln>
+        </p:spPr>
+        <p:style>
+          <a:lnRef idx="1">
+            <a:schemeClr val="accent1"/>
+          </a:lnRef>
+          <a:fillRef idx="0">
+            <a:schemeClr val="accent1"/>
+          </a:fillRef>
+          <a:effectRef idx="0">
+            <a:schemeClr val="accent1"/>
+          </a:effectRef>
+          <a:fontRef idx="minor">
+            <a:schemeClr val="tx1"/>
+          </a:fontRef>
+        </p:style>
+      </p:cxnSp>
+      <p:sp>
+        <p:nvSpPr>
+          <p:cNvPr id="8" name="矩形 7"/>
+          <p:cNvSpPr/>
+          <p:nvPr/>
+        </p:nvSpPr>
+        <p:spPr>
+          <a:xfrm>
+            <a:off x="4688682" y="2604931"/>
+            <a:ext cx="785812" cy="785812"/>
+          </a:xfrm>
+          <a:prstGeom prst="rect">
+            <a:avLst/>
+          </a:prstGeom>
+          <a:solidFill>
+            <a:srgbClr val="FE5A3E"/>
+          </a:solidFill>
+          <a:ln>
+            <a:noFill/>
+          </a:ln>
+        </p:spPr>
+        <p:style>
+          <a:lnRef idx="2">
+            <a:schemeClr val="accent1">
+              <a:shade val="50000"/>
+            </a:schemeClr>
+          </a:lnRef>
+          <a:fillRef idx="1">
+            <a:schemeClr val="accent1"/>
+          </a:fillRef>
+          <a:effectRef idx="0">
+            <a:schemeClr val="accent1"/>
+          </a:effectRef>
+          <a:fontRef idx="minor">
+            <a:schemeClr val="lt1"/>
+          </a:fontRef>
+        </p:style>
+        <p:txBody>
+          <a:bodyPr anchor="ctr"/>
+          <a:lstStyle/>
+          <a:p>
+            <a:pPr algn="ctr" fontAlgn="auto">
+              <a:spcBef>
+                <a:spcPts val="0"/>
+              </a:spcBef>
+              <a:spcAft>
+                <a:spcPts val="0"/>
+              </a:spcAft>
+              <a:defRPr/>
+            </a:pPr>
+            <a:r>
+              <a:rPr lang="en-US" altLang="zh-CN" sz="5400" dirty="0">
+                <a:latin typeface="Broadway" panose="04040905080B02020502" pitchFamily="82" charset="0"/>
+              </a:rPr>
+              <a:t>1</a:t>
+            </a:r>
+            <a:endParaRPr lang="zh-CN" altLang="en-US" sz="5400" dirty="0">
+              <a:latin typeface="Broadway" panose="04040905080B02020502" pitchFamily="82" charset="0"/>
+            </a:endParaRPr>
+          </a:p>
+        </p:txBody>
+      </p:sp>
+      <p:sp>
+        <p:nvSpPr>
+          <p:cNvPr id="9" name="矩形 8"/>
+          <p:cNvSpPr/>
+          <p:nvPr/>
+        </p:nvSpPr>
+        <p:spPr>
+          <a:xfrm>
+            <a:off x="1158875" y="4313238"/>
+            <a:ext cx="785813" cy="785812"/>
+          </a:xfrm>
+          <a:prstGeom prst="rect">
+            <a:avLst/>
+          </a:prstGeom>
+          <a:solidFill>
+            <a:srgbClr val="FE5A3E"/>
+          </a:solidFill>
+          <a:ln>
+            <a:noFill/>
+          </a:ln>
+        </p:spPr>
+        <p:style>
+          <a:lnRef idx="2">
+            <a:schemeClr val="accent1">
+              <a:shade val="50000"/>
+            </a:schemeClr>
+          </a:lnRef>
+          <a:fillRef idx="1">
+            <a:schemeClr val="accent1"/>
+          </a:fillRef>
+          <a:effectRef idx="0">
+            <a:schemeClr val="accent1"/>
+          </a:effectRef>
+          <a:fontRef idx="minor">
+            <a:schemeClr val="lt1"/>
+          </a:fontRef>
+        </p:style>
+        <p:txBody>
+          <a:bodyPr anchor="ctr"/>
+          <a:lstStyle/>
+          <a:p>
+            <a:pPr algn="ctr" fontAlgn="auto">
+              <a:spcBef>
+                <a:spcPts val="0"/>
+              </a:spcBef>
+              <a:spcAft>
+                <a:spcPts val="0"/>
+              </a:spcAft>
+              <a:defRPr/>
+            </a:pPr>
+            <a:r>
+              <a:rPr lang="en-US" altLang="zh-CN" sz="5400" dirty="0">
+                <a:latin typeface="Broadway" panose="04040905080B02020502" pitchFamily="82" charset="0"/>
+              </a:rPr>
+              <a:t>2</a:t>
+            </a:r>
+            <a:endParaRPr lang="zh-CN" altLang="en-US" sz="5400" dirty="0">
+              <a:latin typeface="Broadway" panose="04040905080B02020502" pitchFamily="82" charset="0"/>
+            </a:endParaRPr>
+          </a:p>
+        </p:txBody>
+      </p:sp>
+      <p:sp>
+        <p:nvSpPr>
+          <p:cNvPr id="10" name="矩形 9"/>
+          <p:cNvSpPr/>
+          <p:nvPr/>
+        </p:nvSpPr>
+        <p:spPr>
+          <a:xfrm>
+            <a:off x="5840413" y="5457825"/>
+            <a:ext cx="785812" cy="785813"/>
+          </a:xfrm>
+          <a:prstGeom prst="rect">
+            <a:avLst/>
+          </a:prstGeom>
+          <a:solidFill>
+            <a:srgbClr val="FE5A3E"/>
+          </a:solidFill>
+          <a:ln>
+            <a:noFill/>
+          </a:ln>
+        </p:spPr>
+        <p:style>
+          <a:lnRef idx="2">
+            <a:schemeClr val="accent1">
+              <a:shade val="50000"/>
+            </a:schemeClr>
+          </a:lnRef>
+          <a:fillRef idx="1">
+            <a:schemeClr val="accent1"/>
+          </a:fillRef>
+          <a:effectRef idx="0">
+            <a:schemeClr val="accent1"/>
+          </a:effectRef>
+          <a:fontRef idx="minor">
+            <a:schemeClr val="lt1"/>
+          </a:fontRef>
+        </p:style>
+        <p:txBody>
+          <a:bodyPr anchor="ctr"/>
+          <a:lstStyle/>
+          <a:p>
+            <a:pPr algn="ctr" fontAlgn="auto">
+              <a:spcBef>
+                <a:spcPts val="0"/>
+              </a:spcBef>
+              <a:spcAft>
+                <a:spcPts val="0"/>
+              </a:spcAft>
+              <a:defRPr/>
+            </a:pPr>
+            <a:r>
+              <a:rPr lang="en-US" altLang="zh-CN" sz="5400" dirty="0">
+                <a:latin typeface="Broadway" panose="04040905080B02020502" pitchFamily="82" charset="0"/>
+              </a:rPr>
+              <a:t>3</a:t>
+            </a:r>
+            <a:endParaRPr lang="zh-CN" altLang="en-US" sz="5400" dirty="0">
+              <a:latin typeface="Broadway" panose="04040905080B02020502" pitchFamily="82" charset="0"/>
+            </a:endParaRPr>
+          </a:p>
+        </p:txBody>
+      </p:sp>
+      <p:sp>
+        <p:nvSpPr>
+          <p:cNvPr id="11" name="矩形 10"/>
+          <p:cNvSpPr/>
+          <p:nvPr/>
+        </p:nvSpPr>
+        <p:spPr>
+          <a:xfrm>
+            <a:off x="9810750" y="3527425"/>
+            <a:ext cx="785813" cy="785813"/>
+          </a:xfrm>
+          <a:prstGeom prst="rect">
+            <a:avLst/>
+          </a:prstGeom>
+          <a:solidFill>
+            <a:srgbClr val="FE5A3E"/>
+          </a:solidFill>
+          <a:ln>
+            <a:noFill/>
+          </a:ln>
+        </p:spPr>
+        <p:style>
+          <a:lnRef idx="2">
+            <a:schemeClr val="accent1">
+              <a:shade val="50000"/>
+            </a:schemeClr>
+          </a:lnRef>
+          <a:fillRef idx="1">
+            <a:schemeClr val="accent1"/>
+          </a:fillRef>
+          <a:effectRef idx="0">
+            <a:schemeClr val="accent1"/>
+          </a:effectRef>
+          <a:fontRef idx="minor">
+            <a:schemeClr val="lt1"/>
+          </a:fontRef>
+        </p:style>
+        <p:txBody>
+          <a:bodyPr anchor="ctr"/>
+          <a:lstStyle/>
+          <a:p>
+            <a:pPr algn="ctr" fontAlgn="auto">
+              <a:spcBef>
+                <a:spcPts val="0"/>
+              </a:spcBef>
+              <a:spcAft>
+                <a:spcPts val="0"/>
+              </a:spcAft>
+              <a:defRPr/>
+            </a:pPr>
+            <a:r>
+              <a:rPr lang="en-US" altLang="zh-CN" sz="5400" dirty="0">
+                <a:latin typeface="Broadway" panose="04040905080B02020502" pitchFamily="82" charset="0"/>
+              </a:rPr>
+              <a:t>4</a:t>
+            </a:r>
+            <a:endParaRPr lang="zh-CN" altLang="en-US" sz="5400" dirty="0">
+              <a:latin typeface="Broadway" panose="04040905080B02020502" pitchFamily="82" charset="0"/>
+            </a:endParaRPr>
+          </a:p>
+        </p:txBody>
+      </p:sp>
+      <p:sp>
+        <p:nvSpPr>
+          <p:cNvPr id="56329" name="文本框 11"/>
+          <p:cNvSpPr txBox="1">
+            <a:spLocks noChangeArrowheads="1"/>
+          </p:cNvSpPr>
+          <p:nvPr/>
+        </p:nvSpPr>
+        <p:spPr bwMode="auto">
+          <a:xfrm>
+            <a:off x="471490" y="2417862"/>
+            <a:ext cx="3892776" cy="923330"/>
+          </a:xfrm>
+          <a:prstGeom prst="rect">
+            <a:avLst/>
+          </a:prstGeom>
+          <a:noFill/>
+          <a:ln w="9525">
+            <a:noFill/>
+            <a:miter lim="800000"/>
+            <a:headEnd/>
+            <a:tailEnd/>
+          </a:ln>
+        </p:spPr>
+        <p:txBody>
+          <a:bodyPr wrap="square">
+            <a:spAutoFit/>
+          </a:bodyPr>
+          <a:lstStyle/>
+          <a:p>
+            <a:r>
+              <a:rPr lang="en-US" altLang="zh-CN" dirty="0" smtClean="0">
+                <a:solidFill>
+                  <a:schemeClr val="bg1"/>
+                </a:solidFill>
+                <a:latin typeface="Calibri" pitchFamily="34" charset="0"/>
+                <a:ea typeface="微软雅黑" pitchFamily="34" charset="-122"/>
+              </a:rPr>
+              <a:t>Android</a:t>
+            </a:r>
+            <a:r>
+              <a:rPr lang="zh-CN" altLang="en-US" dirty="0" smtClean="0">
+                <a:solidFill>
+                  <a:schemeClr val="bg1"/>
+                </a:solidFill>
+                <a:latin typeface="Calibri" pitchFamily="34" charset="0"/>
+                <a:ea typeface="微软雅黑" pitchFamily="34" charset="-122"/>
+              </a:rPr>
+              <a:t>将会包含一系列的核心应用程序，包括电子邮件客户端，</a:t>
+            </a:r>
+            <a:r>
+              <a:rPr lang="en-US" altLang="zh-CN" dirty="0" smtClean="0">
+                <a:solidFill>
+                  <a:schemeClr val="bg1"/>
+                </a:solidFill>
+                <a:latin typeface="Calibri" pitchFamily="34" charset="0"/>
+                <a:ea typeface="微软雅黑" pitchFamily="34" charset="-122"/>
+              </a:rPr>
+              <a:t>SMS</a:t>
+            </a:r>
+            <a:r>
+              <a:rPr lang="zh-CN" altLang="en-US" dirty="0" smtClean="0">
+                <a:solidFill>
+                  <a:schemeClr val="bg1"/>
+                </a:solidFill>
+                <a:latin typeface="Calibri" pitchFamily="34" charset="0"/>
+                <a:ea typeface="微软雅黑" pitchFamily="34" charset="-122"/>
+              </a:rPr>
+              <a:t>程序，日历，地图，浏览器联系人等。</a:t>
+            </a:r>
+            <a:endParaRPr lang="zh-CN" altLang="en-US" dirty="0">
+              <a:solidFill>
+                <a:schemeClr val="bg1"/>
+              </a:solidFill>
+              <a:latin typeface="Calibri" pitchFamily="34" charset="0"/>
+              <a:ea typeface="微软雅黑" pitchFamily="34" charset="-122"/>
+            </a:endParaRPr>
+          </a:p>
+        </p:txBody>
+      </p:sp>
+      <p:sp>
+        <p:nvSpPr>
+          <p:cNvPr id="56330" name="文本框 12"/>
+          <p:cNvSpPr txBox="1">
+            <a:spLocks noChangeArrowheads="1"/>
+          </p:cNvSpPr>
+          <p:nvPr/>
+        </p:nvSpPr>
+        <p:spPr bwMode="auto">
+          <a:xfrm>
+            <a:off x="1004888" y="5319713"/>
+            <a:ext cx="3633787" cy="646331"/>
+          </a:xfrm>
+          <a:prstGeom prst="rect">
+            <a:avLst/>
+          </a:prstGeom>
+          <a:noFill/>
+          <a:ln w="9525">
+            <a:noFill/>
+            <a:miter lim="800000"/>
+            <a:headEnd/>
+            <a:tailEnd/>
+          </a:ln>
+        </p:spPr>
+        <p:txBody>
+          <a:bodyPr>
+            <a:spAutoFit/>
+          </a:bodyPr>
+          <a:lstStyle/>
+          <a:p>
+            <a:r>
+              <a:rPr lang="en-US" altLang="zh-CN" dirty="0" smtClean="0">
+                <a:solidFill>
+                  <a:schemeClr val="bg1"/>
+                </a:solidFill>
+                <a:latin typeface="Calibri" pitchFamily="34" charset="0"/>
+                <a:ea typeface="微软雅黑" pitchFamily="34" charset="-122"/>
+              </a:rPr>
+              <a:t>Android</a:t>
+            </a:r>
+            <a:r>
+              <a:rPr lang="zh-CN" altLang="en-US" dirty="0" smtClean="0">
+                <a:solidFill>
+                  <a:schemeClr val="bg1"/>
+                </a:solidFill>
+                <a:latin typeface="Calibri" pitchFamily="34" charset="0"/>
+                <a:ea typeface="微软雅黑" pitchFamily="34" charset="-122"/>
+              </a:rPr>
+              <a:t>程序应用框架提供了大量</a:t>
+            </a:r>
+            <a:r>
+              <a:rPr lang="en-US" altLang="zh-CN" dirty="0" smtClean="0">
+                <a:solidFill>
+                  <a:schemeClr val="bg1"/>
+                </a:solidFill>
+                <a:latin typeface="Calibri" pitchFamily="34" charset="0"/>
+                <a:ea typeface="微软雅黑" pitchFamily="34" charset="-122"/>
+              </a:rPr>
+              <a:t>API</a:t>
+            </a:r>
+            <a:r>
+              <a:rPr lang="zh-CN" altLang="en-US" dirty="0" smtClean="0">
+                <a:solidFill>
+                  <a:schemeClr val="bg1"/>
+                </a:solidFill>
+                <a:latin typeface="Calibri" pitchFamily="34" charset="0"/>
+                <a:ea typeface="微软雅黑" pitchFamily="34" charset="-122"/>
+              </a:rPr>
+              <a:t>供开发者使用。</a:t>
+            </a:r>
+            <a:endParaRPr lang="zh-CN" altLang="en-US" dirty="0">
+              <a:solidFill>
+                <a:schemeClr val="bg1"/>
+              </a:solidFill>
+              <a:latin typeface="Calibri" pitchFamily="34" charset="0"/>
+              <a:ea typeface="微软雅黑" pitchFamily="34" charset="-122"/>
+            </a:endParaRPr>
+          </a:p>
+        </p:txBody>
+      </p:sp>
+      <p:sp>
+        <p:nvSpPr>
+          <p:cNvPr id="56331" name="文本框 13"/>
+          <p:cNvSpPr txBox="1">
+            <a:spLocks noChangeArrowheads="1"/>
+          </p:cNvSpPr>
+          <p:nvPr/>
+        </p:nvSpPr>
+        <p:spPr bwMode="auto">
+          <a:xfrm>
+            <a:off x="7083313" y="5496161"/>
+            <a:ext cx="3635375" cy="646331"/>
+          </a:xfrm>
+          <a:prstGeom prst="rect">
+            <a:avLst/>
+          </a:prstGeom>
+          <a:noFill/>
+          <a:ln w="9525">
+            <a:noFill/>
+            <a:miter lim="800000"/>
+            <a:headEnd/>
+            <a:tailEnd/>
+          </a:ln>
+        </p:spPr>
+        <p:txBody>
+          <a:bodyPr>
+            <a:spAutoFit/>
+          </a:bodyPr>
+          <a:lstStyle/>
+          <a:p>
+            <a:r>
+              <a:rPr lang="en-US" altLang="zh-CN" dirty="0" smtClean="0">
+                <a:solidFill>
+                  <a:schemeClr val="bg1"/>
+                </a:solidFill>
+                <a:latin typeface="Calibri" pitchFamily="34" charset="0"/>
+                <a:ea typeface="微软雅黑" pitchFamily="34" charset="-122"/>
+              </a:rPr>
+              <a:t>Android</a:t>
+            </a:r>
+            <a:r>
+              <a:rPr lang="zh-CN" altLang="en-US" dirty="0" smtClean="0">
+                <a:solidFill>
+                  <a:schemeClr val="bg1"/>
+                </a:solidFill>
+                <a:latin typeface="Calibri" pitchFamily="34" charset="0"/>
+                <a:ea typeface="微软雅黑" pitchFamily="34" charset="-122"/>
+              </a:rPr>
+              <a:t>包含一套被不同组建所使用的</a:t>
+            </a:r>
+            <a:r>
+              <a:rPr lang="en-US" altLang="zh-CN" dirty="0" smtClean="0">
+                <a:solidFill>
+                  <a:schemeClr val="bg1"/>
+                </a:solidFill>
+                <a:latin typeface="Calibri" pitchFamily="34" charset="0"/>
+                <a:ea typeface="微软雅黑" pitchFamily="34" charset="-122"/>
+              </a:rPr>
+              <a:t>C/C++</a:t>
+            </a:r>
+            <a:r>
+              <a:rPr lang="zh-CN" altLang="en-US" dirty="0" smtClean="0">
+                <a:solidFill>
+                  <a:schemeClr val="bg1"/>
+                </a:solidFill>
+                <a:latin typeface="Calibri" pitchFamily="34" charset="0"/>
+                <a:ea typeface="微软雅黑" pitchFamily="34" charset="-122"/>
+              </a:rPr>
+              <a:t>库的集合。</a:t>
+            </a:r>
+            <a:endParaRPr lang="zh-CN" altLang="en-US" dirty="0">
+              <a:solidFill>
+                <a:schemeClr val="bg1"/>
+              </a:solidFill>
+              <a:latin typeface="Calibri" pitchFamily="34" charset="0"/>
+              <a:ea typeface="微软雅黑" pitchFamily="34" charset="-122"/>
+            </a:endParaRPr>
+          </a:p>
+        </p:txBody>
+      </p:sp>
+      <p:sp>
+        <p:nvSpPr>
+          <p:cNvPr id="56332" name="文本框 14"/>
+          <p:cNvSpPr txBox="1">
+            <a:spLocks noChangeArrowheads="1"/>
+          </p:cNvSpPr>
+          <p:nvPr/>
+        </p:nvSpPr>
+        <p:spPr bwMode="auto">
+          <a:xfrm>
+            <a:off x="5992019" y="1476177"/>
+            <a:ext cx="4433548" cy="923330"/>
+          </a:xfrm>
+          <a:prstGeom prst="rect">
+            <a:avLst/>
+          </a:prstGeom>
+          <a:noFill/>
+          <a:ln w="9525">
+            <a:noFill/>
+            <a:miter lim="800000"/>
+            <a:headEnd/>
+            <a:tailEnd/>
+          </a:ln>
+        </p:spPr>
+        <p:txBody>
+          <a:bodyPr wrap="square">
+            <a:spAutoFit/>
+          </a:bodyPr>
+          <a:lstStyle/>
+          <a:p>
+            <a:r>
+              <a:rPr lang="en-US" altLang="zh-CN" dirty="0" smtClean="0">
+                <a:solidFill>
+                  <a:schemeClr val="bg1"/>
+                </a:solidFill>
+                <a:latin typeface="Calibri" pitchFamily="34" charset="0"/>
+                <a:ea typeface="微软雅黑" pitchFamily="34" charset="-122"/>
+              </a:rPr>
+              <a:t>Android</a:t>
+            </a:r>
+            <a:r>
+              <a:rPr lang="zh-CN" altLang="en-US" dirty="0" smtClean="0">
+                <a:solidFill>
+                  <a:schemeClr val="bg1"/>
+                </a:solidFill>
+                <a:latin typeface="Calibri" pitchFamily="34" charset="0"/>
+                <a:ea typeface="微软雅黑" pitchFamily="34" charset="-122"/>
+              </a:rPr>
+              <a:t>系统建立在</a:t>
+            </a:r>
+            <a:r>
+              <a:rPr lang="en-US" altLang="zh-CN" dirty="0" smtClean="0">
+                <a:solidFill>
+                  <a:schemeClr val="bg1"/>
+                </a:solidFill>
+                <a:latin typeface="Calibri" pitchFamily="34" charset="0"/>
+                <a:ea typeface="微软雅黑" pitchFamily="34" charset="-122"/>
+              </a:rPr>
+              <a:t>Linux 2.6</a:t>
+            </a:r>
+            <a:r>
+              <a:rPr lang="zh-CN" altLang="en-US" dirty="0" smtClean="0">
+                <a:solidFill>
+                  <a:schemeClr val="bg1"/>
+                </a:solidFill>
+                <a:latin typeface="Calibri" pitchFamily="34" charset="0"/>
+                <a:ea typeface="微软雅黑" pitchFamily="34" charset="-122"/>
+              </a:rPr>
+              <a:t>之上，</a:t>
+            </a:r>
+            <a:r>
+              <a:rPr lang="en-US" altLang="zh-CN" dirty="0" smtClean="0">
+                <a:solidFill>
+                  <a:schemeClr val="bg1"/>
+                </a:solidFill>
+                <a:latin typeface="Calibri" pitchFamily="34" charset="0"/>
+                <a:ea typeface="微软雅黑" pitchFamily="34" charset="-122"/>
+              </a:rPr>
+              <a:t>Linux</a:t>
+            </a:r>
+            <a:r>
+              <a:rPr lang="zh-CN" altLang="en-US" dirty="0" smtClean="0">
+                <a:solidFill>
+                  <a:schemeClr val="bg1"/>
+                </a:solidFill>
+                <a:latin typeface="Calibri" pitchFamily="34" charset="0"/>
+                <a:ea typeface="微软雅黑" pitchFamily="34" charset="-122"/>
+              </a:rPr>
+              <a:t>内核提供了安全性，内存管理，进程管理，网络协议栈和驱动模型等核心系统服务。</a:t>
+            </a:r>
+            <a:endParaRPr lang="zh-CN" altLang="en-US" dirty="0">
+              <a:solidFill>
+                <a:schemeClr val="bg1"/>
+              </a:solidFill>
+              <a:latin typeface="Calibri" pitchFamily="34" charset="0"/>
+              <a:ea typeface="微软雅黑" pitchFamily="34" charset="-122"/>
+            </a:endParaRPr>
+          </a:p>
+        </p:txBody>
+      </p:sp>
+      <p:cxnSp>
+        <p:nvCxnSpPr>
+          <p:cNvPr id="16" name="直接连接符 15"/>
+          <p:cNvCxnSpPr/>
+          <p:nvPr/>
+        </p:nvCxnSpPr>
+        <p:spPr>
+          <a:xfrm>
+            <a:off x="6326188" y="4313238"/>
+            <a:ext cx="4270375" cy="0"/>
+          </a:xfrm>
+          <a:prstGeom prst="line">
+            <a:avLst/>
+          </a:prstGeom>
+          <a:ln>
+            <a:solidFill>
+              <a:schemeClr val="bg1"/>
+            </a:solidFill>
+          </a:ln>
+        </p:spPr>
+        <p:style>
+          <a:lnRef idx="1">
+            <a:schemeClr val="accent1"/>
+          </a:lnRef>
+          <a:fillRef idx="0">
+            <a:schemeClr val="accent1"/>
+          </a:fillRef>
+          <a:effectRef idx="0">
+            <a:schemeClr val="accent1"/>
+          </a:effectRef>
+          <a:fontRef idx="minor">
+            <a:schemeClr val="tx1"/>
+          </a:fontRef>
+        </p:style>
+      </p:cxnSp>
+      <p:cxnSp>
+        <p:nvCxnSpPr>
+          <p:cNvPr id="19" name="直接连接符 18"/>
+          <p:cNvCxnSpPr>
+            <a:stCxn id="24" idx="4"/>
+          </p:cNvCxnSpPr>
+          <p:nvPr/>
+        </p:nvCxnSpPr>
+        <p:spPr>
+          <a:xfrm>
+            <a:off x="5819775" y="4805363"/>
+            <a:ext cx="0" cy="1438275"/>
+          </a:xfrm>
+          <a:prstGeom prst="line">
+            <a:avLst/>
+          </a:prstGeom>
+          <a:ln>
+            <a:solidFill>
+              <a:schemeClr val="bg1"/>
+            </a:solidFill>
+          </a:ln>
+        </p:spPr>
+        <p:style>
+          <a:lnRef idx="1">
+            <a:schemeClr val="accent1"/>
+          </a:lnRef>
+          <a:fillRef idx="0">
+            <a:schemeClr val="accent1"/>
+          </a:fillRef>
+          <a:effectRef idx="0">
+            <a:schemeClr val="accent1"/>
+          </a:effectRef>
+          <a:fontRef idx="minor">
+            <a:schemeClr val="tx1"/>
+          </a:fontRef>
+        </p:style>
+      </p:cxnSp>
+      <p:sp>
+        <p:nvSpPr>
+          <p:cNvPr id="24" name="椭圆 23"/>
+          <p:cNvSpPr/>
+          <p:nvPr/>
+        </p:nvSpPr>
+        <p:spPr>
+          <a:xfrm>
+            <a:off x="5311775" y="3790950"/>
+            <a:ext cx="1014413" cy="1014413"/>
+          </a:xfrm>
+          <a:prstGeom prst="ellipse">
+            <a:avLst/>
+          </a:prstGeom>
+          <a:noFill/>
+          <a:ln>
+            <a:solidFill>
+              <a:schemeClr val="bg1"/>
+            </a:solidFill>
+          </a:ln>
+        </p:spPr>
+        <p:style>
+          <a:lnRef idx="2">
+            <a:schemeClr val="accent1">
+              <a:shade val="50000"/>
+            </a:schemeClr>
+          </a:lnRef>
+          <a:fillRef idx="1">
+            <a:schemeClr val="accent1"/>
+          </a:fillRef>
+          <a:effectRef idx="0">
+            <a:schemeClr val="accent1"/>
+          </a:effectRef>
+          <a:fontRef idx="minor">
+            <a:schemeClr val="lt1"/>
+          </a:fontRef>
+        </p:style>
+        <p:txBody>
+          <a:bodyPr anchor="ctr"/>
+          <a:lstStyle/>
+          <a:p>
+            <a:pPr algn="ctr" fontAlgn="auto">
+              <a:spcBef>
+                <a:spcPts val="0"/>
+              </a:spcBef>
+              <a:spcAft>
+                <a:spcPts val="0"/>
+              </a:spcAft>
+              <a:defRPr/>
+            </a:pPr>
+            <a:endParaRPr lang="zh-CN" altLang="en-US" sz="3200" dirty="0"/>
+          </a:p>
+        </p:txBody>
+      </p:sp>
+      <p:sp>
+        <p:nvSpPr>
+          <p:cNvPr id="30" name="椭圆 29"/>
+          <p:cNvSpPr/>
+          <p:nvPr/>
+        </p:nvSpPr>
+        <p:spPr>
+          <a:xfrm>
+            <a:off x="5581650" y="4060825"/>
+            <a:ext cx="476250" cy="476250"/>
+          </a:xfrm>
+          <a:prstGeom prst="ellipse">
+            <a:avLst/>
+          </a:prstGeom>
+          <a:noFill/>
+          <a:ln>
+            <a:solidFill>
+              <a:schemeClr val="bg1"/>
+            </a:solidFill>
+          </a:ln>
+        </p:spPr>
+        <p:style>
+          <a:lnRef idx="2">
+            <a:schemeClr val="accent1">
+              <a:shade val="50000"/>
+            </a:schemeClr>
+          </a:lnRef>
+          <a:fillRef idx="1">
+            <a:schemeClr val="accent1"/>
+          </a:fillRef>
+          <a:effectRef idx="0">
+            <a:schemeClr val="accent1"/>
+          </a:effectRef>
+          <a:fontRef idx="minor">
+            <a:schemeClr val="lt1"/>
+          </a:fontRef>
+        </p:style>
+        <p:txBody>
+          <a:bodyPr anchor="ctr"/>
+          <a:lstStyle/>
+          <a:p>
+            <a:pPr algn="ctr" fontAlgn="auto">
+              <a:spcBef>
+                <a:spcPts val="0"/>
+              </a:spcBef>
+              <a:spcAft>
+                <a:spcPts val="0"/>
+              </a:spcAft>
+              <a:defRPr/>
+            </a:pPr>
+            <a:endParaRPr lang="zh-CN" altLang="en-US" sz="3200" dirty="0"/>
+          </a:p>
+        </p:txBody>
+      </p:sp>
+      <p:sp>
+        <p:nvSpPr>
+          <p:cNvPr id="31" name="椭圆 30"/>
+          <p:cNvSpPr/>
+          <p:nvPr/>
+        </p:nvSpPr>
+        <p:spPr>
+          <a:xfrm>
+            <a:off x="6100763" y="3859213"/>
+            <a:ext cx="101600" cy="101600"/>
+          </a:xfrm>
+          <a:prstGeom prst="ellipse">
+            <a:avLst/>
+          </a:prstGeom>
+          <a:solidFill>
+            <a:schemeClr val="bg1"/>
+          </a:solidFill>
+          <a:ln>
+            <a:solidFill>
+              <a:schemeClr val="bg1"/>
+            </a:solidFill>
+          </a:ln>
+        </p:spPr>
+        <p:style>
+          <a:lnRef idx="2">
+            <a:schemeClr val="accent1">
+              <a:shade val="50000"/>
+            </a:schemeClr>
+          </a:lnRef>
+          <a:fillRef idx="1">
+            <a:schemeClr val="accent1"/>
+          </a:fillRef>
+          <a:effectRef idx="0">
+            <a:schemeClr val="accent1"/>
+          </a:effectRef>
+          <a:fontRef idx="minor">
+            <a:schemeClr val="lt1"/>
+          </a:fontRef>
+        </p:style>
+        <p:txBody>
+          <a:bodyPr anchor="ctr"/>
+          <a:lstStyle/>
+          <a:p>
+            <a:pPr algn="ctr" fontAlgn="auto">
+              <a:spcBef>
+                <a:spcPts val="0"/>
+              </a:spcBef>
+              <a:spcAft>
+                <a:spcPts val="0"/>
+              </a:spcAft>
+              <a:defRPr/>
+            </a:pPr>
+            <a:endParaRPr lang="zh-CN" altLang="en-US" sz="3200" dirty="0"/>
+          </a:p>
+        </p:txBody>
+      </p:sp>
+      <p:sp>
+        <p:nvSpPr>
+          <p:cNvPr id="32" name="椭圆 31"/>
+          <p:cNvSpPr/>
+          <p:nvPr/>
+        </p:nvSpPr>
+        <p:spPr>
+          <a:xfrm>
+            <a:off x="5940425" y="4418013"/>
+            <a:ext cx="103188" cy="101600"/>
+          </a:xfrm>
+          <a:prstGeom prst="ellipse">
+            <a:avLst/>
+          </a:prstGeom>
+          <a:solidFill>
+            <a:schemeClr val="bg1"/>
+          </a:solidFill>
+          <a:ln>
+            <a:solidFill>
+              <a:schemeClr val="bg1"/>
+            </a:solidFill>
+          </a:ln>
+        </p:spPr>
+        <p:style>
+          <a:lnRef idx="2">
+            <a:schemeClr val="accent1">
+              <a:shade val="50000"/>
+            </a:schemeClr>
+          </a:lnRef>
+          <a:fillRef idx="1">
+            <a:schemeClr val="accent1"/>
+          </a:fillRef>
+          <a:effectRef idx="0">
+            <a:schemeClr val="accent1"/>
+          </a:effectRef>
+          <a:fontRef idx="minor">
+            <a:schemeClr val="lt1"/>
+          </a:fontRef>
+        </p:style>
+        <p:txBody>
+          <a:bodyPr anchor="ctr"/>
+          <a:lstStyle/>
+          <a:p>
+            <a:pPr algn="ctr" fontAlgn="auto">
+              <a:spcBef>
+                <a:spcPts val="0"/>
+              </a:spcBef>
+              <a:spcAft>
+                <a:spcPts val="0"/>
+              </a:spcAft>
+              <a:defRPr/>
+            </a:pPr>
+            <a:endParaRPr lang="zh-CN" altLang="en-US" sz="3200" dirty="0"/>
+          </a:p>
+        </p:txBody>
+      </p:sp>
+      <p:sp>
+        <p:nvSpPr>
+          <p:cNvPr id="20" name="矩形 3"/>
+          <p:cNvSpPr>
+            <a:spLocks noChangeArrowheads="1"/>
+          </p:cNvSpPr>
+          <p:nvPr/>
+        </p:nvSpPr>
+        <p:spPr bwMode="auto">
+          <a:xfrm>
+            <a:off x="222683" y="534403"/>
+            <a:ext cx="7320980" cy="707886"/>
+          </a:xfrm>
+          <a:prstGeom prst="rect">
+            <a:avLst/>
+          </a:prstGeom>
+          <a:noFill/>
+          <a:ln w="9525">
+            <a:noFill/>
+            <a:miter lim="800000"/>
+            <a:headEnd/>
+            <a:tailEnd/>
+          </a:ln>
+        </p:spPr>
+        <p:txBody>
+          <a:bodyPr wrap="none">
+            <a:spAutoFit/>
+          </a:bodyPr>
+          <a:lstStyle/>
+          <a:p>
+            <a:pPr algn="ctr"/>
+            <a:r>
+              <a:rPr lang="en-US" altLang="zh-CN" sz="4000" dirty="0" smtClean="0">
+                <a:solidFill>
+                  <a:schemeClr val="bg1"/>
+                </a:solidFill>
+                <a:latin typeface="Calibri" pitchFamily="34" charset="0"/>
+                <a:ea typeface="方正大黑简体" pitchFamily="2" charset="-122"/>
+              </a:rPr>
+              <a:t>1.1.2 Android 5.x</a:t>
+            </a:r>
+            <a:r>
+              <a:rPr lang="zh-CN" altLang="en-US" sz="4000" dirty="0" smtClean="0">
+                <a:solidFill>
+                  <a:schemeClr val="bg1"/>
+                </a:solidFill>
+                <a:latin typeface="Calibri" pitchFamily="34" charset="0"/>
+                <a:ea typeface="方正大黑简体" pitchFamily="2" charset="-122"/>
+              </a:rPr>
+              <a:t>平台架构及特性</a:t>
+            </a:r>
+            <a:endParaRPr lang="zh-CN" altLang="en-US" sz="4000" dirty="0">
+              <a:solidFill>
+                <a:schemeClr val="bg1"/>
+              </a:solidFill>
+              <a:latin typeface="Calibri" pitchFamily="34" charset="0"/>
+              <a:ea typeface="方正大黑简体" pitchFamily="2" charset="-122"/>
+            </a:endParaRPr>
+          </a:p>
+        </p:txBody>
+      </p:sp>
+      <p:cxnSp>
+        <p:nvCxnSpPr>
+          <p:cNvPr id="21" name="直接连接符 20"/>
+          <p:cNvCxnSpPr/>
+          <p:nvPr/>
+        </p:nvCxnSpPr>
+        <p:spPr>
+          <a:xfrm>
+            <a:off x="0" y="446088"/>
+            <a:ext cx="3321050" cy="0"/>
+          </a:xfrm>
+          <a:prstGeom prst="line">
+            <a:avLst/>
+          </a:prstGeom>
+          <a:ln>
+            <a:solidFill>
+              <a:schemeClr val="bg1"/>
+            </a:solidFill>
+          </a:ln>
+        </p:spPr>
+        <p:style>
+          <a:lnRef idx="1">
+            <a:schemeClr val="accent1"/>
+          </a:lnRef>
+          <a:fillRef idx="0">
+            <a:schemeClr val="accent1"/>
+          </a:fillRef>
+          <a:effectRef idx="0">
+            <a:schemeClr val="accent1"/>
+          </a:effectRef>
+          <a:fontRef idx="minor">
+            <a:schemeClr val="tx1"/>
+          </a:fontRef>
+        </p:style>
+      </p:cxnSp>
+      <p:cxnSp>
+        <p:nvCxnSpPr>
+          <p:cNvPr id="22" name="直接连接符 21"/>
+          <p:cNvCxnSpPr/>
+          <p:nvPr/>
+        </p:nvCxnSpPr>
+        <p:spPr>
+          <a:xfrm>
+            <a:off x="0" y="1271588"/>
+            <a:ext cx="11591925" cy="0"/>
+          </a:xfrm>
+          <a:prstGeom prst="line">
+            <a:avLst/>
+          </a:prstGeom>
+          <a:ln>
+            <a:solidFill>
+              <a:schemeClr val="bg1"/>
+            </a:solidFill>
+          </a:ln>
+        </p:spPr>
+        <p:style>
+          <a:lnRef idx="1">
+            <a:schemeClr val="accent1"/>
+          </a:lnRef>
+          <a:fillRef idx="0">
+            <a:schemeClr val="accent1"/>
+          </a:fillRef>
+          <a:effectRef idx="0">
+            <a:schemeClr val="accent1"/>
+          </a:effectRef>
+          <a:fontRef idx="minor">
+            <a:schemeClr val="tx1"/>
+          </a:fontRef>
+        </p:style>
+      </p:cxnSp>
+      <p:cxnSp>
+        <p:nvCxnSpPr>
+          <p:cNvPr id="23" name="直接连接符 22"/>
+          <p:cNvCxnSpPr/>
+          <p:nvPr/>
+        </p:nvCxnSpPr>
+        <p:spPr>
+          <a:xfrm>
+            <a:off x="6123328" y="2611090"/>
+            <a:ext cx="0" cy="1347787"/>
+          </a:xfrm>
+          <a:prstGeom prst="line">
+            <a:avLst/>
+          </a:prstGeom>
+          <a:ln>
+            <a:solidFill>
+              <a:schemeClr val="bg1"/>
+            </a:solidFill>
+          </a:ln>
+        </p:spPr>
+        <p:style>
+          <a:lnRef idx="1">
+            <a:schemeClr val="accent1"/>
+          </a:lnRef>
+          <a:fillRef idx="0">
+            <a:schemeClr val="accent1"/>
+          </a:fillRef>
+          <a:effectRef idx="0">
+            <a:schemeClr val="accent1"/>
+          </a:effectRef>
+          <a:fontRef idx="minor">
+            <a:schemeClr val="tx1"/>
+          </a:fontRef>
+        </p:style>
+      </p:cxnSp>
+      <p:sp>
+        <p:nvSpPr>
+          <p:cNvPr id="25" name="矩形 24"/>
+          <p:cNvSpPr/>
+          <p:nvPr/>
+        </p:nvSpPr>
+        <p:spPr>
+          <a:xfrm>
+            <a:off x="6137841" y="2612232"/>
+            <a:ext cx="785812" cy="785812"/>
+          </a:xfrm>
+          <a:prstGeom prst="rect">
+            <a:avLst/>
+          </a:prstGeom>
+          <a:solidFill>
+            <a:srgbClr val="FE5A3E"/>
+          </a:solidFill>
+          <a:ln>
+            <a:noFill/>
+          </a:ln>
+        </p:spPr>
+        <p:style>
+          <a:lnRef idx="2">
+            <a:schemeClr val="accent1">
+              <a:shade val="50000"/>
+            </a:schemeClr>
+          </a:lnRef>
+          <a:fillRef idx="1">
+            <a:schemeClr val="accent1"/>
+          </a:fillRef>
+          <a:effectRef idx="0">
+            <a:schemeClr val="accent1"/>
+          </a:effectRef>
+          <a:fontRef idx="minor">
+            <a:schemeClr val="lt1"/>
+          </a:fontRef>
+        </p:style>
+        <p:txBody>
+          <a:bodyPr anchor="ctr"/>
+          <a:lstStyle/>
+          <a:p>
+            <a:pPr algn="ctr" fontAlgn="auto">
+              <a:spcBef>
+                <a:spcPts val="0"/>
+              </a:spcBef>
+              <a:spcAft>
+                <a:spcPts val="0"/>
+              </a:spcAft>
+              <a:defRPr/>
+            </a:pPr>
+            <a:r>
+              <a:rPr lang="en-US" altLang="zh-CN" sz="5400" dirty="0">
+                <a:latin typeface="Broadway" panose="04040905080B02020502" pitchFamily="82" charset="0"/>
+              </a:rPr>
+              <a:t>5</a:t>
+            </a:r>
+            <a:endParaRPr lang="zh-CN" altLang="en-US" sz="5400" dirty="0">
+              <a:latin typeface="Broadway" panose="04040905080B02020502" pitchFamily="82" charset="0"/>
+            </a:endParaRPr>
+          </a:p>
+        </p:txBody>
+      </p:sp>
+      <p:sp>
+        <p:nvSpPr>
+          <p:cNvPr id="26" name="矩形 25"/>
+          <p:cNvSpPr/>
+          <p:nvPr/>
+        </p:nvSpPr>
+        <p:spPr>
+          <a:xfrm>
+            <a:off x="3950155" y="3477604"/>
+            <a:ext cx="1436981" cy="445649"/>
+          </a:xfrm>
+          <a:prstGeom prst="rect">
+            <a:avLst/>
+          </a:prstGeom>
+          <a:solidFill>
+            <a:srgbClr val="FFFFFF">
+              <a:alpha val="40000"/>
+            </a:srgbClr>
+          </a:solidFill>
+          <a:ln>
+            <a:noFill/>
+          </a:ln>
+        </p:spPr>
+        <p:style>
+          <a:lnRef idx="2">
+            <a:schemeClr val="accent1">
+              <a:shade val="50000"/>
+            </a:schemeClr>
+          </a:lnRef>
+          <a:fillRef idx="1">
+            <a:schemeClr val="accent1"/>
+          </a:fillRef>
+          <a:effectRef idx="0">
+            <a:schemeClr val="accent1"/>
+          </a:effectRef>
+          <a:fontRef idx="minor">
+            <a:schemeClr val="lt1"/>
+          </a:fontRef>
+        </p:style>
+        <p:txBody>
+          <a:bodyPr anchor="ctr"/>
+          <a:lstStyle/>
+          <a:p>
+            <a:pPr algn="ctr" fontAlgn="auto">
+              <a:spcBef>
+                <a:spcPts val="0"/>
+              </a:spcBef>
+              <a:spcAft>
+                <a:spcPts val="0"/>
+              </a:spcAft>
+              <a:defRPr/>
+            </a:pPr>
+            <a:r>
+              <a:rPr lang="zh-CN" altLang="en-US" dirty="0" smtClean="0"/>
+              <a:t>应用程序层</a:t>
+            </a:r>
+            <a:endParaRPr lang="zh-CN" altLang="en-US" dirty="0"/>
+          </a:p>
+        </p:txBody>
+      </p:sp>
+      <p:sp>
+        <p:nvSpPr>
+          <p:cNvPr id="27" name="矩形 26"/>
+          <p:cNvSpPr/>
+          <p:nvPr/>
+        </p:nvSpPr>
+        <p:spPr>
+          <a:xfrm>
+            <a:off x="6236734" y="3488092"/>
+            <a:ext cx="1436981" cy="445649"/>
+          </a:xfrm>
+          <a:prstGeom prst="rect">
+            <a:avLst/>
+          </a:prstGeom>
+          <a:solidFill>
+            <a:srgbClr val="FFFFFF">
+              <a:alpha val="40000"/>
+            </a:srgbClr>
+          </a:solidFill>
+          <a:ln>
+            <a:noFill/>
+          </a:ln>
+        </p:spPr>
+        <p:style>
+          <a:lnRef idx="2">
+            <a:schemeClr val="accent1">
+              <a:shade val="50000"/>
+            </a:schemeClr>
+          </a:lnRef>
+          <a:fillRef idx="1">
+            <a:schemeClr val="accent1"/>
+          </a:fillRef>
+          <a:effectRef idx="0">
+            <a:schemeClr val="accent1"/>
+          </a:effectRef>
+          <a:fontRef idx="minor">
+            <a:schemeClr val="lt1"/>
+          </a:fontRef>
+        </p:style>
+        <p:txBody>
+          <a:bodyPr anchor="ctr"/>
+          <a:lstStyle/>
+          <a:p>
+            <a:pPr algn="ctr" fontAlgn="auto">
+              <a:spcBef>
+                <a:spcPts val="0"/>
+              </a:spcBef>
+              <a:spcAft>
+                <a:spcPts val="0"/>
+              </a:spcAft>
+              <a:defRPr/>
+            </a:pPr>
+            <a:r>
+              <a:rPr lang="en-US" altLang="zh-CN" dirty="0" smtClean="0"/>
+              <a:t>Linux</a:t>
+            </a:r>
+            <a:r>
+              <a:rPr lang="zh-CN" altLang="en-US" dirty="0" smtClean="0"/>
+              <a:t>内核</a:t>
+            </a:r>
+            <a:endParaRPr lang="zh-CN" altLang="en-US" dirty="0"/>
+          </a:p>
+        </p:txBody>
+      </p:sp>
+      <p:sp>
+        <p:nvSpPr>
+          <p:cNvPr id="28" name="矩形 27"/>
+          <p:cNvSpPr/>
+          <p:nvPr/>
+        </p:nvSpPr>
+        <p:spPr>
+          <a:xfrm>
+            <a:off x="2016206" y="4363682"/>
+            <a:ext cx="1583337" cy="445649"/>
+          </a:xfrm>
+          <a:prstGeom prst="rect">
+            <a:avLst/>
+          </a:prstGeom>
+          <a:solidFill>
+            <a:srgbClr val="FFFFFF">
+              <a:alpha val="40000"/>
+            </a:srgbClr>
+          </a:solidFill>
+          <a:ln>
+            <a:noFill/>
+          </a:ln>
+        </p:spPr>
+        <p:style>
+          <a:lnRef idx="2">
+            <a:schemeClr val="accent1">
+              <a:shade val="50000"/>
+            </a:schemeClr>
+          </a:lnRef>
+          <a:fillRef idx="1">
+            <a:schemeClr val="accent1"/>
+          </a:fillRef>
+          <a:effectRef idx="0">
+            <a:schemeClr val="accent1"/>
+          </a:effectRef>
+          <a:fontRef idx="minor">
+            <a:schemeClr val="lt1"/>
+          </a:fontRef>
+        </p:style>
+        <p:txBody>
+          <a:bodyPr anchor="ctr"/>
+          <a:lstStyle/>
+          <a:p>
+            <a:pPr algn="ctr" fontAlgn="auto">
+              <a:spcBef>
+                <a:spcPts val="0"/>
+              </a:spcBef>
+              <a:spcAft>
+                <a:spcPts val="0"/>
+              </a:spcAft>
+              <a:defRPr/>
+            </a:pPr>
+            <a:r>
+              <a:rPr lang="zh-CN" altLang="en-US" dirty="0" smtClean="0"/>
+              <a:t>应用程序框架</a:t>
+            </a:r>
+            <a:endParaRPr lang="zh-CN" altLang="en-US" dirty="0"/>
+          </a:p>
+        </p:txBody>
+      </p:sp>
+      <p:sp>
+        <p:nvSpPr>
+          <p:cNvPr id="29" name="矩形 28"/>
+          <p:cNvSpPr/>
+          <p:nvPr/>
+        </p:nvSpPr>
+        <p:spPr>
+          <a:xfrm>
+            <a:off x="5899651" y="4936657"/>
+            <a:ext cx="1055573" cy="445649"/>
+          </a:xfrm>
+          <a:prstGeom prst="rect">
+            <a:avLst/>
+          </a:prstGeom>
+          <a:solidFill>
+            <a:srgbClr val="FFFFFF">
+              <a:alpha val="40000"/>
+            </a:srgbClr>
+          </a:solidFill>
+          <a:ln>
+            <a:noFill/>
+          </a:ln>
+        </p:spPr>
+        <p:style>
+          <a:lnRef idx="2">
+            <a:schemeClr val="accent1">
+              <a:shade val="50000"/>
+            </a:schemeClr>
+          </a:lnRef>
+          <a:fillRef idx="1">
+            <a:schemeClr val="accent1"/>
+          </a:fillRef>
+          <a:effectRef idx="0">
+            <a:schemeClr val="accent1"/>
+          </a:effectRef>
+          <a:fontRef idx="minor">
+            <a:schemeClr val="lt1"/>
+          </a:fontRef>
+        </p:style>
+        <p:txBody>
+          <a:bodyPr anchor="ctr"/>
+          <a:lstStyle/>
+          <a:p>
+            <a:pPr algn="ctr" fontAlgn="auto">
+              <a:spcBef>
+                <a:spcPts val="0"/>
+              </a:spcBef>
+              <a:spcAft>
+                <a:spcPts val="0"/>
+              </a:spcAft>
+              <a:defRPr/>
+            </a:pPr>
+            <a:r>
+              <a:rPr lang="zh-CN" altLang="en-US" dirty="0" smtClean="0"/>
+              <a:t>函数库</a:t>
+            </a:r>
+            <a:endParaRPr lang="zh-CN" altLang="en-US" dirty="0"/>
+          </a:p>
+        </p:txBody>
+      </p:sp>
+      <p:sp>
+        <p:nvSpPr>
+          <p:cNvPr id="33" name="矩形 32"/>
+          <p:cNvSpPr/>
+          <p:nvPr/>
+        </p:nvSpPr>
+        <p:spPr>
+          <a:xfrm>
+            <a:off x="8066849" y="3808972"/>
+            <a:ext cx="1668304" cy="445649"/>
+          </a:xfrm>
+          <a:prstGeom prst="rect">
+            <a:avLst/>
+          </a:prstGeom>
+          <a:solidFill>
+            <a:srgbClr val="FFFFFF">
+              <a:alpha val="40000"/>
+            </a:srgbClr>
+          </a:solidFill>
+          <a:ln>
+            <a:noFill/>
+          </a:ln>
+        </p:spPr>
+        <p:style>
+          <a:lnRef idx="2">
+            <a:schemeClr val="accent1">
+              <a:shade val="50000"/>
+            </a:schemeClr>
+          </a:lnRef>
+          <a:fillRef idx="1">
+            <a:schemeClr val="accent1"/>
+          </a:fillRef>
+          <a:effectRef idx="0">
+            <a:schemeClr val="accent1"/>
+          </a:effectRef>
+          <a:fontRef idx="minor">
+            <a:schemeClr val="lt1"/>
+          </a:fontRef>
+        </p:style>
+        <p:txBody>
+          <a:bodyPr anchor="ctr"/>
+          <a:lstStyle/>
+          <a:p>
+            <a:pPr algn="ctr" fontAlgn="auto">
+              <a:spcBef>
+                <a:spcPts val="0"/>
+              </a:spcBef>
+              <a:spcAft>
+                <a:spcPts val="0"/>
+              </a:spcAft>
+              <a:defRPr/>
+            </a:pPr>
+            <a:r>
+              <a:rPr lang="en-US" altLang="zh-CN" dirty="0" smtClean="0"/>
+              <a:t>Android</a:t>
+            </a:r>
+            <a:r>
+              <a:rPr lang="zh-CN" altLang="en-US" dirty="0" smtClean="0"/>
+              <a:t>运行时</a:t>
+            </a:r>
+            <a:endParaRPr lang="zh-CN" altLang="en-US" dirty="0"/>
+          </a:p>
+        </p:txBody>
+      </p:sp>
+      <p:sp>
+        <p:nvSpPr>
+          <p:cNvPr id="34" name="文本框 13"/>
+          <p:cNvSpPr txBox="1">
+            <a:spLocks noChangeArrowheads="1"/>
+          </p:cNvSpPr>
+          <p:nvPr/>
+        </p:nvSpPr>
+        <p:spPr bwMode="auto">
+          <a:xfrm>
+            <a:off x="8901001" y="3036791"/>
+            <a:ext cx="2553607" cy="369332"/>
+          </a:xfrm>
+          <a:prstGeom prst="rect">
+            <a:avLst/>
+          </a:prstGeom>
+          <a:noFill/>
+          <a:ln w="9525">
+            <a:noFill/>
+            <a:miter lim="800000"/>
+            <a:headEnd/>
+            <a:tailEnd/>
+          </a:ln>
+        </p:spPr>
+        <p:txBody>
+          <a:bodyPr wrap="square">
+            <a:spAutoFit/>
+          </a:bodyPr>
+          <a:lstStyle/>
+          <a:p>
+            <a:r>
+              <a:rPr lang="en-US" altLang="zh-CN" dirty="0" smtClean="0">
+                <a:solidFill>
+                  <a:schemeClr val="bg1"/>
+                </a:solidFill>
+                <a:latin typeface="Calibri" pitchFamily="34" charset="0"/>
+                <a:ea typeface="微软雅黑" pitchFamily="34" charset="-122"/>
+              </a:rPr>
+              <a:t>Android</a:t>
+            </a:r>
+            <a:r>
+              <a:rPr lang="zh-CN" altLang="en-US" dirty="0" smtClean="0">
+                <a:solidFill>
+                  <a:schemeClr val="bg1"/>
+                </a:solidFill>
+                <a:latin typeface="Calibri" pitchFamily="34" charset="0"/>
+                <a:ea typeface="微软雅黑" pitchFamily="34" charset="-122"/>
+              </a:rPr>
+              <a:t>核心库集和</a:t>
+            </a:r>
+            <a:r>
+              <a:rPr lang="en-US" altLang="zh-CN" dirty="0" smtClean="0">
+                <a:solidFill>
+                  <a:schemeClr val="bg1"/>
+                </a:solidFill>
+                <a:latin typeface="Calibri" pitchFamily="34" charset="0"/>
+                <a:ea typeface="微软雅黑" pitchFamily="34" charset="-122"/>
+              </a:rPr>
+              <a:t>ART</a:t>
+            </a:r>
+            <a:r>
+              <a:rPr lang="zh-CN" altLang="en-US" dirty="0" smtClean="0">
+                <a:solidFill>
+                  <a:schemeClr val="bg1"/>
+                </a:solidFill>
+                <a:latin typeface="Calibri" pitchFamily="34" charset="0"/>
+                <a:ea typeface="微软雅黑" pitchFamily="34" charset="-122"/>
+              </a:rPr>
+              <a:t>。</a:t>
+            </a:r>
+            <a:endParaRPr lang="zh-CN" altLang="en-US" dirty="0">
+              <a:solidFill>
+                <a:schemeClr val="bg1"/>
+              </a:solidFill>
+              <a:latin typeface="Calibri" pitchFamily="34" charset="0"/>
+              <a:ea typeface="微软雅黑" pitchFamily="34" charset="-122"/>
+            </a:endParaRPr>
+          </a:p>
+        </p:txBody>
+      </p:sp>
+    </p:spTree>
+    <p:extLst>
+      <p:ext uri="{BB962C8B-B14F-4D97-AF65-F5344CB8AC3E}">
+        <p14:creationId xmlns:p14="http://schemas.microsoft.com/office/powerpoint/2010/main" val="307361030"/>
+      </p:ext>
+    </p:extLst>
+  </p:cSld>
+  <p:clrMapOvr>
+    <a:masterClrMapping/>
+  </p:clrMapOvr>
+  <p:timing>
+    <p:tnLst>
+      <p:par>
+        <p:cTn id="1" dur="indefinite" restart="never" nodeType="tmRoot"/>
+      </p:par>
+    </p:tnLst>
+  </p:timing>
+</p:sld>
+</file>
+
+<file path=ppt/slides/slide11.xml><?xml version="1.0" encoding="utf-8"?>
 <p:sld xmlns:a="http://schemas.openxmlformats.org/drawingml/2006/main" xmlns:r="http://schemas.openxmlformats.org/officeDocument/2006/relationships" xmlns:p="http://schemas.openxmlformats.org/presentationml/2006/main">
   <p:cSld>
     <p:spTree>
@@ -5775,7 +7379,7 @@
 </p:sld>
 </file>
 
-<file path=ppt/slides/slide11.xml><?xml version="1.0" encoding="utf-8"?>
+<file path=ppt/slides/slide12.xml><?xml version="1.0" encoding="utf-8"?>
 <p:sld xmlns:a="http://schemas.openxmlformats.org/drawingml/2006/main" xmlns:r="http://schemas.openxmlformats.org/officeDocument/2006/relationships" xmlns:p="http://schemas.openxmlformats.org/presentationml/2006/main">
   <p:cSld>
     <p:spTree>
@@ -6787,14 +8391,14 @@
           </a:ln>
           <a:extLst>
             <a:ext uri="{909E8E84-426E-40dd-AFC4-6F175D3DCCD1}">
-              <a14:hiddenFill xmlns="" xmlns:a14="http://schemas.microsoft.com/office/drawing/2010/main">
+              <a14:hiddenFill xmlns:a14="http://schemas.microsoft.com/office/drawing/2010/main" xmlns="">
                 <a:solidFill>
                   <a:srgbClr val="FFFFFF"/>
                 </a:solidFill>
               </a14:hiddenFill>
             </a:ext>
             <a:ext uri="{91240B29-F687-4f45-9708-019B960494DF}">
-              <a14:hiddenLine xmlns="" xmlns:a14="http://schemas.microsoft.com/office/drawing/2010/main" w="9525">
+              <a14:hiddenLine xmlns:a14="http://schemas.microsoft.com/office/drawing/2010/main" xmlns="" w="9525">
                 <a:solidFill>
                   <a:srgbClr val="000000"/>
                 </a:solidFill>
@@ -6971,14 +8575,14 @@
           </a:ln>
           <a:extLst>
             <a:ext uri="{909E8E84-426E-40dd-AFC4-6F175D3DCCD1}">
-              <a14:hiddenFill xmlns="" xmlns:a14="http://schemas.microsoft.com/office/drawing/2010/main">
+              <a14:hiddenFill xmlns:a14="http://schemas.microsoft.com/office/drawing/2010/main" xmlns="">
                 <a:solidFill>
                   <a:srgbClr val="FFFFFF"/>
                 </a:solidFill>
               </a14:hiddenFill>
             </a:ext>
             <a:ext uri="{91240B29-F687-4f45-9708-019B960494DF}">
-              <a14:hiddenLine xmlns="" xmlns:a14="http://schemas.microsoft.com/office/drawing/2010/main" w="9525">
+              <a14:hiddenLine xmlns:a14="http://schemas.microsoft.com/office/drawing/2010/main" xmlns="" w="9525">
                 <a:solidFill>
                   <a:srgbClr val="000000"/>
                 </a:solidFill>
@@ -7025,14 +8629,14 @@
           </a:ln>
           <a:extLst>
             <a:ext uri="{909E8E84-426E-40dd-AFC4-6F175D3DCCD1}">
-              <a14:hiddenFill xmlns="" xmlns:a14="http://schemas.microsoft.com/office/drawing/2010/main">
+              <a14:hiddenFill xmlns:a14="http://schemas.microsoft.com/office/drawing/2010/main" xmlns="">
                 <a:solidFill>
                   <a:srgbClr val="FFFFFF"/>
                 </a:solidFill>
               </a14:hiddenFill>
             </a:ext>
             <a:ext uri="{91240B29-F687-4f45-9708-019B960494DF}">
-              <a14:hiddenLine xmlns="" xmlns:a14="http://schemas.microsoft.com/office/drawing/2010/main" w="9525">
+              <a14:hiddenLine xmlns:a14="http://schemas.microsoft.com/office/drawing/2010/main" xmlns="" w="9525">
                 <a:solidFill>
                   <a:srgbClr val="000000"/>
                 </a:solidFill>
@@ -7079,14 +8683,14 @@
           </a:ln>
           <a:extLst>
             <a:ext uri="{909E8E84-426E-40dd-AFC4-6F175D3DCCD1}">
-              <a14:hiddenFill xmlns="" xmlns:a14="http://schemas.microsoft.com/office/drawing/2010/main">
+              <a14:hiddenFill xmlns:a14="http://schemas.microsoft.com/office/drawing/2010/main" xmlns="">
                 <a:solidFill>
                   <a:srgbClr val="FFFFFF"/>
                 </a:solidFill>
               </a14:hiddenFill>
             </a:ext>
             <a:ext uri="{91240B29-F687-4f45-9708-019B960494DF}">
-              <a14:hiddenLine xmlns="" xmlns:a14="http://schemas.microsoft.com/office/drawing/2010/main" w="9525">
+              <a14:hiddenLine xmlns:a14="http://schemas.microsoft.com/office/drawing/2010/main" xmlns="" w="9525">
                 <a:solidFill>
                   <a:srgbClr val="000000"/>
                 </a:solidFill>
@@ -8662,7 +10266,7 @@
 </p:sld>
 </file>
 
-<file path=ppt/slides/slide12.xml><?xml version="1.0" encoding="utf-8"?>
+<file path=ppt/slides/slide13.xml><?xml version="1.0" encoding="utf-8"?>
 <p:sld xmlns:a="http://schemas.openxmlformats.org/drawingml/2006/main" xmlns:r="http://schemas.openxmlformats.org/officeDocument/2006/relationships" xmlns:p="http://schemas.openxmlformats.org/presentationml/2006/main">
   <p:cSld>
     <p:spTree>
@@ -8981,7 +10585,7 @@
 </p:sld>
 </file>
 
-<file path=ppt/slides/slide13.xml><?xml version="1.0" encoding="utf-8"?>
+<file path=ppt/slides/slide14.xml><?xml version="1.0" encoding="utf-8"?>
 <p:sld xmlns:a="http://schemas.openxmlformats.org/drawingml/2006/main" xmlns:r="http://schemas.openxmlformats.org/officeDocument/2006/relationships" xmlns:p="http://schemas.openxmlformats.org/presentationml/2006/main">
   <p:cSld>
     <p:spTree>
@@ -9955,7 +11559,7 @@
 </p:sld>
 </file>
 
-<file path=ppt/slides/slide14.xml><?xml version="1.0" encoding="utf-8"?>
+<file path=ppt/slides/slide15.xml><?xml version="1.0" encoding="utf-8"?>
 <p:sld xmlns:a="http://schemas.openxmlformats.org/drawingml/2006/main" xmlns:r="http://schemas.openxmlformats.org/officeDocument/2006/relationships" xmlns:p="http://schemas.openxmlformats.org/presentationml/2006/main">
   <p:cSld>
     <p:spTree>
@@ -10284,7 +11888,7 @@
 </p:sld>
 </file>
 
-<file path=ppt/slides/slide15.xml><?xml version="1.0" encoding="utf-8"?>
+<file path=ppt/slides/slide16.xml><?xml version="1.0" encoding="utf-8"?>
 <p:sld xmlns:a="http://schemas.openxmlformats.org/drawingml/2006/main" xmlns:r="http://schemas.openxmlformats.org/officeDocument/2006/relationships" xmlns:p="http://schemas.openxmlformats.org/presentationml/2006/main">
   <p:cSld>
     <p:spTree>
@@ -11303,7 +12907,7 @@
 </p:sld>
 </file>
 
-<file path=ppt/slides/slide16.xml><?xml version="1.0" encoding="utf-8"?>
+<file path=ppt/slides/slide17.xml><?xml version="1.0" encoding="utf-8"?>
 <p:sld xmlns:a="http://schemas.openxmlformats.org/drawingml/2006/main" xmlns:r="http://schemas.openxmlformats.org/officeDocument/2006/relationships" xmlns:p="http://schemas.openxmlformats.org/presentationml/2006/main">
   <p:cSld>
     <p:spTree>
@@ -12063,7 +13667,7 @@
 </p:sld>
 </file>
 
-<file path=ppt/slides/slide17.xml><?xml version="1.0" encoding="utf-8"?>
+<file path=ppt/slides/slide18.xml><?xml version="1.0" encoding="utf-8"?>
 <p:sld xmlns:a="http://schemas.openxmlformats.org/drawingml/2006/main" xmlns:r="http://schemas.openxmlformats.org/officeDocument/2006/relationships" xmlns:p="http://schemas.openxmlformats.org/presentationml/2006/main">
   <p:cSld>
     <p:spTree>
@@ -12747,7 +14351,7 @@
 </p:sld>
 </file>
 
-<file path=ppt/slides/slide18.xml><?xml version="1.0" encoding="utf-8"?>
+<file path=ppt/slides/slide19.xml><?xml version="1.0" encoding="utf-8"?>
 <p:sld xmlns:a="http://schemas.openxmlformats.org/drawingml/2006/main" xmlns:r="http://schemas.openxmlformats.org/officeDocument/2006/relationships" xmlns:p="http://schemas.openxmlformats.org/presentationml/2006/main">
   <p:cSld>
     <p:spTree>
@@ -13066,7 +14670,124 @@
 </p:sld>
 </file>
 
-<file path=ppt/slides/slide19.xml><?xml version="1.0" encoding="utf-8"?>
+<file path=ppt/slides/slide2.xml><?xml version="1.0" encoding="utf-8"?>
+<p:sld xmlns:a="http://schemas.openxmlformats.org/drawingml/2006/main" xmlns:r="http://schemas.openxmlformats.org/officeDocument/2006/relationships" xmlns:p="http://schemas.openxmlformats.org/presentationml/2006/main">
+  <p:cSld>
+    <p:spTree>
+      <p:nvGrpSpPr>
+        <p:cNvPr id="1" name=""/>
+        <p:cNvGrpSpPr/>
+        <p:nvPr/>
+      </p:nvGrpSpPr>
+      <p:grpSpPr>
+        <a:xfrm>
+          <a:off x="0" y="0"/>
+          <a:ext cx="0" cy="0"/>
+          <a:chOff x="0" y="0"/>
+          <a:chExt cx="0" cy="0"/>
+        </a:xfrm>
+      </p:grpSpPr>
+      <p:sp>
+        <p:nvSpPr>
+          <p:cNvPr id="2" name="标题 1"/>
+          <p:cNvSpPr>
+            <a:spLocks noGrp="1"/>
+          </p:cNvSpPr>
+          <p:nvPr>
+            <p:ph type="title"/>
+          </p:nvPr>
+        </p:nvSpPr>
+        <p:spPr/>
+        <p:txBody>
+          <a:bodyPr/>
+          <a:lstStyle/>
+          <a:p>
+            <a:r>
+              <a:rPr lang="zh-CN" altLang="en-US" dirty="0" smtClean="0"/>
+              <a:t>授课老师</a:t>
+            </a:r>
+            <a:endParaRPr lang="zh-CN" altLang="en-US" dirty="0"/>
+          </a:p>
+        </p:txBody>
+      </p:sp>
+      <p:sp>
+        <p:nvSpPr>
+          <p:cNvPr id="3" name="内容占位符 2"/>
+          <p:cNvSpPr>
+            <a:spLocks noGrp="1"/>
+          </p:cNvSpPr>
+          <p:nvPr>
+            <p:ph idx="1"/>
+          </p:nvPr>
+        </p:nvSpPr>
+        <p:spPr/>
+        <p:txBody>
+          <a:bodyPr/>
+          <a:lstStyle/>
+          <a:p>
+            <a:r>
+              <a:rPr lang="zh-CN" altLang="en-US" dirty="0" smtClean="0"/>
+              <a:t>代立云  </a:t>
+            </a:r>
+            <a:endParaRPr lang="en-US" altLang="zh-CN" dirty="0" smtClean="0"/>
+          </a:p>
+          <a:p>
+            <a:endParaRPr lang="en-US" altLang="zh-CN" dirty="0" smtClean="0"/>
+          </a:p>
+          <a:p>
+            <a:r>
+              <a:rPr lang="en-US" altLang="zh-CN" dirty="0" smtClean="0"/>
+              <a:t>Email: </a:t>
+            </a:r>
+            <a:r>
+              <a:rPr lang="en-US" altLang="zh-CN" dirty="0" smtClean="0">
+                <a:hlinkClick r:id="rId2"/>
+              </a:rPr>
+              <a:t>dailiyun@swu.edu.cn</a:t>
+            </a:r>
+            <a:endParaRPr lang="en-US" altLang="zh-CN" dirty="0" smtClean="0"/>
+          </a:p>
+          <a:p>
+            <a:endParaRPr lang="en-US" altLang="zh-CN" dirty="0" smtClean="0"/>
+          </a:p>
+          <a:p>
+            <a:r>
+              <a:rPr lang="en-US" altLang="zh-CN" dirty="0"/>
+              <a:t>Homepage: </a:t>
+            </a:r>
+            <a:r>
+              <a:rPr lang="en-US" altLang="zh-CN" dirty="0">
+                <a:hlinkClick r:id="rId3"/>
+              </a:rPr>
+              <a:t>http://www.swu-rise.net.cn/#/</a:t>
+            </a:r>
+            <a:r>
+              <a:rPr lang="en-US" altLang="zh-CN" dirty="0" smtClean="0">
+                <a:hlinkClick r:id="rId3"/>
+              </a:rPr>
+              <a:t>peopleInfo/teacher?id=25</a:t>
+            </a:r>
+            <a:endParaRPr lang="en-US" altLang="zh-CN" dirty="0" smtClean="0"/>
+          </a:p>
+          <a:p>
+            <a:endParaRPr lang="zh-CN" altLang="en-US" dirty="0"/>
+          </a:p>
+        </p:txBody>
+      </p:sp>
+    </p:spTree>
+    <p:extLst>
+      <p:ext uri="{BB962C8B-B14F-4D97-AF65-F5344CB8AC3E}">
+        <p14:creationId xmlns:p14="http://schemas.microsoft.com/office/powerpoint/2010/main" val="2896130960"/>
+      </p:ext>
+    </p:extLst>
+  </p:cSld>
+  <p:clrMapOvr>
+    <a:masterClrMapping/>
+  </p:clrMapOvr>
+</p:sld>
+</file>
+
+<file path=ppt/slides/slide20.xml><?xml version="1.0" encoding="utf-8"?>
 <p:sld xmlns:a="http://schemas.openxmlformats.org/drawingml/2006/main" xmlns:r="http://schemas.openxmlformats.org/officeDocument/2006/relationships" xmlns:p="http://schemas.openxmlformats.org/presentationml/2006/main">
   <p:cSld>
     <p:spTree>
@@ -14630,124 +16351,7 @@
 </p:sld>
 </file>
 
-<file path=ppt/slides/slide2.xml><?xml version="1.0" encoding="utf-8"?>
-<p:sld xmlns:a="http://schemas.openxmlformats.org/drawingml/2006/main" xmlns:r="http://schemas.openxmlformats.org/officeDocument/2006/relationships" xmlns:p="http://schemas.openxmlformats.org/presentationml/2006/main">
-  <p:cSld>
-    <p:spTree>
-      <p:nvGrpSpPr>
-        <p:cNvPr id="1" name=""/>
-        <p:cNvGrpSpPr/>
-        <p:nvPr/>
-      </p:nvGrpSpPr>
-      <p:grpSpPr>
-        <a:xfrm>
-          <a:off x="0" y="0"/>
-          <a:ext cx="0" cy="0"/>
-          <a:chOff x="0" y="0"/>
-          <a:chExt cx="0" cy="0"/>
-        </a:xfrm>
-      </p:grpSpPr>
-      <p:sp>
-        <p:nvSpPr>
-          <p:cNvPr id="2" name="标题 1"/>
-          <p:cNvSpPr>
-            <a:spLocks noGrp="1"/>
-          </p:cNvSpPr>
-          <p:nvPr>
-            <p:ph type="title"/>
-          </p:nvPr>
-        </p:nvSpPr>
-        <p:spPr/>
-        <p:txBody>
-          <a:bodyPr/>
-          <a:lstStyle/>
-          <a:p>
-            <a:r>
-              <a:rPr lang="zh-CN" altLang="en-US" dirty="0" smtClean="0"/>
-              <a:t>授课老师</a:t>
-            </a:r>
-            <a:endParaRPr lang="zh-CN" altLang="en-US" dirty="0"/>
-          </a:p>
-        </p:txBody>
-      </p:sp>
-      <p:sp>
-        <p:nvSpPr>
-          <p:cNvPr id="3" name="内容占位符 2"/>
-          <p:cNvSpPr>
-            <a:spLocks noGrp="1"/>
-          </p:cNvSpPr>
-          <p:nvPr>
-            <p:ph idx="1"/>
-          </p:nvPr>
-        </p:nvSpPr>
-        <p:spPr/>
-        <p:txBody>
-          <a:bodyPr/>
-          <a:lstStyle/>
-          <a:p>
-            <a:r>
-              <a:rPr lang="zh-CN" altLang="en-US" dirty="0" smtClean="0"/>
-              <a:t>代立云  </a:t>
-            </a:r>
-            <a:endParaRPr lang="en-US" altLang="zh-CN" dirty="0" smtClean="0"/>
-          </a:p>
-          <a:p>
-            <a:endParaRPr lang="en-US" altLang="zh-CN" dirty="0" smtClean="0"/>
-          </a:p>
-          <a:p>
-            <a:r>
-              <a:rPr lang="en-US" altLang="zh-CN" dirty="0" smtClean="0"/>
-              <a:t>Email: </a:t>
-            </a:r>
-            <a:r>
-              <a:rPr lang="en-US" altLang="zh-CN" dirty="0" smtClean="0">
-                <a:hlinkClick r:id="rId2"/>
-              </a:rPr>
-              <a:t>dailiyun@swu.edu.cn</a:t>
-            </a:r>
-            <a:endParaRPr lang="en-US" altLang="zh-CN" dirty="0" smtClean="0"/>
-          </a:p>
-          <a:p>
-            <a:endParaRPr lang="en-US" altLang="zh-CN" dirty="0" smtClean="0"/>
-          </a:p>
-          <a:p>
-            <a:r>
-              <a:rPr lang="en-US" altLang="zh-CN" dirty="0"/>
-              <a:t>Homepage: </a:t>
-            </a:r>
-            <a:r>
-              <a:rPr lang="en-US" altLang="zh-CN" dirty="0">
-                <a:hlinkClick r:id="rId3"/>
-              </a:rPr>
-              <a:t>http://www.swu-rise.net.cn/#/</a:t>
-            </a:r>
-            <a:r>
-              <a:rPr lang="en-US" altLang="zh-CN" dirty="0" smtClean="0">
-                <a:hlinkClick r:id="rId3"/>
-              </a:rPr>
-              <a:t>peopleInfo/teacher?id=25</a:t>
-            </a:r>
-            <a:endParaRPr lang="en-US" altLang="zh-CN" dirty="0" smtClean="0"/>
-          </a:p>
-          <a:p>
-            <a:endParaRPr lang="zh-CN" altLang="en-US" dirty="0"/>
-          </a:p>
-        </p:txBody>
-      </p:sp>
-    </p:spTree>
-    <p:extLst>
-      <p:ext uri="{BB962C8B-B14F-4D97-AF65-F5344CB8AC3E}">
-        <p14:creationId xmlns:p14="http://schemas.microsoft.com/office/powerpoint/2010/main" val="2896130960"/>
-      </p:ext>
-    </p:extLst>
-  </p:cSld>
-  <p:clrMapOvr>
-    <a:masterClrMapping/>
-  </p:clrMapOvr>
-</p:sld>
-</file>
-
-<file path=ppt/slides/slide20.xml><?xml version="1.0" encoding="utf-8"?>
+<file path=ppt/slides/slide21.xml><?xml version="1.0" encoding="utf-8"?>
 <p:sld xmlns:a="http://schemas.openxmlformats.org/drawingml/2006/main" xmlns:r="http://schemas.openxmlformats.org/officeDocument/2006/relationships" xmlns:p="http://schemas.openxmlformats.org/presentationml/2006/main">
   <p:cSld>
     <p:spTree>
@@ -15076,7 +16680,7 @@
 </p:sld>
 </file>
 
-<file path=ppt/slides/slide21.xml><?xml version="1.0" encoding="utf-8"?>
+<file path=ppt/slides/slide22.xml><?xml version="1.0" encoding="utf-8"?>
 <p:sld xmlns:a="http://schemas.openxmlformats.org/drawingml/2006/main" xmlns:r="http://schemas.openxmlformats.org/officeDocument/2006/relationships" xmlns:p="http://schemas.openxmlformats.org/presentationml/2006/main">
   <p:cSld>
     <p:spTree>
@@ -16035,14 +17639,14 @@
           </a:ln>
           <a:extLst>
             <a:ext uri="{909E8E84-426E-40dd-AFC4-6F175D3DCCD1}">
-              <a14:hiddenFill xmlns="" xmlns:a14="http://schemas.microsoft.com/office/drawing/2010/main">
+              <a14:hiddenFill xmlns:a14="http://schemas.microsoft.com/office/drawing/2010/main" xmlns="">
                 <a:solidFill>
                   <a:srgbClr val="FFFFFF"/>
                 </a:solidFill>
               </a14:hiddenFill>
             </a:ext>
             <a:ext uri="{91240B29-F687-4f45-9708-019B960494DF}">
-              <a14:hiddenLine xmlns="" xmlns:a14="http://schemas.microsoft.com/office/drawing/2010/main" w="9525">
+              <a14:hiddenLine xmlns:a14="http://schemas.microsoft.com/office/drawing/2010/main" xmlns="" w="9525">
                 <a:solidFill>
                   <a:srgbClr val="000000"/>
                 </a:solidFill>
@@ -20330,14 +21934,14 @@
           </a:ln>
           <a:extLst>
             <a:ext uri="{909E8E84-426E-40dd-AFC4-6F175D3DCCD1}">
-              <a14:hiddenFill xmlns="" xmlns:a14="http://schemas.microsoft.com/office/drawing/2010/main">
+              <a14:hiddenFill xmlns:a14="http://schemas.microsoft.com/office/drawing/2010/main" xmlns="">
                 <a:solidFill>
                   <a:srgbClr val="FFFFFF"/>
                 </a:solidFill>
               </a14:hiddenFill>
             </a:ext>
             <a:ext uri="{91240B29-F687-4f45-9708-019B960494DF}">
-              <a14:hiddenLine xmlns="" xmlns:a14="http://schemas.microsoft.com/office/drawing/2010/main" w="9525">
+              <a14:hiddenLine xmlns:a14="http://schemas.microsoft.com/office/drawing/2010/main" xmlns="" w="9525">
                 <a:solidFill>
                   <a:srgbClr val="000000"/>
                 </a:solidFill>
@@ -20536,14 +22140,14 @@
           </a:ln>
           <a:extLst>
             <a:ext uri="{909E8E84-426E-40dd-AFC4-6F175D3DCCD1}">
-              <a14:hiddenFill xmlns="" xmlns:a14="http://schemas.microsoft.com/office/drawing/2010/main">
+              <a14:hiddenFill xmlns:a14="http://schemas.microsoft.com/office/drawing/2010/main" xmlns="">
                 <a:solidFill>
                   <a:srgbClr val="FFFFFF"/>
                 </a:solidFill>
               </a14:hiddenFill>
             </a:ext>
             <a:ext uri="{91240B29-F687-4f45-9708-019B960494DF}">
-              <a14:hiddenLine xmlns="" xmlns:a14="http://schemas.microsoft.com/office/drawing/2010/main" w="9525">
+              <a14:hiddenLine xmlns:a14="http://schemas.microsoft.com/office/drawing/2010/main" xmlns="" w="9525">
                 <a:solidFill>
                   <a:srgbClr val="000000"/>
                 </a:solidFill>
@@ -20773,14 +22377,14 @@
           </a:ln>
           <a:extLst>
             <a:ext uri="{909E8E84-426E-40dd-AFC4-6F175D3DCCD1}">
-              <a14:hiddenFill xmlns="" xmlns:a14="http://schemas.microsoft.com/office/drawing/2010/main">
+              <a14:hiddenFill xmlns:a14="http://schemas.microsoft.com/office/drawing/2010/main" xmlns="">
                 <a:solidFill>
                   <a:srgbClr val="FFFFFF"/>
                 </a:solidFill>
               </a14:hiddenFill>
             </a:ext>
             <a:ext uri="{91240B29-F687-4f45-9708-019B960494DF}">
-              <a14:hiddenLine xmlns="" xmlns:a14="http://schemas.microsoft.com/office/drawing/2010/main" w="9525">
+              <a14:hiddenLine xmlns:a14="http://schemas.microsoft.com/office/drawing/2010/main" xmlns="" w="9525">
                 <a:solidFill>
                   <a:srgbClr val="000000"/>
                 </a:solidFill>
@@ -21020,14 +22624,14 @@
           </a:ln>
           <a:extLst>
             <a:ext uri="{909E8E84-426E-40dd-AFC4-6F175D3DCCD1}">
-              <a14:hiddenFill xmlns="" xmlns:a14="http://schemas.microsoft.com/office/drawing/2010/main">
+              <a14:hiddenFill xmlns:a14="http://schemas.microsoft.com/office/drawing/2010/main" xmlns="">
                 <a:solidFill>
                   <a:srgbClr val="FFFFFF"/>
                 </a:solidFill>
               </a14:hiddenFill>
             </a:ext>
             <a:ext uri="{91240B29-F687-4f45-9708-019B960494DF}">
-              <a14:hiddenLine xmlns="" xmlns:a14="http://schemas.microsoft.com/office/drawing/2010/main" w="9525">
+              <a14:hiddenLine xmlns:a14="http://schemas.microsoft.com/office/drawing/2010/main" xmlns="" w="9525">
                 <a:solidFill>
                   <a:srgbClr val="000000"/>
                 </a:solidFill>
@@ -21289,14 +22893,14 @@
           </a:ln>
           <a:extLst>
             <a:ext uri="{909E8E84-426E-40dd-AFC4-6F175D3DCCD1}">
-              <a14:hiddenFill xmlns="" xmlns:a14="http://schemas.microsoft.com/office/drawing/2010/main">
+              <a14:hiddenFill xmlns:a14="http://schemas.microsoft.com/office/drawing/2010/main" xmlns="">
                 <a:solidFill>
                   <a:srgbClr val="FFFFFF"/>
                 </a:solidFill>
               </a14:hiddenFill>
             </a:ext>
             <a:ext uri="{91240B29-F687-4f45-9708-019B960494DF}">
-              <a14:hiddenLine xmlns="" xmlns:a14="http://schemas.microsoft.com/office/drawing/2010/main" w="9525">
+              <a14:hiddenLine xmlns:a14="http://schemas.microsoft.com/office/drawing/2010/main" xmlns="" w="9525">
                 <a:solidFill>
                   <a:srgbClr val="000000"/>
                 </a:solidFill>
@@ -21561,14 +23165,14 @@
           </a:ln>
           <a:extLst>
             <a:ext uri="{909E8E84-426E-40dd-AFC4-6F175D3DCCD1}">
-              <a14:hiddenFill xmlns="" xmlns:a14="http://schemas.microsoft.com/office/drawing/2010/main">
+              <a14:hiddenFill xmlns:a14="http://schemas.microsoft.com/office/drawing/2010/main" xmlns="">
                 <a:solidFill>
                   <a:srgbClr val="FFFFFF"/>
                 </a:solidFill>
               </a14:hiddenFill>
             </a:ext>
             <a:ext uri="{91240B29-F687-4f45-9708-019B960494DF}">
-              <a14:hiddenLine xmlns="" xmlns:a14="http://schemas.microsoft.com/office/drawing/2010/main" w="9525">
+              <a14:hiddenLine xmlns:a14="http://schemas.microsoft.com/office/drawing/2010/main" xmlns="" w="9525">
                 <a:solidFill>
                   <a:srgbClr val="000000"/>
                 </a:solidFill>
@@ -24406,6 +26010,85 @@
       </p:grpSpPr>
       <p:sp>
         <p:nvSpPr>
+          <p:cNvPr id="2" name="标题 1"/>
+          <p:cNvSpPr>
+            <a:spLocks noGrp="1"/>
+          </p:cNvSpPr>
+          <p:nvPr>
+            <p:ph type="title"/>
+          </p:nvPr>
+        </p:nvSpPr>
+        <p:spPr/>
+        <p:txBody>
+          <a:bodyPr/>
+          <a:lstStyle/>
+          <a:p>
+            <a:r>
+              <a:rPr lang="zh-CN" altLang="en-US" dirty="0" smtClean="0"/>
+              <a:t>当前发展状况</a:t>
+            </a:r>
+            <a:endParaRPr lang="zh-CN" altLang="en-US" dirty="0"/>
+          </a:p>
+        </p:txBody>
+      </p:sp>
+      <p:pic>
+        <p:nvPicPr>
+          <p:cNvPr id="4" name="内容占位符 3"/>
+          <p:cNvPicPr>
+            <a:picLocks noGrp="1" noChangeAspect="1"/>
+          </p:cNvPicPr>
+          <p:nvPr>
+            <p:ph idx="1"/>
+          </p:nvPr>
+        </p:nvPicPr>
+        <p:blipFill>
+          <a:blip r:embed="rId2"/>
+          <a:stretch>
+            <a:fillRect/>
+          </a:stretch>
+        </p:blipFill>
+        <p:spPr>
+          <a:xfrm>
+            <a:off x="1047879" y="1825625"/>
+            <a:ext cx="10096242" cy="4351338"/>
+          </a:xfrm>
+          <a:prstGeom prst="rect">
+            <a:avLst/>
+          </a:prstGeom>
+        </p:spPr>
+      </p:pic>
+    </p:spTree>
+    <p:extLst>
+      <p:ext uri="{BB962C8B-B14F-4D97-AF65-F5344CB8AC3E}">
+        <p14:creationId xmlns:p14="http://schemas.microsoft.com/office/powerpoint/2010/main" val="515254325"/>
+      </p:ext>
+    </p:extLst>
+  </p:cSld>
+  <p:clrMapOvr>
+    <a:masterClrMapping/>
+  </p:clrMapOvr>
+</p:sld>
+</file>
+
+<file path=ppt/slides/slide9.xml><?xml version="1.0" encoding="utf-8"?>
+<p:sld xmlns:a="http://schemas.openxmlformats.org/drawingml/2006/main" xmlns:r="http://schemas.openxmlformats.org/officeDocument/2006/relationships" xmlns:p="http://schemas.openxmlformats.org/presentationml/2006/main">
+  <p:cSld>
+    <p:spTree>
+      <p:nvGrpSpPr>
+        <p:cNvPr id="1" name=""/>
+        <p:cNvGrpSpPr/>
+        <p:nvPr/>
+      </p:nvGrpSpPr>
+      <p:grpSpPr>
+        <a:xfrm>
+          <a:off x="0" y="0"/>
+          <a:ext cx="0" cy="0"/>
+          <a:chOff x="0" y="0"/>
+          <a:chExt cx="0" cy="0"/>
+        </a:xfrm>
+      </p:grpSpPr>
+      <p:sp>
+        <p:nvSpPr>
           <p:cNvPr id="4" name="矩形 3"/>
           <p:cNvSpPr>
             <a:spLocks noChangeArrowheads="1"/>
@@ -24709,1609 +26392,6 @@
     <p:extLst>
       <p:ext uri="{BB962C8B-B14F-4D97-AF65-F5344CB8AC3E}">
         <p14:creationId xmlns:p14="http://schemas.microsoft.com/office/powerpoint/2010/main" val="1147260544"/>
-      </p:ext>
-    </p:extLst>
-  </p:cSld>
-  <p:clrMapOvr>
-    <a:masterClrMapping/>
-  </p:clrMapOvr>
-  <p:timing>
-    <p:tnLst>
-      <p:par>
-        <p:cTn id="1" dur="indefinite" restart="never" nodeType="tmRoot"/>
-      </p:par>
-    </p:tnLst>
-  </p:timing>
-</p:sld>
-</file>
-
-<file path=ppt/slides/slide9.xml><?xml version="1.0" encoding="utf-8"?>
-<p:sld xmlns:a="http://schemas.openxmlformats.org/drawingml/2006/main" xmlns:r="http://schemas.openxmlformats.org/officeDocument/2006/relationships" xmlns:p="http://schemas.openxmlformats.org/presentationml/2006/main">
-  <p:cSld>
-    <p:spTree>
-      <p:nvGrpSpPr>
-        <p:cNvPr id="1" name=""/>
-        <p:cNvGrpSpPr/>
-        <p:nvPr/>
-      </p:nvGrpSpPr>
-      <p:grpSpPr>
-        <a:xfrm>
-          <a:off x="0" y="0"/>
-          <a:ext cx="0" cy="0"/>
-          <a:chOff x="0" y="0"/>
-          <a:chExt cx="0" cy="0"/>
-        </a:xfrm>
-      </p:grpSpPr>
-      <p:cxnSp>
-        <p:nvCxnSpPr>
-          <p:cNvPr id="6" name="直接连接符 5"/>
-          <p:cNvCxnSpPr/>
-          <p:nvPr/>
-        </p:nvCxnSpPr>
-        <p:spPr>
-          <a:xfrm>
-            <a:off x="1158875" y="4298950"/>
-            <a:ext cx="4152900" cy="0"/>
-          </a:xfrm>
-          <a:prstGeom prst="line">
-            <a:avLst/>
-          </a:prstGeom>
-          <a:ln>
-            <a:solidFill>
-              <a:schemeClr val="bg1"/>
-            </a:solidFill>
-          </a:ln>
-        </p:spPr>
-        <p:style>
-          <a:lnRef idx="1">
-            <a:schemeClr val="accent1"/>
-          </a:lnRef>
-          <a:fillRef idx="0">
-            <a:schemeClr val="accent1"/>
-          </a:fillRef>
-          <a:effectRef idx="0">
-            <a:schemeClr val="accent1"/>
-          </a:effectRef>
-          <a:fontRef idx="minor">
-            <a:schemeClr val="tx1"/>
-          </a:fontRef>
-        </p:style>
-      </p:cxnSp>
-      <p:cxnSp>
-        <p:nvCxnSpPr>
-          <p:cNvPr id="7" name="直接连接符 6"/>
-          <p:cNvCxnSpPr/>
-          <p:nvPr/>
-        </p:nvCxnSpPr>
-        <p:spPr>
-          <a:xfrm>
-            <a:off x="5474494" y="2604931"/>
-            <a:ext cx="0" cy="1347787"/>
-          </a:xfrm>
-          <a:prstGeom prst="line">
-            <a:avLst/>
-          </a:prstGeom>
-          <a:ln>
-            <a:solidFill>
-              <a:schemeClr val="bg1"/>
-            </a:solidFill>
-          </a:ln>
-        </p:spPr>
-        <p:style>
-          <a:lnRef idx="1">
-            <a:schemeClr val="accent1"/>
-          </a:lnRef>
-          <a:fillRef idx="0">
-            <a:schemeClr val="accent1"/>
-          </a:fillRef>
-          <a:effectRef idx="0">
-            <a:schemeClr val="accent1"/>
-          </a:effectRef>
-          <a:fontRef idx="minor">
-            <a:schemeClr val="tx1"/>
-          </a:fontRef>
-        </p:style>
-      </p:cxnSp>
-      <p:sp>
-        <p:nvSpPr>
-          <p:cNvPr id="8" name="矩形 7"/>
-          <p:cNvSpPr/>
-          <p:nvPr/>
-        </p:nvSpPr>
-        <p:spPr>
-          <a:xfrm>
-            <a:off x="4688682" y="2604931"/>
-            <a:ext cx="785812" cy="785812"/>
-          </a:xfrm>
-          <a:prstGeom prst="rect">
-            <a:avLst/>
-          </a:prstGeom>
-          <a:solidFill>
-            <a:srgbClr val="FE5A3E"/>
-          </a:solidFill>
-          <a:ln>
-            <a:noFill/>
-          </a:ln>
-        </p:spPr>
-        <p:style>
-          <a:lnRef idx="2">
-            <a:schemeClr val="accent1">
-              <a:shade val="50000"/>
-            </a:schemeClr>
-          </a:lnRef>
-          <a:fillRef idx="1">
-            <a:schemeClr val="accent1"/>
-          </a:fillRef>
-          <a:effectRef idx="0">
-            <a:schemeClr val="accent1"/>
-          </a:effectRef>
-          <a:fontRef idx="minor">
-            <a:schemeClr val="lt1"/>
-          </a:fontRef>
-        </p:style>
-        <p:txBody>
-          <a:bodyPr anchor="ctr"/>
-          <a:lstStyle/>
-          <a:p>
-            <a:pPr algn="ctr" fontAlgn="auto">
-              <a:spcBef>
-                <a:spcPts val="0"/>
-              </a:spcBef>
-              <a:spcAft>
-                <a:spcPts val="0"/>
-              </a:spcAft>
-              <a:defRPr/>
-            </a:pPr>
-            <a:r>
-              <a:rPr lang="en-US" altLang="zh-CN" sz="5400" dirty="0">
-                <a:latin typeface="Broadway" panose="04040905080B02020502" pitchFamily="82" charset="0"/>
-              </a:rPr>
-              <a:t>1</a:t>
-            </a:r>
-            <a:endParaRPr lang="zh-CN" altLang="en-US" sz="5400" dirty="0">
-              <a:latin typeface="Broadway" panose="04040905080B02020502" pitchFamily="82" charset="0"/>
-            </a:endParaRPr>
-          </a:p>
-        </p:txBody>
-      </p:sp>
-      <p:sp>
-        <p:nvSpPr>
-          <p:cNvPr id="9" name="矩形 8"/>
-          <p:cNvSpPr/>
-          <p:nvPr/>
-        </p:nvSpPr>
-        <p:spPr>
-          <a:xfrm>
-            <a:off x="1158875" y="4313238"/>
-            <a:ext cx="785813" cy="785812"/>
-          </a:xfrm>
-          <a:prstGeom prst="rect">
-            <a:avLst/>
-          </a:prstGeom>
-          <a:solidFill>
-            <a:srgbClr val="FE5A3E"/>
-          </a:solidFill>
-          <a:ln>
-            <a:noFill/>
-          </a:ln>
-        </p:spPr>
-        <p:style>
-          <a:lnRef idx="2">
-            <a:schemeClr val="accent1">
-              <a:shade val="50000"/>
-            </a:schemeClr>
-          </a:lnRef>
-          <a:fillRef idx="1">
-            <a:schemeClr val="accent1"/>
-          </a:fillRef>
-          <a:effectRef idx="0">
-            <a:schemeClr val="accent1"/>
-          </a:effectRef>
-          <a:fontRef idx="minor">
-            <a:schemeClr val="lt1"/>
-          </a:fontRef>
-        </p:style>
-        <p:txBody>
-          <a:bodyPr anchor="ctr"/>
-          <a:lstStyle/>
-          <a:p>
-            <a:pPr algn="ctr" fontAlgn="auto">
-              <a:spcBef>
-                <a:spcPts val="0"/>
-              </a:spcBef>
-              <a:spcAft>
-                <a:spcPts val="0"/>
-              </a:spcAft>
-              <a:defRPr/>
-            </a:pPr>
-            <a:r>
-              <a:rPr lang="en-US" altLang="zh-CN" sz="5400" dirty="0">
-                <a:latin typeface="Broadway" panose="04040905080B02020502" pitchFamily="82" charset="0"/>
-              </a:rPr>
-              <a:t>2</a:t>
-            </a:r>
-            <a:endParaRPr lang="zh-CN" altLang="en-US" sz="5400" dirty="0">
-              <a:latin typeface="Broadway" panose="04040905080B02020502" pitchFamily="82" charset="0"/>
-            </a:endParaRPr>
-          </a:p>
-        </p:txBody>
-      </p:sp>
-      <p:sp>
-        <p:nvSpPr>
-          <p:cNvPr id="10" name="矩形 9"/>
-          <p:cNvSpPr/>
-          <p:nvPr/>
-        </p:nvSpPr>
-        <p:spPr>
-          <a:xfrm>
-            <a:off x="5840413" y="5457825"/>
-            <a:ext cx="785812" cy="785813"/>
-          </a:xfrm>
-          <a:prstGeom prst="rect">
-            <a:avLst/>
-          </a:prstGeom>
-          <a:solidFill>
-            <a:srgbClr val="FE5A3E"/>
-          </a:solidFill>
-          <a:ln>
-            <a:noFill/>
-          </a:ln>
-        </p:spPr>
-        <p:style>
-          <a:lnRef idx="2">
-            <a:schemeClr val="accent1">
-              <a:shade val="50000"/>
-            </a:schemeClr>
-          </a:lnRef>
-          <a:fillRef idx="1">
-            <a:schemeClr val="accent1"/>
-          </a:fillRef>
-          <a:effectRef idx="0">
-            <a:schemeClr val="accent1"/>
-          </a:effectRef>
-          <a:fontRef idx="minor">
-            <a:schemeClr val="lt1"/>
-          </a:fontRef>
-        </p:style>
-        <p:txBody>
-          <a:bodyPr anchor="ctr"/>
-          <a:lstStyle/>
-          <a:p>
-            <a:pPr algn="ctr" fontAlgn="auto">
-              <a:spcBef>
-                <a:spcPts val="0"/>
-              </a:spcBef>
-              <a:spcAft>
-                <a:spcPts val="0"/>
-              </a:spcAft>
-              <a:defRPr/>
-            </a:pPr>
-            <a:r>
-              <a:rPr lang="en-US" altLang="zh-CN" sz="5400" dirty="0">
-                <a:latin typeface="Broadway" panose="04040905080B02020502" pitchFamily="82" charset="0"/>
-              </a:rPr>
-              <a:t>3</a:t>
-            </a:r>
-            <a:endParaRPr lang="zh-CN" altLang="en-US" sz="5400" dirty="0">
-              <a:latin typeface="Broadway" panose="04040905080B02020502" pitchFamily="82" charset="0"/>
-            </a:endParaRPr>
-          </a:p>
-        </p:txBody>
-      </p:sp>
-      <p:sp>
-        <p:nvSpPr>
-          <p:cNvPr id="11" name="矩形 10"/>
-          <p:cNvSpPr/>
-          <p:nvPr/>
-        </p:nvSpPr>
-        <p:spPr>
-          <a:xfrm>
-            <a:off x="9810750" y="3527425"/>
-            <a:ext cx="785813" cy="785813"/>
-          </a:xfrm>
-          <a:prstGeom prst="rect">
-            <a:avLst/>
-          </a:prstGeom>
-          <a:solidFill>
-            <a:srgbClr val="FE5A3E"/>
-          </a:solidFill>
-          <a:ln>
-            <a:noFill/>
-          </a:ln>
-        </p:spPr>
-        <p:style>
-          <a:lnRef idx="2">
-            <a:schemeClr val="accent1">
-              <a:shade val="50000"/>
-            </a:schemeClr>
-          </a:lnRef>
-          <a:fillRef idx="1">
-            <a:schemeClr val="accent1"/>
-          </a:fillRef>
-          <a:effectRef idx="0">
-            <a:schemeClr val="accent1"/>
-          </a:effectRef>
-          <a:fontRef idx="minor">
-            <a:schemeClr val="lt1"/>
-          </a:fontRef>
-        </p:style>
-        <p:txBody>
-          <a:bodyPr anchor="ctr"/>
-          <a:lstStyle/>
-          <a:p>
-            <a:pPr algn="ctr" fontAlgn="auto">
-              <a:spcBef>
-                <a:spcPts val="0"/>
-              </a:spcBef>
-              <a:spcAft>
-                <a:spcPts val="0"/>
-              </a:spcAft>
-              <a:defRPr/>
-            </a:pPr>
-            <a:r>
-              <a:rPr lang="en-US" altLang="zh-CN" sz="5400" dirty="0">
-                <a:latin typeface="Broadway" panose="04040905080B02020502" pitchFamily="82" charset="0"/>
-              </a:rPr>
-              <a:t>4</a:t>
-            </a:r>
-            <a:endParaRPr lang="zh-CN" altLang="en-US" sz="5400" dirty="0">
-              <a:latin typeface="Broadway" panose="04040905080B02020502" pitchFamily="82" charset="0"/>
-            </a:endParaRPr>
-          </a:p>
-        </p:txBody>
-      </p:sp>
-      <p:sp>
-        <p:nvSpPr>
-          <p:cNvPr id="56329" name="文本框 11"/>
-          <p:cNvSpPr txBox="1">
-            <a:spLocks noChangeArrowheads="1"/>
-          </p:cNvSpPr>
-          <p:nvPr/>
-        </p:nvSpPr>
-        <p:spPr bwMode="auto">
-          <a:xfrm>
-            <a:off x="471490" y="2417862"/>
-            <a:ext cx="3892776" cy="923330"/>
-          </a:xfrm>
-          <a:prstGeom prst="rect">
-            <a:avLst/>
-          </a:prstGeom>
-          <a:noFill/>
-          <a:ln w="9525">
-            <a:noFill/>
-            <a:miter lim="800000"/>
-            <a:headEnd/>
-            <a:tailEnd/>
-          </a:ln>
-        </p:spPr>
-        <p:txBody>
-          <a:bodyPr wrap="square">
-            <a:spAutoFit/>
-          </a:bodyPr>
-          <a:lstStyle/>
-          <a:p>
-            <a:r>
-              <a:rPr lang="en-US" altLang="zh-CN" dirty="0" smtClean="0">
-                <a:solidFill>
-                  <a:schemeClr val="bg1"/>
-                </a:solidFill>
-                <a:latin typeface="Calibri" pitchFamily="34" charset="0"/>
-                <a:ea typeface="微软雅黑" pitchFamily="34" charset="-122"/>
-              </a:rPr>
-              <a:t>Android</a:t>
-            </a:r>
-            <a:r>
-              <a:rPr lang="zh-CN" altLang="en-US" dirty="0" smtClean="0">
-                <a:solidFill>
-                  <a:schemeClr val="bg1"/>
-                </a:solidFill>
-                <a:latin typeface="Calibri" pitchFamily="34" charset="0"/>
-                <a:ea typeface="微软雅黑" pitchFamily="34" charset="-122"/>
-              </a:rPr>
-              <a:t>将会包含一系列的核心应用程序，包括电子邮件客户端，</a:t>
-            </a:r>
-            <a:r>
-              <a:rPr lang="en-US" altLang="zh-CN" dirty="0" smtClean="0">
-                <a:solidFill>
-                  <a:schemeClr val="bg1"/>
-                </a:solidFill>
-                <a:latin typeface="Calibri" pitchFamily="34" charset="0"/>
-                <a:ea typeface="微软雅黑" pitchFamily="34" charset="-122"/>
-              </a:rPr>
-              <a:t>SMS</a:t>
-            </a:r>
-            <a:r>
-              <a:rPr lang="zh-CN" altLang="en-US" dirty="0" smtClean="0">
-                <a:solidFill>
-                  <a:schemeClr val="bg1"/>
-                </a:solidFill>
-                <a:latin typeface="Calibri" pitchFamily="34" charset="0"/>
-                <a:ea typeface="微软雅黑" pitchFamily="34" charset="-122"/>
-              </a:rPr>
-              <a:t>程序，日历，地图，浏览器联系人等。</a:t>
-            </a:r>
-            <a:endParaRPr lang="zh-CN" altLang="en-US" dirty="0">
-              <a:solidFill>
-                <a:schemeClr val="bg1"/>
-              </a:solidFill>
-              <a:latin typeface="Calibri" pitchFamily="34" charset="0"/>
-              <a:ea typeface="微软雅黑" pitchFamily="34" charset="-122"/>
-            </a:endParaRPr>
-          </a:p>
-        </p:txBody>
-      </p:sp>
-      <p:sp>
-        <p:nvSpPr>
-          <p:cNvPr id="56330" name="文本框 12"/>
-          <p:cNvSpPr txBox="1">
-            <a:spLocks noChangeArrowheads="1"/>
-          </p:cNvSpPr>
-          <p:nvPr/>
-        </p:nvSpPr>
-        <p:spPr bwMode="auto">
-          <a:xfrm>
-            <a:off x="1004888" y="5319713"/>
-            <a:ext cx="3633787" cy="646331"/>
-          </a:xfrm>
-          <a:prstGeom prst="rect">
-            <a:avLst/>
-          </a:prstGeom>
-          <a:noFill/>
-          <a:ln w="9525">
-            <a:noFill/>
-            <a:miter lim="800000"/>
-            <a:headEnd/>
-            <a:tailEnd/>
-          </a:ln>
-        </p:spPr>
-        <p:txBody>
-          <a:bodyPr>
-            <a:spAutoFit/>
-          </a:bodyPr>
-          <a:lstStyle/>
-          <a:p>
-            <a:r>
-              <a:rPr lang="en-US" altLang="zh-CN" dirty="0" smtClean="0">
-                <a:solidFill>
-                  <a:schemeClr val="bg1"/>
-                </a:solidFill>
-                <a:latin typeface="Calibri" pitchFamily="34" charset="0"/>
-                <a:ea typeface="微软雅黑" pitchFamily="34" charset="-122"/>
-              </a:rPr>
-              <a:t>Android</a:t>
-            </a:r>
-            <a:r>
-              <a:rPr lang="zh-CN" altLang="en-US" dirty="0" smtClean="0">
-                <a:solidFill>
-                  <a:schemeClr val="bg1"/>
-                </a:solidFill>
-                <a:latin typeface="Calibri" pitchFamily="34" charset="0"/>
-                <a:ea typeface="微软雅黑" pitchFamily="34" charset="-122"/>
-              </a:rPr>
-              <a:t>程序应用框架提供了大量</a:t>
-            </a:r>
-            <a:r>
-              <a:rPr lang="en-US" altLang="zh-CN" dirty="0" smtClean="0">
-                <a:solidFill>
-                  <a:schemeClr val="bg1"/>
-                </a:solidFill>
-                <a:latin typeface="Calibri" pitchFamily="34" charset="0"/>
-                <a:ea typeface="微软雅黑" pitchFamily="34" charset="-122"/>
-              </a:rPr>
-              <a:t>API</a:t>
-            </a:r>
-            <a:r>
-              <a:rPr lang="zh-CN" altLang="en-US" dirty="0" smtClean="0">
-                <a:solidFill>
-                  <a:schemeClr val="bg1"/>
-                </a:solidFill>
-                <a:latin typeface="Calibri" pitchFamily="34" charset="0"/>
-                <a:ea typeface="微软雅黑" pitchFamily="34" charset="-122"/>
-              </a:rPr>
-              <a:t>供开发者使用。</a:t>
-            </a:r>
-            <a:endParaRPr lang="zh-CN" altLang="en-US" dirty="0">
-              <a:solidFill>
-                <a:schemeClr val="bg1"/>
-              </a:solidFill>
-              <a:latin typeface="Calibri" pitchFamily="34" charset="0"/>
-              <a:ea typeface="微软雅黑" pitchFamily="34" charset="-122"/>
-            </a:endParaRPr>
-          </a:p>
-        </p:txBody>
-      </p:sp>
-      <p:sp>
-        <p:nvSpPr>
-          <p:cNvPr id="56331" name="文本框 13"/>
-          <p:cNvSpPr txBox="1">
-            <a:spLocks noChangeArrowheads="1"/>
-          </p:cNvSpPr>
-          <p:nvPr/>
-        </p:nvSpPr>
-        <p:spPr bwMode="auto">
-          <a:xfrm>
-            <a:off x="7083313" y="5496161"/>
-            <a:ext cx="3635375" cy="646331"/>
-          </a:xfrm>
-          <a:prstGeom prst="rect">
-            <a:avLst/>
-          </a:prstGeom>
-          <a:noFill/>
-          <a:ln w="9525">
-            <a:noFill/>
-            <a:miter lim="800000"/>
-            <a:headEnd/>
-            <a:tailEnd/>
-          </a:ln>
-        </p:spPr>
-        <p:txBody>
-          <a:bodyPr>
-            <a:spAutoFit/>
-          </a:bodyPr>
-          <a:lstStyle/>
-          <a:p>
-            <a:r>
-              <a:rPr lang="en-US" altLang="zh-CN" dirty="0" smtClean="0">
-                <a:solidFill>
-                  <a:schemeClr val="bg1"/>
-                </a:solidFill>
-                <a:latin typeface="Calibri" pitchFamily="34" charset="0"/>
-                <a:ea typeface="微软雅黑" pitchFamily="34" charset="-122"/>
-              </a:rPr>
-              <a:t>Android</a:t>
-            </a:r>
-            <a:r>
-              <a:rPr lang="zh-CN" altLang="en-US" dirty="0" smtClean="0">
-                <a:solidFill>
-                  <a:schemeClr val="bg1"/>
-                </a:solidFill>
-                <a:latin typeface="Calibri" pitchFamily="34" charset="0"/>
-                <a:ea typeface="微软雅黑" pitchFamily="34" charset="-122"/>
-              </a:rPr>
-              <a:t>包含一套被不同组建所使用的</a:t>
-            </a:r>
-            <a:r>
-              <a:rPr lang="en-US" altLang="zh-CN" dirty="0" smtClean="0">
-                <a:solidFill>
-                  <a:schemeClr val="bg1"/>
-                </a:solidFill>
-                <a:latin typeface="Calibri" pitchFamily="34" charset="0"/>
-                <a:ea typeface="微软雅黑" pitchFamily="34" charset="-122"/>
-              </a:rPr>
-              <a:t>C/C++</a:t>
-            </a:r>
-            <a:r>
-              <a:rPr lang="zh-CN" altLang="en-US" dirty="0" smtClean="0">
-                <a:solidFill>
-                  <a:schemeClr val="bg1"/>
-                </a:solidFill>
-                <a:latin typeface="Calibri" pitchFamily="34" charset="0"/>
-                <a:ea typeface="微软雅黑" pitchFamily="34" charset="-122"/>
-              </a:rPr>
-              <a:t>库的集合。</a:t>
-            </a:r>
-            <a:endParaRPr lang="zh-CN" altLang="en-US" dirty="0">
-              <a:solidFill>
-                <a:schemeClr val="bg1"/>
-              </a:solidFill>
-              <a:latin typeface="Calibri" pitchFamily="34" charset="0"/>
-              <a:ea typeface="微软雅黑" pitchFamily="34" charset="-122"/>
-            </a:endParaRPr>
-          </a:p>
-        </p:txBody>
-      </p:sp>
-      <p:sp>
-        <p:nvSpPr>
-          <p:cNvPr id="56332" name="文本框 14"/>
-          <p:cNvSpPr txBox="1">
-            <a:spLocks noChangeArrowheads="1"/>
-          </p:cNvSpPr>
-          <p:nvPr/>
-        </p:nvSpPr>
-        <p:spPr bwMode="auto">
-          <a:xfrm>
-            <a:off x="5992019" y="1476177"/>
-            <a:ext cx="4433548" cy="923330"/>
-          </a:xfrm>
-          <a:prstGeom prst="rect">
-            <a:avLst/>
-          </a:prstGeom>
-          <a:noFill/>
-          <a:ln w="9525">
-            <a:noFill/>
-            <a:miter lim="800000"/>
-            <a:headEnd/>
-            <a:tailEnd/>
-          </a:ln>
-        </p:spPr>
-        <p:txBody>
-          <a:bodyPr wrap="square">
-            <a:spAutoFit/>
-          </a:bodyPr>
-          <a:lstStyle/>
-          <a:p>
-            <a:r>
-              <a:rPr lang="en-US" altLang="zh-CN" dirty="0" smtClean="0">
-                <a:solidFill>
-                  <a:schemeClr val="bg1"/>
-                </a:solidFill>
-                <a:latin typeface="Calibri" pitchFamily="34" charset="0"/>
-                <a:ea typeface="微软雅黑" pitchFamily="34" charset="-122"/>
-              </a:rPr>
-              <a:t>Android</a:t>
-            </a:r>
-            <a:r>
-              <a:rPr lang="zh-CN" altLang="en-US" dirty="0" smtClean="0">
-                <a:solidFill>
-                  <a:schemeClr val="bg1"/>
-                </a:solidFill>
-                <a:latin typeface="Calibri" pitchFamily="34" charset="0"/>
-                <a:ea typeface="微软雅黑" pitchFamily="34" charset="-122"/>
-              </a:rPr>
-              <a:t>系统建立在</a:t>
-            </a:r>
-            <a:r>
-              <a:rPr lang="en-US" altLang="zh-CN" dirty="0" smtClean="0">
-                <a:solidFill>
-                  <a:schemeClr val="bg1"/>
-                </a:solidFill>
-                <a:latin typeface="Calibri" pitchFamily="34" charset="0"/>
-                <a:ea typeface="微软雅黑" pitchFamily="34" charset="-122"/>
-              </a:rPr>
-              <a:t>Linux 2.6</a:t>
-            </a:r>
-            <a:r>
-              <a:rPr lang="zh-CN" altLang="en-US" dirty="0" smtClean="0">
-                <a:solidFill>
-                  <a:schemeClr val="bg1"/>
-                </a:solidFill>
-                <a:latin typeface="Calibri" pitchFamily="34" charset="0"/>
-                <a:ea typeface="微软雅黑" pitchFamily="34" charset="-122"/>
-              </a:rPr>
-              <a:t>之上，</a:t>
-            </a:r>
-            <a:r>
-              <a:rPr lang="en-US" altLang="zh-CN" dirty="0" smtClean="0">
-                <a:solidFill>
-                  <a:schemeClr val="bg1"/>
-                </a:solidFill>
-                <a:latin typeface="Calibri" pitchFamily="34" charset="0"/>
-                <a:ea typeface="微软雅黑" pitchFamily="34" charset="-122"/>
-              </a:rPr>
-              <a:t>Linux</a:t>
-            </a:r>
-            <a:r>
-              <a:rPr lang="zh-CN" altLang="en-US" dirty="0" smtClean="0">
-                <a:solidFill>
-                  <a:schemeClr val="bg1"/>
-                </a:solidFill>
-                <a:latin typeface="Calibri" pitchFamily="34" charset="0"/>
-                <a:ea typeface="微软雅黑" pitchFamily="34" charset="-122"/>
-              </a:rPr>
-              <a:t>内核提供了安全性，内存管理，进程管理，网络协议栈和驱动模型等核心系统服务。</a:t>
-            </a:r>
-            <a:endParaRPr lang="zh-CN" altLang="en-US" dirty="0">
-              <a:solidFill>
-                <a:schemeClr val="bg1"/>
-              </a:solidFill>
-              <a:latin typeface="Calibri" pitchFamily="34" charset="0"/>
-              <a:ea typeface="微软雅黑" pitchFamily="34" charset="-122"/>
-            </a:endParaRPr>
-          </a:p>
-        </p:txBody>
-      </p:sp>
-      <p:cxnSp>
-        <p:nvCxnSpPr>
-          <p:cNvPr id="16" name="直接连接符 15"/>
-          <p:cNvCxnSpPr/>
-          <p:nvPr/>
-        </p:nvCxnSpPr>
-        <p:spPr>
-          <a:xfrm>
-            <a:off x="6326188" y="4313238"/>
-            <a:ext cx="4270375" cy="0"/>
-          </a:xfrm>
-          <a:prstGeom prst="line">
-            <a:avLst/>
-          </a:prstGeom>
-          <a:ln>
-            <a:solidFill>
-              <a:schemeClr val="bg1"/>
-            </a:solidFill>
-          </a:ln>
-        </p:spPr>
-        <p:style>
-          <a:lnRef idx="1">
-            <a:schemeClr val="accent1"/>
-          </a:lnRef>
-          <a:fillRef idx="0">
-            <a:schemeClr val="accent1"/>
-          </a:fillRef>
-          <a:effectRef idx="0">
-            <a:schemeClr val="accent1"/>
-          </a:effectRef>
-          <a:fontRef idx="minor">
-            <a:schemeClr val="tx1"/>
-          </a:fontRef>
-        </p:style>
-      </p:cxnSp>
-      <p:cxnSp>
-        <p:nvCxnSpPr>
-          <p:cNvPr id="19" name="直接连接符 18"/>
-          <p:cNvCxnSpPr>
-            <a:stCxn id="24" idx="4"/>
-          </p:cNvCxnSpPr>
-          <p:nvPr/>
-        </p:nvCxnSpPr>
-        <p:spPr>
-          <a:xfrm>
-            <a:off x="5819775" y="4805363"/>
-            <a:ext cx="0" cy="1438275"/>
-          </a:xfrm>
-          <a:prstGeom prst="line">
-            <a:avLst/>
-          </a:prstGeom>
-          <a:ln>
-            <a:solidFill>
-              <a:schemeClr val="bg1"/>
-            </a:solidFill>
-          </a:ln>
-        </p:spPr>
-        <p:style>
-          <a:lnRef idx="1">
-            <a:schemeClr val="accent1"/>
-          </a:lnRef>
-          <a:fillRef idx="0">
-            <a:schemeClr val="accent1"/>
-          </a:fillRef>
-          <a:effectRef idx="0">
-            <a:schemeClr val="accent1"/>
-          </a:effectRef>
-          <a:fontRef idx="minor">
-            <a:schemeClr val="tx1"/>
-          </a:fontRef>
-        </p:style>
-      </p:cxnSp>
-      <p:sp>
-        <p:nvSpPr>
-          <p:cNvPr id="24" name="椭圆 23"/>
-          <p:cNvSpPr/>
-          <p:nvPr/>
-        </p:nvSpPr>
-        <p:spPr>
-          <a:xfrm>
-            <a:off x="5311775" y="3790950"/>
-            <a:ext cx="1014413" cy="1014413"/>
-          </a:xfrm>
-          <a:prstGeom prst="ellipse">
-            <a:avLst/>
-          </a:prstGeom>
-          <a:noFill/>
-          <a:ln>
-            <a:solidFill>
-              <a:schemeClr val="bg1"/>
-            </a:solidFill>
-          </a:ln>
-        </p:spPr>
-        <p:style>
-          <a:lnRef idx="2">
-            <a:schemeClr val="accent1">
-              <a:shade val="50000"/>
-            </a:schemeClr>
-          </a:lnRef>
-          <a:fillRef idx="1">
-            <a:schemeClr val="accent1"/>
-          </a:fillRef>
-          <a:effectRef idx="0">
-            <a:schemeClr val="accent1"/>
-          </a:effectRef>
-          <a:fontRef idx="minor">
-            <a:schemeClr val="lt1"/>
-          </a:fontRef>
-        </p:style>
-        <p:txBody>
-          <a:bodyPr anchor="ctr"/>
-          <a:lstStyle/>
-          <a:p>
-            <a:pPr algn="ctr" fontAlgn="auto">
-              <a:spcBef>
-                <a:spcPts val="0"/>
-              </a:spcBef>
-              <a:spcAft>
-                <a:spcPts val="0"/>
-              </a:spcAft>
-              <a:defRPr/>
-            </a:pPr>
-            <a:endParaRPr lang="zh-CN" altLang="en-US" sz="3200" dirty="0"/>
-          </a:p>
-        </p:txBody>
-      </p:sp>
-      <p:sp>
-        <p:nvSpPr>
-          <p:cNvPr id="30" name="椭圆 29"/>
-          <p:cNvSpPr/>
-          <p:nvPr/>
-        </p:nvSpPr>
-        <p:spPr>
-          <a:xfrm>
-            <a:off x="5581650" y="4060825"/>
-            <a:ext cx="476250" cy="476250"/>
-          </a:xfrm>
-          <a:prstGeom prst="ellipse">
-            <a:avLst/>
-          </a:prstGeom>
-          <a:noFill/>
-          <a:ln>
-            <a:solidFill>
-              <a:schemeClr val="bg1"/>
-            </a:solidFill>
-          </a:ln>
-        </p:spPr>
-        <p:style>
-          <a:lnRef idx="2">
-            <a:schemeClr val="accent1">
-              <a:shade val="50000"/>
-            </a:schemeClr>
-          </a:lnRef>
-          <a:fillRef idx="1">
-            <a:schemeClr val="accent1"/>
-          </a:fillRef>
-          <a:effectRef idx="0">
-            <a:schemeClr val="accent1"/>
-          </a:effectRef>
-          <a:fontRef idx="minor">
-            <a:schemeClr val="lt1"/>
-          </a:fontRef>
-        </p:style>
-        <p:txBody>
-          <a:bodyPr anchor="ctr"/>
-          <a:lstStyle/>
-          <a:p>
-            <a:pPr algn="ctr" fontAlgn="auto">
-              <a:spcBef>
-                <a:spcPts val="0"/>
-              </a:spcBef>
-              <a:spcAft>
-                <a:spcPts val="0"/>
-              </a:spcAft>
-              <a:defRPr/>
-            </a:pPr>
-            <a:endParaRPr lang="zh-CN" altLang="en-US" sz="3200" dirty="0"/>
-          </a:p>
-        </p:txBody>
-      </p:sp>
-      <p:sp>
-        <p:nvSpPr>
-          <p:cNvPr id="31" name="椭圆 30"/>
-          <p:cNvSpPr/>
-          <p:nvPr/>
-        </p:nvSpPr>
-        <p:spPr>
-          <a:xfrm>
-            <a:off x="6100763" y="3859213"/>
-            <a:ext cx="101600" cy="101600"/>
-          </a:xfrm>
-          <a:prstGeom prst="ellipse">
-            <a:avLst/>
-          </a:prstGeom>
-          <a:solidFill>
-            <a:schemeClr val="bg1"/>
-          </a:solidFill>
-          <a:ln>
-            <a:solidFill>
-              <a:schemeClr val="bg1"/>
-            </a:solidFill>
-          </a:ln>
-        </p:spPr>
-        <p:style>
-          <a:lnRef idx="2">
-            <a:schemeClr val="accent1">
-              <a:shade val="50000"/>
-            </a:schemeClr>
-          </a:lnRef>
-          <a:fillRef idx="1">
-            <a:schemeClr val="accent1"/>
-          </a:fillRef>
-          <a:effectRef idx="0">
-            <a:schemeClr val="accent1"/>
-          </a:effectRef>
-          <a:fontRef idx="minor">
-            <a:schemeClr val="lt1"/>
-          </a:fontRef>
-        </p:style>
-        <p:txBody>
-          <a:bodyPr anchor="ctr"/>
-          <a:lstStyle/>
-          <a:p>
-            <a:pPr algn="ctr" fontAlgn="auto">
-              <a:spcBef>
-                <a:spcPts val="0"/>
-              </a:spcBef>
-              <a:spcAft>
-                <a:spcPts val="0"/>
-              </a:spcAft>
-              <a:defRPr/>
-            </a:pPr>
-            <a:endParaRPr lang="zh-CN" altLang="en-US" sz="3200" dirty="0"/>
-          </a:p>
-        </p:txBody>
-      </p:sp>
-      <p:sp>
-        <p:nvSpPr>
-          <p:cNvPr id="32" name="椭圆 31"/>
-          <p:cNvSpPr/>
-          <p:nvPr/>
-        </p:nvSpPr>
-        <p:spPr>
-          <a:xfrm>
-            <a:off x="5940425" y="4418013"/>
-            <a:ext cx="103188" cy="101600"/>
-          </a:xfrm>
-          <a:prstGeom prst="ellipse">
-            <a:avLst/>
-          </a:prstGeom>
-          <a:solidFill>
-            <a:schemeClr val="bg1"/>
-          </a:solidFill>
-          <a:ln>
-            <a:solidFill>
-              <a:schemeClr val="bg1"/>
-            </a:solidFill>
-          </a:ln>
-        </p:spPr>
-        <p:style>
-          <a:lnRef idx="2">
-            <a:schemeClr val="accent1">
-              <a:shade val="50000"/>
-            </a:schemeClr>
-          </a:lnRef>
-          <a:fillRef idx="1">
-            <a:schemeClr val="accent1"/>
-          </a:fillRef>
-          <a:effectRef idx="0">
-            <a:schemeClr val="accent1"/>
-          </a:effectRef>
-          <a:fontRef idx="minor">
-            <a:schemeClr val="lt1"/>
-          </a:fontRef>
-        </p:style>
-        <p:txBody>
-          <a:bodyPr anchor="ctr"/>
-          <a:lstStyle/>
-          <a:p>
-            <a:pPr algn="ctr" fontAlgn="auto">
-              <a:spcBef>
-                <a:spcPts val="0"/>
-              </a:spcBef>
-              <a:spcAft>
-                <a:spcPts val="0"/>
-              </a:spcAft>
-              <a:defRPr/>
-            </a:pPr>
-            <a:endParaRPr lang="zh-CN" altLang="en-US" sz="3200" dirty="0"/>
-          </a:p>
-        </p:txBody>
-      </p:sp>
-      <p:sp>
-        <p:nvSpPr>
-          <p:cNvPr id="20" name="矩形 3"/>
-          <p:cNvSpPr>
-            <a:spLocks noChangeArrowheads="1"/>
-          </p:cNvSpPr>
-          <p:nvPr/>
-        </p:nvSpPr>
-        <p:spPr bwMode="auto">
-          <a:xfrm>
-            <a:off x="222683" y="534403"/>
-            <a:ext cx="7320980" cy="707886"/>
-          </a:xfrm>
-          <a:prstGeom prst="rect">
-            <a:avLst/>
-          </a:prstGeom>
-          <a:noFill/>
-          <a:ln w="9525">
-            <a:noFill/>
-            <a:miter lim="800000"/>
-            <a:headEnd/>
-            <a:tailEnd/>
-          </a:ln>
-        </p:spPr>
-        <p:txBody>
-          <a:bodyPr wrap="none">
-            <a:spAutoFit/>
-          </a:bodyPr>
-          <a:lstStyle/>
-          <a:p>
-            <a:pPr algn="ctr"/>
-            <a:r>
-              <a:rPr lang="en-US" altLang="zh-CN" sz="4000" dirty="0" smtClean="0">
-                <a:solidFill>
-                  <a:schemeClr val="bg1"/>
-                </a:solidFill>
-                <a:latin typeface="Calibri" pitchFamily="34" charset="0"/>
-                <a:ea typeface="方正大黑简体" pitchFamily="2" charset="-122"/>
-              </a:rPr>
-              <a:t>1.1.2 Android 5.x</a:t>
-            </a:r>
-            <a:r>
-              <a:rPr lang="zh-CN" altLang="en-US" sz="4000" dirty="0" smtClean="0">
-                <a:solidFill>
-                  <a:schemeClr val="bg1"/>
-                </a:solidFill>
-                <a:latin typeface="Calibri" pitchFamily="34" charset="0"/>
-                <a:ea typeface="方正大黑简体" pitchFamily="2" charset="-122"/>
-              </a:rPr>
-              <a:t>平台架构及特性</a:t>
-            </a:r>
-            <a:endParaRPr lang="zh-CN" altLang="en-US" sz="4000" dirty="0">
-              <a:solidFill>
-                <a:schemeClr val="bg1"/>
-              </a:solidFill>
-              <a:latin typeface="Calibri" pitchFamily="34" charset="0"/>
-              <a:ea typeface="方正大黑简体" pitchFamily="2" charset="-122"/>
-            </a:endParaRPr>
-          </a:p>
-        </p:txBody>
-      </p:sp>
-      <p:cxnSp>
-        <p:nvCxnSpPr>
-          <p:cNvPr id="21" name="直接连接符 20"/>
-          <p:cNvCxnSpPr/>
-          <p:nvPr/>
-        </p:nvCxnSpPr>
-        <p:spPr>
-          <a:xfrm>
-            <a:off x="0" y="446088"/>
-            <a:ext cx="3321050" cy="0"/>
-          </a:xfrm>
-          <a:prstGeom prst="line">
-            <a:avLst/>
-          </a:prstGeom>
-          <a:ln>
-            <a:solidFill>
-              <a:schemeClr val="bg1"/>
-            </a:solidFill>
-          </a:ln>
-        </p:spPr>
-        <p:style>
-          <a:lnRef idx="1">
-            <a:schemeClr val="accent1"/>
-          </a:lnRef>
-          <a:fillRef idx="0">
-            <a:schemeClr val="accent1"/>
-          </a:fillRef>
-          <a:effectRef idx="0">
-            <a:schemeClr val="accent1"/>
-          </a:effectRef>
-          <a:fontRef idx="minor">
-            <a:schemeClr val="tx1"/>
-          </a:fontRef>
-        </p:style>
-      </p:cxnSp>
-      <p:cxnSp>
-        <p:nvCxnSpPr>
-          <p:cNvPr id="22" name="直接连接符 21"/>
-          <p:cNvCxnSpPr/>
-          <p:nvPr/>
-        </p:nvCxnSpPr>
-        <p:spPr>
-          <a:xfrm>
-            <a:off x="0" y="1271588"/>
-            <a:ext cx="11591925" cy="0"/>
-          </a:xfrm>
-          <a:prstGeom prst="line">
-            <a:avLst/>
-          </a:prstGeom>
-          <a:ln>
-            <a:solidFill>
-              <a:schemeClr val="bg1"/>
-            </a:solidFill>
-          </a:ln>
-        </p:spPr>
-        <p:style>
-          <a:lnRef idx="1">
-            <a:schemeClr val="accent1"/>
-          </a:lnRef>
-          <a:fillRef idx="0">
-            <a:schemeClr val="accent1"/>
-          </a:fillRef>
-          <a:effectRef idx="0">
-            <a:schemeClr val="accent1"/>
-          </a:effectRef>
-          <a:fontRef idx="minor">
-            <a:schemeClr val="tx1"/>
-          </a:fontRef>
-        </p:style>
-      </p:cxnSp>
-      <p:cxnSp>
-        <p:nvCxnSpPr>
-          <p:cNvPr id="23" name="直接连接符 22"/>
-          <p:cNvCxnSpPr/>
-          <p:nvPr/>
-        </p:nvCxnSpPr>
-        <p:spPr>
-          <a:xfrm>
-            <a:off x="6123328" y="2611090"/>
-            <a:ext cx="0" cy="1347787"/>
-          </a:xfrm>
-          <a:prstGeom prst="line">
-            <a:avLst/>
-          </a:prstGeom>
-          <a:ln>
-            <a:solidFill>
-              <a:schemeClr val="bg1"/>
-            </a:solidFill>
-          </a:ln>
-        </p:spPr>
-        <p:style>
-          <a:lnRef idx="1">
-            <a:schemeClr val="accent1"/>
-          </a:lnRef>
-          <a:fillRef idx="0">
-            <a:schemeClr val="accent1"/>
-          </a:fillRef>
-          <a:effectRef idx="0">
-            <a:schemeClr val="accent1"/>
-          </a:effectRef>
-          <a:fontRef idx="minor">
-            <a:schemeClr val="tx1"/>
-          </a:fontRef>
-        </p:style>
-      </p:cxnSp>
-      <p:sp>
-        <p:nvSpPr>
-          <p:cNvPr id="25" name="矩形 24"/>
-          <p:cNvSpPr/>
-          <p:nvPr/>
-        </p:nvSpPr>
-        <p:spPr>
-          <a:xfrm>
-            <a:off x="6137841" y="2612232"/>
-            <a:ext cx="785812" cy="785812"/>
-          </a:xfrm>
-          <a:prstGeom prst="rect">
-            <a:avLst/>
-          </a:prstGeom>
-          <a:solidFill>
-            <a:srgbClr val="FE5A3E"/>
-          </a:solidFill>
-          <a:ln>
-            <a:noFill/>
-          </a:ln>
-        </p:spPr>
-        <p:style>
-          <a:lnRef idx="2">
-            <a:schemeClr val="accent1">
-              <a:shade val="50000"/>
-            </a:schemeClr>
-          </a:lnRef>
-          <a:fillRef idx="1">
-            <a:schemeClr val="accent1"/>
-          </a:fillRef>
-          <a:effectRef idx="0">
-            <a:schemeClr val="accent1"/>
-          </a:effectRef>
-          <a:fontRef idx="minor">
-            <a:schemeClr val="lt1"/>
-          </a:fontRef>
-        </p:style>
-        <p:txBody>
-          <a:bodyPr anchor="ctr"/>
-          <a:lstStyle/>
-          <a:p>
-            <a:pPr algn="ctr" fontAlgn="auto">
-              <a:spcBef>
-                <a:spcPts val="0"/>
-              </a:spcBef>
-              <a:spcAft>
-                <a:spcPts val="0"/>
-              </a:spcAft>
-              <a:defRPr/>
-            </a:pPr>
-            <a:r>
-              <a:rPr lang="en-US" altLang="zh-CN" sz="5400" dirty="0">
-                <a:latin typeface="Broadway" panose="04040905080B02020502" pitchFamily="82" charset="0"/>
-              </a:rPr>
-              <a:t>5</a:t>
-            </a:r>
-            <a:endParaRPr lang="zh-CN" altLang="en-US" sz="5400" dirty="0">
-              <a:latin typeface="Broadway" panose="04040905080B02020502" pitchFamily="82" charset="0"/>
-            </a:endParaRPr>
-          </a:p>
-        </p:txBody>
-      </p:sp>
-      <p:sp>
-        <p:nvSpPr>
-          <p:cNvPr id="26" name="矩形 25"/>
-          <p:cNvSpPr/>
-          <p:nvPr/>
-        </p:nvSpPr>
-        <p:spPr>
-          <a:xfrm>
-            <a:off x="3950155" y="3477604"/>
-            <a:ext cx="1436981" cy="445649"/>
-          </a:xfrm>
-          <a:prstGeom prst="rect">
-            <a:avLst/>
-          </a:prstGeom>
-          <a:solidFill>
-            <a:srgbClr val="FFFFFF">
-              <a:alpha val="40000"/>
-            </a:srgbClr>
-          </a:solidFill>
-          <a:ln>
-            <a:noFill/>
-          </a:ln>
-        </p:spPr>
-        <p:style>
-          <a:lnRef idx="2">
-            <a:schemeClr val="accent1">
-              <a:shade val="50000"/>
-            </a:schemeClr>
-          </a:lnRef>
-          <a:fillRef idx="1">
-            <a:schemeClr val="accent1"/>
-          </a:fillRef>
-          <a:effectRef idx="0">
-            <a:schemeClr val="accent1"/>
-          </a:effectRef>
-          <a:fontRef idx="minor">
-            <a:schemeClr val="lt1"/>
-          </a:fontRef>
-        </p:style>
-        <p:txBody>
-          <a:bodyPr anchor="ctr"/>
-          <a:lstStyle/>
-          <a:p>
-            <a:pPr algn="ctr" fontAlgn="auto">
-              <a:spcBef>
-                <a:spcPts val="0"/>
-              </a:spcBef>
-              <a:spcAft>
-                <a:spcPts val="0"/>
-              </a:spcAft>
-              <a:defRPr/>
-            </a:pPr>
-            <a:r>
-              <a:rPr lang="zh-CN" altLang="en-US" dirty="0" smtClean="0"/>
-              <a:t>应用程序层</a:t>
-            </a:r>
-            <a:endParaRPr lang="zh-CN" altLang="en-US" dirty="0"/>
-          </a:p>
-        </p:txBody>
-      </p:sp>
-      <p:sp>
-        <p:nvSpPr>
-          <p:cNvPr id="27" name="矩形 26"/>
-          <p:cNvSpPr/>
-          <p:nvPr/>
-        </p:nvSpPr>
-        <p:spPr>
-          <a:xfrm>
-            <a:off x="6236734" y="3488092"/>
-            <a:ext cx="1436981" cy="445649"/>
-          </a:xfrm>
-          <a:prstGeom prst="rect">
-            <a:avLst/>
-          </a:prstGeom>
-          <a:solidFill>
-            <a:srgbClr val="FFFFFF">
-              <a:alpha val="40000"/>
-            </a:srgbClr>
-          </a:solidFill>
-          <a:ln>
-            <a:noFill/>
-          </a:ln>
-        </p:spPr>
-        <p:style>
-          <a:lnRef idx="2">
-            <a:schemeClr val="accent1">
-              <a:shade val="50000"/>
-            </a:schemeClr>
-          </a:lnRef>
-          <a:fillRef idx="1">
-            <a:schemeClr val="accent1"/>
-          </a:fillRef>
-          <a:effectRef idx="0">
-            <a:schemeClr val="accent1"/>
-          </a:effectRef>
-          <a:fontRef idx="minor">
-            <a:schemeClr val="lt1"/>
-          </a:fontRef>
-        </p:style>
-        <p:txBody>
-          <a:bodyPr anchor="ctr"/>
-          <a:lstStyle/>
-          <a:p>
-            <a:pPr algn="ctr" fontAlgn="auto">
-              <a:spcBef>
-                <a:spcPts val="0"/>
-              </a:spcBef>
-              <a:spcAft>
-                <a:spcPts val="0"/>
-              </a:spcAft>
-              <a:defRPr/>
-            </a:pPr>
-            <a:r>
-              <a:rPr lang="en-US" altLang="zh-CN" dirty="0" smtClean="0"/>
-              <a:t>Linux</a:t>
-            </a:r>
-            <a:r>
-              <a:rPr lang="zh-CN" altLang="en-US" dirty="0" smtClean="0"/>
-              <a:t>内核</a:t>
-            </a:r>
-            <a:endParaRPr lang="zh-CN" altLang="en-US" dirty="0"/>
-          </a:p>
-        </p:txBody>
-      </p:sp>
-      <p:sp>
-        <p:nvSpPr>
-          <p:cNvPr id="28" name="矩形 27"/>
-          <p:cNvSpPr/>
-          <p:nvPr/>
-        </p:nvSpPr>
-        <p:spPr>
-          <a:xfrm>
-            <a:off x="2016206" y="4363682"/>
-            <a:ext cx="1583337" cy="445649"/>
-          </a:xfrm>
-          <a:prstGeom prst="rect">
-            <a:avLst/>
-          </a:prstGeom>
-          <a:solidFill>
-            <a:srgbClr val="FFFFFF">
-              <a:alpha val="40000"/>
-            </a:srgbClr>
-          </a:solidFill>
-          <a:ln>
-            <a:noFill/>
-          </a:ln>
-        </p:spPr>
-        <p:style>
-          <a:lnRef idx="2">
-            <a:schemeClr val="accent1">
-              <a:shade val="50000"/>
-            </a:schemeClr>
-          </a:lnRef>
-          <a:fillRef idx="1">
-            <a:schemeClr val="accent1"/>
-          </a:fillRef>
-          <a:effectRef idx="0">
-            <a:schemeClr val="accent1"/>
-          </a:effectRef>
-          <a:fontRef idx="minor">
-            <a:schemeClr val="lt1"/>
-          </a:fontRef>
-        </p:style>
-        <p:txBody>
-          <a:bodyPr anchor="ctr"/>
-          <a:lstStyle/>
-          <a:p>
-            <a:pPr algn="ctr" fontAlgn="auto">
-              <a:spcBef>
-                <a:spcPts val="0"/>
-              </a:spcBef>
-              <a:spcAft>
-                <a:spcPts val="0"/>
-              </a:spcAft>
-              <a:defRPr/>
-            </a:pPr>
-            <a:r>
-              <a:rPr lang="zh-CN" altLang="en-US" dirty="0" smtClean="0"/>
-              <a:t>应用程序框架</a:t>
-            </a:r>
-            <a:endParaRPr lang="zh-CN" altLang="en-US" dirty="0"/>
-          </a:p>
-        </p:txBody>
-      </p:sp>
-      <p:sp>
-        <p:nvSpPr>
-          <p:cNvPr id="29" name="矩形 28"/>
-          <p:cNvSpPr/>
-          <p:nvPr/>
-        </p:nvSpPr>
-        <p:spPr>
-          <a:xfrm>
-            <a:off x="5899651" y="4936657"/>
-            <a:ext cx="1055573" cy="445649"/>
-          </a:xfrm>
-          <a:prstGeom prst="rect">
-            <a:avLst/>
-          </a:prstGeom>
-          <a:solidFill>
-            <a:srgbClr val="FFFFFF">
-              <a:alpha val="40000"/>
-            </a:srgbClr>
-          </a:solidFill>
-          <a:ln>
-            <a:noFill/>
-          </a:ln>
-        </p:spPr>
-        <p:style>
-          <a:lnRef idx="2">
-            <a:schemeClr val="accent1">
-              <a:shade val="50000"/>
-            </a:schemeClr>
-          </a:lnRef>
-          <a:fillRef idx="1">
-            <a:schemeClr val="accent1"/>
-          </a:fillRef>
-          <a:effectRef idx="0">
-            <a:schemeClr val="accent1"/>
-          </a:effectRef>
-          <a:fontRef idx="minor">
-            <a:schemeClr val="lt1"/>
-          </a:fontRef>
-        </p:style>
-        <p:txBody>
-          <a:bodyPr anchor="ctr"/>
-          <a:lstStyle/>
-          <a:p>
-            <a:pPr algn="ctr" fontAlgn="auto">
-              <a:spcBef>
-                <a:spcPts val="0"/>
-              </a:spcBef>
-              <a:spcAft>
-                <a:spcPts val="0"/>
-              </a:spcAft>
-              <a:defRPr/>
-            </a:pPr>
-            <a:r>
-              <a:rPr lang="zh-CN" altLang="en-US" dirty="0" smtClean="0"/>
-              <a:t>函数库</a:t>
-            </a:r>
-            <a:endParaRPr lang="zh-CN" altLang="en-US" dirty="0"/>
-          </a:p>
-        </p:txBody>
-      </p:sp>
-      <p:sp>
-        <p:nvSpPr>
-          <p:cNvPr id="33" name="矩形 32"/>
-          <p:cNvSpPr/>
-          <p:nvPr/>
-        </p:nvSpPr>
-        <p:spPr>
-          <a:xfrm>
-            <a:off x="8066849" y="3808972"/>
-            <a:ext cx="1668304" cy="445649"/>
-          </a:xfrm>
-          <a:prstGeom prst="rect">
-            <a:avLst/>
-          </a:prstGeom>
-          <a:solidFill>
-            <a:srgbClr val="FFFFFF">
-              <a:alpha val="40000"/>
-            </a:srgbClr>
-          </a:solidFill>
-          <a:ln>
-            <a:noFill/>
-          </a:ln>
-        </p:spPr>
-        <p:style>
-          <a:lnRef idx="2">
-            <a:schemeClr val="accent1">
-              <a:shade val="50000"/>
-            </a:schemeClr>
-          </a:lnRef>
-          <a:fillRef idx="1">
-            <a:schemeClr val="accent1"/>
-          </a:fillRef>
-          <a:effectRef idx="0">
-            <a:schemeClr val="accent1"/>
-          </a:effectRef>
-          <a:fontRef idx="minor">
-            <a:schemeClr val="lt1"/>
-          </a:fontRef>
-        </p:style>
-        <p:txBody>
-          <a:bodyPr anchor="ctr"/>
-          <a:lstStyle/>
-          <a:p>
-            <a:pPr algn="ctr" fontAlgn="auto">
-              <a:spcBef>
-                <a:spcPts val="0"/>
-              </a:spcBef>
-              <a:spcAft>
-                <a:spcPts val="0"/>
-              </a:spcAft>
-              <a:defRPr/>
-            </a:pPr>
-            <a:r>
-              <a:rPr lang="en-US" altLang="zh-CN" dirty="0" smtClean="0"/>
-              <a:t>Android</a:t>
-            </a:r>
-            <a:r>
-              <a:rPr lang="zh-CN" altLang="en-US" dirty="0" smtClean="0"/>
-              <a:t>运行时</a:t>
-            </a:r>
-            <a:endParaRPr lang="zh-CN" altLang="en-US" dirty="0"/>
-          </a:p>
-        </p:txBody>
-      </p:sp>
-      <p:sp>
-        <p:nvSpPr>
-          <p:cNvPr id="34" name="文本框 13"/>
-          <p:cNvSpPr txBox="1">
-            <a:spLocks noChangeArrowheads="1"/>
-          </p:cNvSpPr>
-          <p:nvPr/>
-        </p:nvSpPr>
-        <p:spPr bwMode="auto">
-          <a:xfrm>
-            <a:off x="8901001" y="3036791"/>
-            <a:ext cx="2553607" cy="369332"/>
-          </a:xfrm>
-          <a:prstGeom prst="rect">
-            <a:avLst/>
-          </a:prstGeom>
-          <a:noFill/>
-          <a:ln w="9525">
-            <a:noFill/>
-            <a:miter lim="800000"/>
-            <a:headEnd/>
-            <a:tailEnd/>
-          </a:ln>
-        </p:spPr>
-        <p:txBody>
-          <a:bodyPr wrap="square">
-            <a:spAutoFit/>
-          </a:bodyPr>
-          <a:lstStyle/>
-          <a:p>
-            <a:r>
-              <a:rPr lang="en-US" altLang="zh-CN" dirty="0" smtClean="0">
-                <a:solidFill>
-                  <a:schemeClr val="bg1"/>
-                </a:solidFill>
-                <a:latin typeface="Calibri" pitchFamily="34" charset="0"/>
-                <a:ea typeface="微软雅黑" pitchFamily="34" charset="-122"/>
-              </a:rPr>
-              <a:t>Android</a:t>
-            </a:r>
-            <a:r>
-              <a:rPr lang="zh-CN" altLang="en-US" dirty="0" smtClean="0">
-                <a:solidFill>
-                  <a:schemeClr val="bg1"/>
-                </a:solidFill>
-                <a:latin typeface="Calibri" pitchFamily="34" charset="0"/>
-                <a:ea typeface="微软雅黑" pitchFamily="34" charset="-122"/>
-              </a:rPr>
-              <a:t>核心库集和</a:t>
-            </a:r>
-            <a:r>
-              <a:rPr lang="en-US" altLang="zh-CN" dirty="0" smtClean="0">
-                <a:solidFill>
-                  <a:schemeClr val="bg1"/>
-                </a:solidFill>
-                <a:latin typeface="Calibri" pitchFamily="34" charset="0"/>
-                <a:ea typeface="微软雅黑" pitchFamily="34" charset="-122"/>
-              </a:rPr>
-              <a:t>ART</a:t>
-            </a:r>
-            <a:r>
-              <a:rPr lang="zh-CN" altLang="en-US" dirty="0" smtClean="0">
-                <a:solidFill>
-                  <a:schemeClr val="bg1"/>
-                </a:solidFill>
-                <a:latin typeface="Calibri" pitchFamily="34" charset="0"/>
-                <a:ea typeface="微软雅黑" pitchFamily="34" charset="-122"/>
-              </a:rPr>
-              <a:t>。</a:t>
-            </a:r>
-            <a:endParaRPr lang="zh-CN" altLang="en-US" dirty="0">
-              <a:solidFill>
-                <a:schemeClr val="bg1"/>
-              </a:solidFill>
-              <a:latin typeface="Calibri" pitchFamily="34" charset="0"/>
-              <a:ea typeface="微软雅黑" pitchFamily="34" charset="-122"/>
-            </a:endParaRPr>
-          </a:p>
-        </p:txBody>
-      </p:sp>
-    </p:spTree>
-    <p:extLst>
-      <p:ext uri="{BB962C8B-B14F-4D97-AF65-F5344CB8AC3E}">
-        <p14:creationId xmlns:p14="http://schemas.microsoft.com/office/powerpoint/2010/main" val="307361030"/>
       </p:ext>
     </p:extLst>
   </p:cSld>

--- a/ppt/第一章 Android应用和开发.pptx
+++ b/ppt/第一章 Android应用和开发.pptx
@@ -5,7 +5,7 @@
     <p:sldMasterId id="2147483648" r:id="rId1"/>
   </p:sldMasterIdLst>
   <p:notesMasterIdLst>
-    <p:notesMasterId r:id="rId24"/>
+    <p:notesMasterId r:id="rId25"/>
   </p:notesMasterIdLst>
   <p:sldIdLst>
     <p:sldId id="256" r:id="rId2"/>
@@ -16,20 +16,21 @@
     <p:sldId id="311" r:id="rId7"/>
     <p:sldId id="294" r:id="rId8"/>
     <p:sldId id="315" r:id="rId9"/>
-    <p:sldId id="297" r:id="rId10"/>
-    <p:sldId id="296" r:id="rId11"/>
-    <p:sldId id="298" r:id="rId12"/>
-    <p:sldId id="299" r:id="rId13"/>
-    <p:sldId id="300" r:id="rId14"/>
-    <p:sldId id="301" r:id="rId15"/>
-    <p:sldId id="302" r:id="rId16"/>
-    <p:sldId id="303" r:id="rId17"/>
-    <p:sldId id="304" r:id="rId18"/>
-    <p:sldId id="305" r:id="rId19"/>
-    <p:sldId id="306" r:id="rId20"/>
-    <p:sldId id="308" r:id="rId21"/>
-    <p:sldId id="309" r:id="rId22"/>
-    <p:sldId id="310" r:id="rId23"/>
+    <p:sldId id="316" r:id="rId10"/>
+    <p:sldId id="297" r:id="rId11"/>
+    <p:sldId id="296" r:id="rId12"/>
+    <p:sldId id="298" r:id="rId13"/>
+    <p:sldId id="299" r:id="rId14"/>
+    <p:sldId id="300" r:id="rId15"/>
+    <p:sldId id="301" r:id="rId16"/>
+    <p:sldId id="302" r:id="rId17"/>
+    <p:sldId id="303" r:id="rId18"/>
+    <p:sldId id="304" r:id="rId19"/>
+    <p:sldId id="305" r:id="rId20"/>
+    <p:sldId id="306" r:id="rId21"/>
+    <p:sldId id="308" r:id="rId22"/>
+    <p:sldId id="309" r:id="rId23"/>
+    <p:sldId id="310" r:id="rId24"/>
   </p:sldIdLst>
   <p:sldSz cx="12192000" cy="6858000"/>
   <p:notesSz cx="6858000" cy="9144000"/>
@@ -966,7 +967,7 @@
           <a:p>
             <a:fld id="{8118EB5E-8291-4918-89D9-10BDB096D9E8}" type="slidenum">
               <a:rPr lang="zh-CN" altLang="en-US" smtClean="0"/>
-              <a:t>10</a:t>
+              <a:t>11</a:t>
             </a:fld>
             <a:endParaRPr lang="zh-CN" altLang="en-US"/>
           </a:p>
@@ -1050,7 +1051,7 @@
           <a:p>
             <a:fld id="{8118EB5E-8291-4918-89D9-10BDB096D9E8}" type="slidenum">
               <a:rPr lang="zh-CN" altLang="en-US" smtClean="0"/>
-              <a:t>12</a:t>
+              <a:t>13</a:t>
             </a:fld>
             <a:endParaRPr lang="zh-CN" altLang="en-US"/>
           </a:p>
@@ -1289,7 +1290,7 @@
           <a:p>
             <a:fld id="{8118EB5E-8291-4918-89D9-10BDB096D9E8}" type="slidenum">
               <a:rPr lang="zh-CN" altLang="en-US" smtClean="0"/>
-              <a:t>20</a:t>
+              <a:t>21</a:t>
             </a:fld>
             <a:endParaRPr lang="zh-CN" altLang="en-US"/>
           </a:p>
@@ -5316,7 +5317,7 @@
           </a:ln>
           <a:extLst>
             <a:ext uri="{91240B29-F687-4f45-9708-019B960494DF}">
-              <a14:hiddenLine xmlns:a14="http://schemas.microsoft.com/office/drawing/2010/main" xmlns="" w="12700" cap="flat" cmpd="sng">
+              <a14:hiddenLine xmlns="" xmlns:a14="http://schemas.microsoft.com/office/drawing/2010/main" w="12700" cap="flat" cmpd="sng">
                 <a:solidFill>
                   <a:srgbClr val="42719B"/>
                 </a:solidFill>
@@ -5448,6 +5449,344 @@
 </file>
 
 <file path=ppt/slides/slide10.xml><?xml version="1.0" encoding="utf-8"?>
+<p:sld xmlns:a="http://schemas.openxmlformats.org/drawingml/2006/main" xmlns:r="http://schemas.openxmlformats.org/officeDocument/2006/relationships" xmlns:p="http://schemas.openxmlformats.org/presentationml/2006/main">
+  <p:cSld>
+    <p:spTree>
+      <p:nvGrpSpPr>
+        <p:cNvPr id="1" name=""/>
+        <p:cNvGrpSpPr/>
+        <p:nvPr/>
+      </p:nvGrpSpPr>
+      <p:grpSpPr>
+        <a:xfrm>
+          <a:off x="0" y="0"/>
+          <a:ext cx="0" cy="0"/>
+          <a:chOff x="0" y="0"/>
+          <a:chExt cx="0" cy="0"/>
+        </a:xfrm>
+      </p:grpSpPr>
+      <p:sp>
+        <p:nvSpPr>
+          <p:cNvPr id="4" name="矩形 3"/>
+          <p:cNvSpPr>
+            <a:spLocks noChangeArrowheads="1"/>
+          </p:cNvSpPr>
+          <p:nvPr/>
+        </p:nvSpPr>
+        <p:spPr bwMode="auto">
+          <a:xfrm>
+            <a:off x="222683" y="534403"/>
+            <a:ext cx="7320980" cy="707886"/>
+          </a:xfrm>
+          <a:prstGeom prst="rect">
+            <a:avLst/>
+          </a:prstGeom>
+          <a:noFill/>
+          <a:ln w="9525">
+            <a:noFill/>
+            <a:miter lim="800000"/>
+            <a:headEnd/>
+            <a:tailEnd/>
+          </a:ln>
+        </p:spPr>
+        <p:txBody>
+          <a:bodyPr wrap="none">
+            <a:spAutoFit/>
+          </a:bodyPr>
+          <a:lstStyle/>
+          <a:p>
+            <a:pPr algn="ctr"/>
+            <a:r>
+              <a:rPr lang="en-US" altLang="zh-CN" sz="4000" dirty="0" smtClean="0">
+                <a:solidFill>
+                  <a:schemeClr val="bg1"/>
+                </a:solidFill>
+                <a:latin typeface="Calibri" pitchFamily="34" charset="0"/>
+                <a:ea typeface="方正大黑简体" pitchFamily="2" charset="-122"/>
+              </a:rPr>
+              <a:t>1.1.2 Android 5.x</a:t>
+            </a:r>
+            <a:r>
+              <a:rPr lang="zh-CN" altLang="en-US" sz="4000" dirty="0" smtClean="0">
+                <a:solidFill>
+                  <a:schemeClr val="bg1"/>
+                </a:solidFill>
+                <a:latin typeface="Calibri" pitchFamily="34" charset="0"/>
+                <a:ea typeface="方正大黑简体" pitchFamily="2" charset="-122"/>
+              </a:rPr>
+              <a:t>平台架构及特性</a:t>
+            </a:r>
+            <a:endParaRPr lang="zh-CN" altLang="en-US" sz="4000" dirty="0">
+              <a:solidFill>
+                <a:schemeClr val="bg1"/>
+              </a:solidFill>
+              <a:latin typeface="Calibri" pitchFamily="34" charset="0"/>
+              <a:ea typeface="方正大黑简体" pitchFamily="2" charset="-122"/>
+            </a:endParaRPr>
+          </a:p>
+        </p:txBody>
+      </p:sp>
+      <p:cxnSp>
+        <p:nvCxnSpPr>
+          <p:cNvPr id="5" name="直接连接符 4"/>
+          <p:cNvCxnSpPr/>
+          <p:nvPr/>
+        </p:nvCxnSpPr>
+        <p:spPr>
+          <a:xfrm>
+            <a:off x="0" y="446088"/>
+            <a:ext cx="3321050" cy="0"/>
+          </a:xfrm>
+          <a:prstGeom prst="line">
+            <a:avLst/>
+          </a:prstGeom>
+          <a:ln>
+            <a:solidFill>
+              <a:schemeClr val="bg1"/>
+            </a:solidFill>
+          </a:ln>
+        </p:spPr>
+        <p:style>
+          <a:lnRef idx="1">
+            <a:schemeClr val="accent1"/>
+          </a:lnRef>
+          <a:fillRef idx="0">
+            <a:schemeClr val="accent1"/>
+          </a:fillRef>
+          <a:effectRef idx="0">
+            <a:schemeClr val="accent1"/>
+          </a:effectRef>
+          <a:fontRef idx="minor">
+            <a:schemeClr val="tx1"/>
+          </a:fontRef>
+        </p:style>
+      </p:cxnSp>
+      <p:cxnSp>
+        <p:nvCxnSpPr>
+          <p:cNvPr id="6" name="直接连接符 5"/>
+          <p:cNvCxnSpPr/>
+          <p:nvPr/>
+        </p:nvCxnSpPr>
+        <p:spPr>
+          <a:xfrm>
+            <a:off x="0" y="1271588"/>
+            <a:ext cx="11591925" cy="0"/>
+          </a:xfrm>
+          <a:prstGeom prst="line">
+            <a:avLst/>
+          </a:prstGeom>
+          <a:ln>
+            <a:solidFill>
+              <a:schemeClr val="bg1"/>
+            </a:solidFill>
+          </a:ln>
+        </p:spPr>
+        <p:style>
+          <a:lnRef idx="1">
+            <a:schemeClr val="accent1"/>
+          </a:lnRef>
+          <a:fillRef idx="0">
+            <a:schemeClr val="accent1"/>
+          </a:fillRef>
+          <a:effectRef idx="0">
+            <a:schemeClr val="accent1"/>
+          </a:effectRef>
+          <a:fontRef idx="minor">
+            <a:schemeClr val="tx1"/>
+          </a:fontRef>
+        </p:style>
+      </p:cxnSp>
+      <p:pic>
+        <p:nvPicPr>
+          <p:cNvPr id="7" name="图片 6"/>
+          <p:cNvPicPr>
+            <a:picLocks noChangeAspect="1"/>
+          </p:cNvPicPr>
+          <p:nvPr/>
+        </p:nvPicPr>
+        <p:blipFill>
+          <a:blip r:embed="rId2">
+            <a:extLst>
+              <a:ext uri="{28A0092B-C50C-407E-A947-70E740481C1C}">
+                <a14:useLocalDpi xmlns:a14="http://schemas.microsoft.com/office/drawing/2010/main" val="0"/>
+              </a:ext>
+            </a:extLst>
+          </a:blip>
+          <a:stretch>
+            <a:fillRect/>
+          </a:stretch>
+        </p:blipFill>
+        <p:spPr>
+          <a:xfrm>
+            <a:off x="222683" y="1799770"/>
+            <a:ext cx="5583031" cy="4513943"/>
+          </a:xfrm>
+          <a:prstGeom prst="rect">
+            <a:avLst/>
+          </a:prstGeom>
+        </p:spPr>
+      </p:pic>
+      <p:sp>
+        <p:nvSpPr>
+          <p:cNvPr id="8" name="矩形 7"/>
+          <p:cNvSpPr/>
+          <p:nvPr/>
+        </p:nvSpPr>
+        <p:spPr>
+          <a:xfrm>
+            <a:off x="5795962" y="1770469"/>
+            <a:ext cx="6096000" cy="4543243"/>
+          </a:xfrm>
+          <a:prstGeom prst="rect">
+            <a:avLst/>
+          </a:prstGeom>
+          <a:solidFill>
+            <a:srgbClr val="FFFFFF">
+              <a:alpha val="40000"/>
+            </a:srgbClr>
+          </a:solidFill>
+          <a:ln>
+            <a:noFill/>
+          </a:ln>
+        </p:spPr>
+        <p:style>
+          <a:lnRef idx="2">
+            <a:schemeClr val="accent1">
+              <a:shade val="50000"/>
+            </a:schemeClr>
+          </a:lnRef>
+          <a:fillRef idx="1">
+            <a:schemeClr val="accent1"/>
+          </a:fillRef>
+          <a:effectRef idx="0">
+            <a:schemeClr val="accent1"/>
+          </a:effectRef>
+          <a:fontRef idx="minor">
+            <a:schemeClr val="lt1"/>
+          </a:fontRef>
+        </p:style>
+        <p:txBody>
+          <a:bodyPr lIns="756000" rIns="756000" anchor="ctr"/>
+          <a:lstStyle/>
+          <a:p>
+            <a:pPr fontAlgn="auto">
+              <a:spcBef>
+                <a:spcPts val="0"/>
+              </a:spcBef>
+              <a:spcAft>
+                <a:spcPts val="0"/>
+              </a:spcAft>
+              <a:defRPr/>
+            </a:pPr>
+            <a:r>
+              <a:rPr lang="en-US" altLang="zh-CN" dirty="0" smtClean="0"/>
+              <a:t>Android</a:t>
+            </a:r>
+            <a:r>
+              <a:rPr lang="zh-CN" altLang="en-US" dirty="0" smtClean="0"/>
+              <a:t>系统的底层建立在</a:t>
+            </a:r>
+            <a:r>
+              <a:rPr lang="en-US" altLang="zh-CN" dirty="0" smtClean="0"/>
+              <a:t>Linux</a:t>
+            </a:r>
+            <a:r>
+              <a:rPr lang="zh-CN" altLang="en-US" dirty="0" smtClean="0"/>
+              <a:t>系统之上，该平台由操作系统、中间件、用户界面和应用软件</a:t>
+            </a:r>
+            <a:r>
+              <a:rPr lang="en-US" altLang="zh-CN" dirty="0" smtClean="0"/>
+              <a:t>4</a:t>
+            </a:r>
+            <a:r>
+              <a:rPr lang="zh-CN" altLang="en-US" dirty="0" smtClean="0"/>
+              <a:t>层组成，它采用一种被称为软件叠层（</a:t>
+            </a:r>
+            <a:r>
+              <a:rPr lang="en-US" altLang="zh-CN" dirty="0" smtClean="0"/>
+              <a:t>Software Stack</a:t>
+            </a:r>
+            <a:r>
+              <a:rPr lang="zh-CN" altLang="en-US" dirty="0" smtClean="0"/>
+              <a:t>）的方式进行构建。</a:t>
+            </a:r>
+            <a:endParaRPr lang="en-US" altLang="zh-CN" dirty="0" smtClean="0"/>
+          </a:p>
+          <a:p>
+            <a:pPr fontAlgn="auto">
+              <a:spcBef>
+                <a:spcPts val="0"/>
+              </a:spcBef>
+              <a:spcAft>
+                <a:spcPts val="0"/>
+              </a:spcAft>
+              <a:defRPr/>
+            </a:pPr>
+            <a:endParaRPr lang="en-US" altLang="zh-CN" dirty="0"/>
+          </a:p>
+          <a:p>
+            <a:pPr fontAlgn="auto">
+              <a:spcBef>
+                <a:spcPts val="0"/>
+              </a:spcBef>
+              <a:spcAft>
+                <a:spcPts val="0"/>
+              </a:spcAft>
+              <a:defRPr/>
+            </a:pPr>
+            <a:endParaRPr lang="en-US" altLang="zh-CN" dirty="0" smtClean="0"/>
+          </a:p>
+          <a:p>
+            <a:pPr fontAlgn="auto">
+              <a:spcBef>
+                <a:spcPts val="0"/>
+              </a:spcBef>
+              <a:spcAft>
+                <a:spcPts val="0"/>
+              </a:spcAft>
+              <a:defRPr/>
+            </a:pPr>
+            <a:endParaRPr lang="en-US" altLang="zh-CN" dirty="0"/>
+          </a:p>
+          <a:p>
+            <a:pPr fontAlgn="auto">
+              <a:spcBef>
+                <a:spcPts val="0"/>
+              </a:spcBef>
+              <a:spcAft>
+                <a:spcPts val="0"/>
+              </a:spcAft>
+              <a:defRPr/>
+            </a:pPr>
+            <a:r>
+              <a:rPr lang="zh-CN" altLang="en-US" dirty="0" smtClean="0"/>
+              <a:t>这种软件叠层结构使得层与层之间相互分离，明确各层的分工。这种分工保证了层与层之间的低耦合，当下层的层内或层下发生改变时，上层应用程序无需任何修改。</a:t>
+            </a:r>
+            <a:endParaRPr lang="zh-CN" altLang="en-US" dirty="0"/>
+          </a:p>
+        </p:txBody>
+      </p:sp>
+    </p:spTree>
+    <p:extLst>
+      <p:ext uri="{BB962C8B-B14F-4D97-AF65-F5344CB8AC3E}">
+        <p14:creationId xmlns:p14="http://schemas.microsoft.com/office/powerpoint/2010/main" val="1147260544"/>
+      </p:ext>
+    </p:extLst>
+  </p:cSld>
+  <p:clrMapOvr>
+    <a:masterClrMapping/>
+  </p:clrMapOvr>
+  <p:timing>
+    <p:tnLst>
+      <p:par>
+        <p:cTn id="1" dur="indefinite" restart="never" nodeType="tmRoot"/>
+      </p:par>
+    </p:tnLst>
+  </p:timing>
+</p:sld>
+</file>
+
+<file path=ppt/slides/slide11.xml><?xml version="1.0" encoding="utf-8"?>
 <p:sld xmlns:a="http://schemas.openxmlformats.org/drawingml/2006/main" xmlns:r="http://schemas.openxmlformats.org/officeDocument/2006/relationships" xmlns:p="http://schemas.openxmlformats.org/presentationml/2006/main">
   <p:cSld>
     <p:spTree>
@@ -7050,7 +7389,7 @@
 </p:sld>
 </file>
 
-<file path=ppt/slides/slide11.xml><?xml version="1.0" encoding="utf-8"?>
+<file path=ppt/slides/slide12.xml><?xml version="1.0" encoding="utf-8"?>
 <p:sld xmlns:a="http://schemas.openxmlformats.org/drawingml/2006/main" xmlns:r="http://schemas.openxmlformats.org/officeDocument/2006/relationships" xmlns:p="http://schemas.openxmlformats.org/presentationml/2006/main">
   <p:cSld>
     <p:spTree>
@@ -7379,7 +7718,7 @@
 </p:sld>
 </file>
 
-<file path=ppt/slides/slide12.xml><?xml version="1.0" encoding="utf-8"?>
+<file path=ppt/slides/slide13.xml><?xml version="1.0" encoding="utf-8"?>
 <p:sld xmlns:a="http://schemas.openxmlformats.org/drawingml/2006/main" xmlns:r="http://schemas.openxmlformats.org/officeDocument/2006/relationships" xmlns:p="http://schemas.openxmlformats.org/presentationml/2006/main">
   <p:cSld>
     <p:spTree>
@@ -8391,14 +8730,14 @@
           </a:ln>
           <a:extLst>
             <a:ext uri="{909E8E84-426E-40dd-AFC4-6F175D3DCCD1}">
-              <a14:hiddenFill xmlns:a14="http://schemas.microsoft.com/office/drawing/2010/main" xmlns="">
+              <a14:hiddenFill xmlns="" xmlns:a14="http://schemas.microsoft.com/office/drawing/2010/main">
                 <a:solidFill>
                   <a:srgbClr val="FFFFFF"/>
                 </a:solidFill>
               </a14:hiddenFill>
             </a:ext>
             <a:ext uri="{91240B29-F687-4f45-9708-019B960494DF}">
-              <a14:hiddenLine xmlns:a14="http://schemas.microsoft.com/office/drawing/2010/main" xmlns="" w="9525">
+              <a14:hiddenLine xmlns="" xmlns:a14="http://schemas.microsoft.com/office/drawing/2010/main" w="9525">
                 <a:solidFill>
                   <a:srgbClr val="000000"/>
                 </a:solidFill>
@@ -8575,14 +8914,14 @@
           </a:ln>
           <a:extLst>
             <a:ext uri="{909E8E84-426E-40dd-AFC4-6F175D3DCCD1}">
-              <a14:hiddenFill xmlns:a14="http://schemas.microsoft.com/office/drawing/2010/main" xmlns="">
+              <a14:hiddenFill xmlns="" xmlns:a14="http://schemas.microsoft.com/office/drawing/2010/main">
                 <a:solidFill>
                   <a:srgbClr val="FFFFFF"/>
                 </a:solidFill>
               </a14:hiddenFill>
             </a:ext>
             <a:ext uri="{91240B29-F687-4f45-9708-019B960494DF}">
-              <a14:hiddenLine xmlns:a14="http://schemas.microsoft.com/office/drawing/2010/main" xmlns="" w="9525">
+              <a14:hiddenLine xmlns="" xmlns:a14="http://schemas.microsoft.com/office/drawing/2010/main" w="9525">
                 <a:solidFill>
                   <a:srgbClr val="000000"/>
                 </a:solidFill>
@@ -8629,14 +8968,14 @@
           </a:ln>
           <a:extLst>
             <a:ext uri="{909E8E84-426E-40dd-AFC4-6F175D3DCCD1}">
-              <a14:hiddenFill xmlns:a14="http://schemas.microsoft.com/office/drawing/2010/main" xmlns="">
+              <a14:hiddenFill xmlns="" xmlns:a14="http://schemas.microsoft.com/office/drawing/2010/main">
                 <a:solidFill>
                   <a:srgbClr val="FFFFFF"/>
                 </a:solidFill>
               </a14:hiddenFill>
             </a:ext>
             <a:ext uri="{91240B29-F687-4f45-9708-019B960494DF}">
-              <a14:hiddenLine xmlns:a14="http://schemas.microsoft.com/office/drawing/2010/main" xmlns="" w="9525">
+              <a14:hiddenLine xmlns="" xmlns:a14="http://schemas.microsoft.com/office/drawing/2010/main" w="9525">
                 <a:solidFill>
                   <a:srgbClr val="000000"/>
                 </a:solidFill>
@@ -8683,14 +9022,14 @@
           </a:ln>
           <a:extLst>
             <a:ext uri="{909E8E84-426E-40dd-AFC4-6F175D3DCCD1}">
-              <a14:hiddenFill xmlns:a14="http://schemas.microsoft.com/office/drawing/2010/main" xmlns="">
+              <a14:hiddenFill xmlns="" xmlns:a14="http://schemas.microsoft.com/office/drawing/2010/main">
                 <a:solidFill>
                   <a:srgbClr val="FFFFFF"/>
                 </a:solidFill>
               </a14:hiddenFill>
             </a:ext>
             <a:ext uri="{91240B29-F687-4f45-9708-019B960494DF}">
-              <a14:hiddenLine xmlns:a14="http://schemas.microsoft.com/office/drawing/2010/main" xmlns="" w="9525">
+              <a14:hiddenLine xmlns="" xmlns:a14="http://schemas.microsoft.com/office/drawing/2010/main" w="9525">
                 <a:solidFill>
                   <a:srgbClr val="000000"/>
                 </a:solidFill>
@@ -10266,7 +10605,7 @@
 </p:sld>
 </file>
 
-<file path=ppt/slides/slide13.xml><?xml version="1.0" encoding="utf-8"?>
+<file path=ppt/slides/slide14.xml><?xml version="1.0" encoding="utf-8"?>
 <p:sld xmlns:a="http://schemas.openxmlformats.org/drawingml/2006/main" xmlns:r="http://schemas.openxmlformats.org/officeDocument/2006/relationships" xmlns:p="http://schemas.openxmlformats.org/presentationml/2006/main">
   <p:cSld>
     <p:spTree>
@@ -10585,7 +10924,7 @@
 </p:sld>
 </file>
 
-<file path=ppt/slides/slide14.xml><?xml version="1.0" encoding="utf-8"?>
+<file path=ppt/slides/slide15.xml><?xml version="1.0" encoding="utf-8"?>
 <p:sld xmlns:a="http://schemas.openxmlformats.org/drawingml/2006/main" xmlns:r="http://schemas.openxmlformats.org/officeDocument/2006/relationships" xmlns:p="http://schemas.openxmlformats.org/presentationml/2006/main">
   <p:cSld>
     <p:spTree>
@@ -11559,7 +11898,7 @@
 </p:sld>
 </file>
 
-<file path=ppt/slides/slide15.xml><?xml version="1.0" encoding="utf-8"?>
+<file path=ppt/slides/slide16.xml><?xml version="1.0" encoding="utf-8"?>
 <p:sld xmlns:a="http://schemas.openxmlformats.org/drawingml/2006/main" xmlns:r="http://schemas.openxmlformats.org/officeDocument/2006/relationships" xmlns:p="http://schemas.openxmlformats.org/presentationml/2006/main">
   <p:cSld>
     <p:spTree>
@@ -11888,7 +12227,7 @@
 </p:sld>
 </file>
 
-<file path=ppt/slides/slide16.xml><?xml version="1.0" encoding="utf-8"?>
+<file path=ppt/slides/slide17.xml><?xml version="1.0" encoding="utf-8"?>
 <p:sld xmlns:a="http://schemas.openxmlformats.org/drawingml/2006/main" xmlns:r="http://schemas.openxmlformats.org/officeDocument/2006/relationships" xmlns:p="http://schemas.openxmlformats.org/presentationml/2006/main">
   <p:cSld>
     <p:spTree>
@@ -12907,7 +13246,7 @@
 </p:sld>
 </file>
 
-<file path=ppt/slides/slide17.xml><?xml version="1.0" encoding="utf-8"?>
+<file path=ppt/slides/slide18.xml><?xml version="1.0" encoding="utf-8"?>
 <p:sld xmlns:a="http://schemas.openxmlformats.org/drawingml/2006/main" xmlns:r="http://schemas.openxmlformats.org/officeDocument/2006/relationships" xmlns:p="http://schemas.openxmlformats.org/presentationml/2006/main">
   <p:cSld>
     <p:spTree>
@@ -13667,7 +14006,7 @@
 </p:sld>
 </file>
 
-<file path=ppt/slides/slide18.xml><?xml version="1.0" encoding="utf-8"?>
+<file path=ppt/slides/slide19.xml><?xml version="1.0" encoding="utf-8"?>
 <p:sld xmlns:a="http://schemas.openxmlformats.org/drawingml/2006/main" xmlns:r="http://schemas.openxmlformats.org/officeDocument/2006/relationships" xmlns:p="http://schemas.openxmlformats.org/presentationml/2006/main">
   <p:cSld>
     <p:spTree>
@@ -14351,7 +14690,124 @@
 </p:sld>
 </file>
 
-<file path=ppt/slides/slide19.xml><?xml version="1.0" encoding="utf-8"?>
+<file path=ppt/slides/slide2.xml><?xml version="1.0" encoding="utf-8"?>
+<p:sld xmlns:a="http://schemas.openxmlformats.org/drawingml/2006/main" xmlns:r="http://schemas.openxmlformats.org/officeDocument/2006/relationships" xmlns:p="http://schemas.openxmlformats.org/presentationml/2006/main">
+  <p:cSld>
+    <p:spTree>
+      <p:nvGrpSpPr>
+        <p:cNvPr id="1" name=""/>
+        <p:cNvGrpSpPr/>
+        <p:nvPr/>
+      </p:nvGrpSpPr>
+      <p:grpSpPr>
+        <a:xfrm>
+          <a:off x="0" y="0"/>
+          <a:ext cx="0" cy="0"/>
+          <a:chOff x="0" y="0"/>
+          <a:chExt cx="0" cy="0"/>
+        </a:xfrm>
+      </p:grpSpPr>
+      <p:sp>
+        <p:nvSpPr>
+          <p:cNvPr id="2" name="标题 1"/>
+          <p:cNvSpPr>
+            <a:spLocks noGrp="1"/>
+          </p:cNvSpPr>
+          <p:nvPr>
+            <p:ph type="title"/>
+          </p:nvPr>
+        </p:nvSpPr>
+        <p:spPr/>
+        <p:txBody>
+          <a:bodyPr/>
+          <a:lstStyle/>
+          <a:p>
+            <a:r>
+              <a:rPr lang="zh-CN" altLang="en-US" dirty="0" smtClean="0"/>
+              <a:t>授课老师</a:t>
+            </a:r>
+            <a:endParaRPr lang="zh-CN" altLang="en-US" dirty="0"/>
+          </a:p>
+        </p:txBody>
+      </p:sp>
+      <p:sp>
+        <p:nvSpPr>
+          <p:cNvPr id="3" name="内容占位符 2"/>
+          <p:cNvSpPr>
+            <a:spLocks noGrp="1"/>
+          </p:cNvSpPr>
+          <p:nvPr>
+            <p:ph idx="1"/>
+          </p:nvPr>
+        </p:nvSpPr>
+        <p:spPr/>
+        <p:txBody>
+          <a:bodyPr/>
+          <a:lstStyle/>
+          <a:p>
+            <a:r>
+              <a:rPr lang="zh-CN" altLang="en-US" dirty="0" smtClean="0"/>
+              <a:t>代立云  </a:t>
+            </a:r>
+            <a:endParaRPr lang="en-US" altLang="zh-CN" dirty="0" smtClean="0"/>
+          </a:p>
+          <a:p>
+            <a:endParaRPr lang="en-US" altLang="zh-CN" dirty="0" smtClean="0"/>
+          </a:p>
+          <a:p>
+            <a:r>
+              <a:rPr lang="en-US" altLang="zh-CN" dirty="0" smtClean="0"/>
+              <a:t>Email: </a:t>
+            </a:r>
+            <a:r>
+              <a:rPr lang="en-US" altLang="zh-CN" dirty="0" smtClean="0">
+                <a:hlinkClick r:id="rId2"/>
+              </a:rPr>
+              <a:t>dailiyun@swu.edu.cn</a:t>
+            </a:r>
+            <a:endParaRPr lang="en-US" altLang="zh-CN" dirty="0" smtClean="0"/>
+          </a:p>
+          <a:p>
+            <a:endParaRPr lang="en-US" altLang="zh-CN" dirty="0" smtClean="0"/>
+          </a:p>
+          <a:p>
+            <a:r>
+              <a:rPr lang="en-US" altLang="zh-CN" dirty="0"/>
+              <a:t>Homepage: </a:t>
+            </a:r>
+            <a:r>
+              <a:rPr lang="en-US" altLang="zh-CN" dirty="0">
+                <a:hlinkClick r:id="rId3"/>
+              </a:rPr>
+              <a:t>http://www.swu-rise.net.cn/#/</a:t>
+            </a:r>
+            <a:r>
+              <a:rPr lang="en-US" altLang="zh-CN" dirty="0" smtClean="0">
+                <a:hlinkClick r:id="rId3"/>
+              </a:rPr>
+              <a:t>peopleInfo/teacher?id=25</a:t>
+            </a:r>
+            <a:endParaRPr lang="en-US" altLang="zh-CN" dirty="0" smtClean="0"/>
+          </a:p>
+          <a:p>
+            <a:endParaRPr lang="zh-CN" altLang="en-US" dirty="0"/>
+          </a:p>
+        </p:txBody>
+      </p:sp>
+    </p:spTree>
+    <p:extLst>
+      <p:ext uri="{BB962C8B-B14F-4D97-AF65-F5344CB8AC3E}">
+        <p14:creationId xmlns:p14="http://schemas.microsoft.com/office/powerpoint/2010/main" val="2896130960"/>
+      </p:ext>
+    </p:extLst>
+  </p:cSld>
+  <p:clrMapOvr>
+    <a:masterClrMapping/>
+  </p:clrMapOvr>
+</p:sld>
+</file>
+
+<file path=ppt/slides/slide20.xml><?xml version="1.0" encoding="utf-8"?>
 <p:sld xmlns:a="http://schemas.openxmlformats.org/drawingml/2006/main" xmlns:r="http://schemas.openxmlformats.org/officeDocument/2006/relationships" xmlns:p="http://schemas.openxmlformats.org/presentationml/2006/main">
   <p:cSld>
     <p:spTree>
@@ -14670,124 +15126,7 @@
 </p:sld>
 </file>
 
-<file path=ppt/slides/slide2.xml><?xml version="1.0" encoding="utf-8"?>
-<p:sld xmlns:a="http://schemas.openxmlformats.org/drawingml/2006/main" xmlns:r="http://schemas.openxmlformats.org/officeDocument/2006/relationships" xmlns:p="http://schemas.openxmlformats.org/presentationml/2006/main">
-  <p:cSld>
-    <p:spTree>
-      <p:nvGrpSpPr>
-        <p:cNvPr id="1" name=""/>
-        <p:cNvGrpSpPr/>
-        <p:nvPr/>
-      </p:nvGrpSpPr>
-      <p:grpSpPr>
-        <a:xfrm>
-          <a:off x="0" y="0"/>
-          <a:ext cx="0" cy="0"/>
-          <a:chOff x="0" y="0"/>
-          <a:chExt cx="0" cy="0"/>
-        </a:xfrm>
-      </p:grpSpPr>
-      <p:sp>
-        <p:nvSpPr>
-          <p:cNvPr id="2" name="标题 1"/>
-          <p:cNvSpPr>
-            <a:spLocks noGrp="1"/>
-          </p:cNvSpPr>
-          <p:nvPr>
-            <p:ph type="title"/>
-          </p:nvPr>
-        </p:nvSpPr>
-        <p:spPr/>
-        <p:txBody>
-          <a:bodyPr/>
-          <a:lstStyle/>
-          <a:p>
-            <a:r>
-              <a:rPr lang="zh-CN" altLang="en-US" dirty="0" smtClean="0"/>
-              <a:t>授课老师</a:t>
-            </a:r>
-            <a:endParaRPr lang="zh-CN" altLang="en-US" dirty="0"/>
-          </a:p>
-        </p:txBody>
-      </p:sp>
-      <p:sp>
-        <p:nvSpPr>
-          <p:cNvPr id="3" name="内容占位符 2"/>
-          <p:cNvSpPr>
-            <a:spLocks noGrp="1"/>
-          </p:cNvSpPr>
-          <p:nvPr>
-            <p:ph idx="1"/>
-          </p:nvPr>
-        </p:nvSpPr>
-        <p:spPr/>
-        <p:txBody>
-          <a:bodyPr/>
-          <a:lstStyle/>
-          <a:p>
-            <a:r>
-              <a:rPr lang="zh-CN" altLang="en-US" dirty="0" smtClean="0"/>
-              <a:t>代立云  </a:t>
-            </a:r>
-            <a:endParaRPr lang="en-US" altLang="zh-CN" dirty="0" smtClean="0"/>
-          </a:p>
-          <a:p>
-            <a:endParaRPr lang="en-US" altLang="zh-CN" dirty="0" smtClean="0"/>
-          </a:p>
-          <a:p>
-            <a:r>
-              <a:rPr lang="en-US" altLang="zh-CN" dirty="0" smtClean="0"/>
-              <a:t>Email: </a:t>
-            </a:r>
-            <a:r>
-              <a:rPr lang="en-US" altLang="zh-CN" dirty="0" smtClean="0">
-                <a:hlinkClick r:id="rId2"/>
-              </a:rPr>
-              <a:t>dailiyun@swu.edu.cn</a:t>
-            </a:r>
-            <a:endParaRPr lang="en-US" altLang="zh-CN" dirty="0" smtClean="0"/>
-          </a:p>
-          <a:p>
-            <a:endParaRPr lang="en-US" altLang="zh-CN" dirty="0" smtClean="0"/>
-          </a:p>
-          <a:p>
-            <a:r>
-              <a:rPr lang="en-US" altLang="zh-CN" dirty="0"/>
-              <a:t>Homepage: </a:t>
-            </a:r>
-            <a:r>
-              <a:rPr lang="en-US" altLang="zh-CN" dirty="0">
-                <a:hlinkClick r:id="rId3"/>
-              </a:rPr>
-              <a:t>http://www.swu-rise.net.cn/#/</a:t>
-            </a:r>
-            <a:r>
-              <a:rPr lang="en-US" altLang="zh-CN" dirty="0" smtClean="0">
-                <a:hlinkClick r:id="rId3"/>
-              </a:rPr>
-              <a:t>peopleInfo/teacher?id=25</a:t>
-            </a:r>
-            <a:endParaRPr lang="en-US" altLang="zh-CN" dirty="0" smtClean="0"/>
-          </a:p>
-          <a:p>
-            <a:endParaRPr lang="zh-CN" altLang="en-US" dirty="0"/>
-          </a:p>
-        </p:txBody>
-      </p:sp>
-    </p:spTree>
-    <p:extLst>
-      <p:ext uri="{BB962C8B-B14F-4D97-AF65-F5344CB8AC3E}">
-        <p14:creationId xmlns:p14="http://schemas.microsoft.com/office/powerpoint/2010/main" val="2896130960"/>
-      </p:ext>
-    </p:extLst>
-  </p:cSld>
-  <p:clrMapOvr>
-    <a:masterClrMapping/>
-  </p:clrMapOvr>
-</p:sld>
-</file>
-
-<file path=ppt/slides/slide20.xml><?xml version="1.0" encoding="utf-8"?>
+<file path=ppt/slides/slide21.xml><?xml version="1.0" encoding="utf-8"?>
 <p:sld xmlns:a="http://schemas.openxmlformats.org/drawingml/2006/main" xmlns:r="http://schemas.openxmlformats.org/officeDocument/2006/relationships" xmlns:p="http://schemas.openxmlformats.org/presentationml/2006/main">
   <p:cSld>
     <p:spTree>
@@ -16351,7 +16690,7 @@
 </p:sld>
 </file>
 
-<file path=ppt/slides/slide21.xml><?xml version="1.0" encoding="utf-8"?>
+<file path=ppt/slides/slide22.xml><?xml version="1.0" encoding="utf-8"?>
 <p:sld xmlns:a="http://schemas.openxmlformats.org/drawingml/2006/main" xmlns:r="http://schemas.openxmlformats.org/officeDocument/2006/relationships" xmlns:p="http://schemas.openxmlformats.org/presentationml/2006/main">
   <p:cSld>
     <p:spTree>
@@ -16680,7 +17019,7 @@
 </p:sld>
 </file>
 
-<file path=ppt/slides/slide22.xml><?xml version="1.0" encoding="utf-8"?>
+<file path=ppt/slides/slide23.xml><?xml version="1.0" encoding="utf-8"?>
 <p:sld xmlns:a="http://schemas.openxmlformats.org/drawingml/2006/main" xmlns:r="http://schemas.openxmlformats.org/officeDocument/2006/relationships" xmlns:p="http://schemas.openxmlformats.org/presentationml/2006/main">
   <p:cSld>
     <p:spTree>
@@ -17639,14 +17978,14 @@
           </a:ln>
           <a:extLst>
             <a:ext uri="{909E8E84-426E-40dd-AFC4-6F175D3DCCD1}">
-              <a14:hiddenFill xmlns:a14="http://schemas.microsoft.com/office/drawing/2010/main" xmlns="">
+              <a14:hiddenFill xmlns="" xmlns:a14="http://schemas.microsoft.com/office/drawing/2010/main">
                 <a:solidFill>
                   <a:srgbClr val="FFFFFF"/>
                 </a:solidFill>
               </a14:hiddenFill>
             </a:ext>
             <a:ext uri="{91240B29-F687-4f45-9708-019B960494DF}">
-              <a14:hiddenLine xmlns:a14="http://schemas.microsoft.com/office/drawing/2010/main" xmlns="" w="9525">
+              <a14:hiddenLine xmlns="" xmlns:a14="http://schemas.microsoft.com/office/drawing/2010/main" w="9525">
                 <a:solidFill>
                   <a:srgbClr val="000000"/>
                 </a:solidFill>
@@ -21934,14 +22273,14 @@
           </a:ln>
           <a:extLst>
             <a:ext uri="{909E8E84-426E-40dd-AFC4-6F175D3DCCD1}">
-              <a14:hiddenFill xmlns:a14="http://schemas.microsoft.com/office/drawing/2010/main" xmlns="">
+              <a14:hiddenFill xmlns="" xmlns:a14="http://schemas.microsoft.com/office/drawing/2010/main">
                 <a:solidFill>
                   <a:srgbClr val="FFFFFF"/>
                 </a:solidFill>
               </a14:hiddenFill>
             </a:ext>
             <a:ext uri="{91240B29-F687-4f45-9708-019B960494DF}">
-              <a14:hiddenLine xmlns:a14="http://schemas.microsoft.com/office/drawing/2010/main" xmlns="" w="9525">
+              <a14:hiddenLine xmlns="" xmlns:a14="http://schemas.microsoft.com/office/drawing/2010/main" w="9525">
                 <a:solidFill>
                   <a:srgbClr val="000000"/>
                 </a:solidFill>
@@ -22140,14 +22479,14 @@
           </a:ln>
           <a:extLst>
             <a:ext uri="{909E8E84-426E-40dd-AFC4-6F175D3DCCD1}">
-              <a14:hiddenFill xmlns:a14="http://schemas.microsoft.com/office/drawing/2010/main" xmlns="">
+              <a14:hiddenFill xmlns="" xmlns:a14="http://schemas.microsoft.com/office/drawing/2010/main">
                 <a:solidFill>
                   <a:srgbClr val="FFFFFF"/>
                 </a:solidFill>
               </a14:hiddenFill>
             </a:ext>
             <a:ext uri="{91240B29-F687-4f45-9708-019B960494DF}">
-              <a14:hiddenLine xmlns:a14="http://schemas.microsoft.com/office/drawing/2010/main" xmlns="" w="9525">
+              <a14:hiddenLine xmlns="" xmlns:a14="http://schemas.microsoft.com/office/drawing/2010/main" w="9525">
                 <a:solidFill>
                   <a:srgbClr val="000000"/>
                 </a:solidFill>
@@ -22377,14 +22716,14 @@
           </a:ln>
           <a:extLst>
             <a:ext uri="{909E8E84-426E-40dd-AFC4-6F175D3DCCD1}">
-              <a14:hiddenFill xmlns:a14="http://schemas.microsoft.com/office/drawing/2010/main" xmlns="">
+              <a14:hiddenFill xmlns="" xmlns:a14="http://schemas.microsoft.com/office/drawing/2010/main">
                 <a:solidFill>
                   <a:srgbClr val="FFFFFF"/>
                 </a:solidFill>
               </a14:hiddenFill>
             </a:ext>
             <a:ext uri="{91240B29-F687-4f45-9708-019B960494DF}">
-              <a14:hiddenLine xmlns:a14="http://schemas.microsoft.com/office/drawing/2010/main" xmlns="" w="9525">
+              <a14:hiddenLine xmlns="" xmlns:a14="http://schemas.microsoft.com/office/drawing/2010/main" w="9525">
                 <a:solidFill>
                   <a:srgbClr val="000000"/>
                 </a:solidFill>
@@ -22624,14 +22963,14 @@
           </a:ln>
           <a:extLst>
             <a:ext uri="{909E8E84-426E-40dd-AFC4-6F175D3DCCD1}">
-              <a14:hiddenFill xmlns:a14="http://schemas.microsoft.com/office/drawing/2010/main" xmlns="">
+              <a14:hiddenFill xmlns="" xmlns:a14="http://schemas.microsoft.com/office/drawing/2010/main">
                 <a:solidFill>
                   <a:srgbClr val="FFFFFF"/>
                 </a:solidFill>
               </a14:hiddenFill>
             </a:ext>
             <a:ext uri="{91240B29-F687-4f45-9708-019B960494DF}">
-              <a14:hiddenLine xmlns:a14="http://schemas.microsoft.com/office/drawing/2010/main" xmlns="" w="9525">
+              <a14:hiddenLine xmlns="" xmlns:a14="http://schemas.microsoft.com/office/drawing/2010/main" w="9525">
                 <a:solidFill>
                   <a:srgbClr val="000000"/>
                 </a:solidFill>
@@ -22893,14 +23232,14 @@
           </a:ln>
           <a:extLst>
             <a:ext uri="{909E8E84-426E-40dd-AFC4-6F175D3DCCD1}">
-              <a14:hiddenFill xmlns:a14="http://schemas.microsoft.com/office/drawing/2010/main" xmlns="">
+              <a14:hiddenFill xmlns="" xmlns:a14="http://schemas.microsoft.com/office/drawing/2010/main">
                 <a:solidFill>
                   <a:srgbClr val="FFFFFF"/>
                 </a:solidFill>
               </a14:hiddenFill>
             </a:ext>
             <a:ext uri="{91240B29-F687-4f45-9708-019B960494DF}">
-              <a14:hiddenLine xmlns:a14="http://schemas.microsoft.com/office/drawing/2010/main" xmlns="" w="9525">
+              <a14:hiddenLine xmlns="" xmlns:a14="http://schemas.microsoft.com/office/drawing/2010/main" w="9525">
                 <a:solidFill>
                   <a:srgbClr val="000000"/>
                 </a:solidFill>
@@ -23165,14 +23504,14 @@
           </a:ln>
           <a:extLst>
             <a:ext uri="{909E8E84-426E-40dd-AFC4-6F175D3DCCD1}">
-              <a14:hiddenFill xmlns:a14="http://schemas.microsoft.com/office/drawing/2010/main" xmlns="">
+              <a14:hiddenFill xmlns="" xmlns:a14="http://schemas.microsoft.com/office/drawing/2010/main">
                 <a:solidFill>
                   <a:srgbClr val="FFFFFF"/>
                 </a:solidFill>
               </a14:hiddenFill>
             </a:ext>
             <a:ext uri="{91240B29-F687-4f45-9708-019B960494DF}">
-              <a14:hiddenLine xmlns:a14="http://schemas.microsoft.com/office/drawing/2010/main" xmlns="" w="9525">
+              <a14:hiddenLine xmlns="" xmlns:a14="http://schemas.microsoft.com/office/drawing/2010/main" w="9525">
                 <a:solidFill>
                   <a:srgbClr val="000000"/>
                 </a:solidFill>
@@ -26089,159 +26428,51 @@
       </p:grpSpPr>
       <p:sp>
         <p:nvSpPr>
-          <p:cNvPr id="4" name="矩形 3"/>
+          <p:cNvPr id="2" name="标题 1"/>
           <p:cNvSpPr>
-            <a:spLocks noChangeArrowheads="1"/>
+            <a:spLocks noGrp="1"/>
           </p:cNvSpPr>
-          <p:nvPr/>
+          <p:nvPr>
+            <p:ph type="title"/>
+          </p:nvPr>
         </p:nvSpPr>
-        <p:spPr bwMode="auto">
-          <a:xfrm>
-            <a:off x="222683" y="534403"/>
-            <a:ext cx="7320980" cy="707886"/>
-          </a:xfrm>
-          <a:prstGeom prst="rect">
-            <a:avLst/>
-          </a:prstGeom>
-          <a:noFill/>
-          <a:ln w="9525">
-            <a:noFill/>
-            <a:miter lim="800000"/>
-            <a:headEnd/>
-            <a:tailEnd/>
-          </a:ln>
-        </p:spPr>
+        <p:spPr/>
         <p:txBody>
-          <a:bodyPr wrap="none">
-            <a:spAutoFit/>
-          </a:bodyPr>
+          <a:bodyPr/>
           <a:lstStyle/>
           <a:p>
-            <a:pPr algn="ctr"/>
-            <a:r>
-              <a:rPr lang="en-US" altLang="zh-CN" sz="4000" dirty="0" smtClean="0">
-                <a:solidFill>
-                  <a:schemeClr val="bg1"/>
-                </a:solidFill>
-                <a:latin typeface="Calibri" pitchFamily="34" charset="0"/>
-                <a:ea typeface="方正大黑简体" pitchFamily="2" charset="-122"/>
-              </a:rPr>
-              <a:t>1.1.2 Android 5.x</a:t>
-            </a:r>
-            <a:r>
-              <a:rPr lang="zh-CN" altLang="en-US" sz="4000" dirty="0" smtClean="0">
-                <a:solidFill>
-                  <a:schemeClr val="bg1"/>
-                </a:solidFill>
-                <a:latin typeface="Calibri" pitchFamily="34" charset="0"/>
-                <a:ea typeface="方正大黑简体" pitchFamily="2" charset="-122"/>
-              </a:rPr>
-              <a:t>平台架构及特性</a:t>
-            </a:r>
-            <a:endParaRPr lang="zh-CN" altLang="en-US" sz="4000" dirty="0">
-              <a:solidFill>
-                <a:schemeClr val="bg1"/>
-              </a:solidFill>
-              <a:latin typeface="Calibri" pitchFamily="34" charset="0"/>
-              <a:ea typeface="方正大黑简体" pitchFamily="2" charset="-122"/>
-            </a:endParaRPr>
+            <a:r>
+              <a:rPr lang="en-US" altLang="zh-CN" dirty="0" smtClean="0"/>
+              <a:t>2018</a:t>
+            </a:r>
+            <a:r>
+              <a:rPr lang="zh-CN" altLang="en-US" dirty="0" smtClean="0"/>
+              <a:t>年主要手机操作系统占有率</a:t>
+            </a:r>
+            <a:endParaRPr lang="zh-CN" altLang="en-US" dirty="0"/>
           </a:p>
         </p:txBody>
       </p:sp>
-      <p:cxnSp>
-        <p:nvCxnSpPr>
-          <p:cNvPr id="5" name="直接连接符 4"/>
-          <p:cNvCxnSpPr/>
-          <p:nvPr/>
-        </p:nvCxnSpPr>
-        <p:spPr>
-          <a:xfrm>
-            <a:off x="0" y="446088"/>
-            <a:ext cx="3321050" cy="0"/>
-          </a:xfrm>
-          <a:prstGeom prst="line">
-            <a:avLst/>
-          </a:prstGeom>
-          <a:ln>
-            <a:solidFill>
-              <a:schemeClr val="bg1"/>
-            </a:solidFill>
-          </a:ln>
-        </p:spPr>
-        <p:style>
-          <a:lnRef idx="1">
-            <a:schemeClr val="accent1"/>
-          </a:lnRef>
-          <a:fillRef idx="0">
-            <a:schemeClr val="accent1"/>
-          </a:fillRef>
-          <a:effectRef idx="0">
-            <a:schemeClr val="accent1"/>
-          </a:effectRef>
-          <a:fontRef idx="minor">
-            <a:schemeClr val="tx1"/>
-          </a:fontRef>
-        </p:style>
-      </p:cxnSp>
-      <p:cxnSp>
-        <p:nvCxnSpPr>
-          <p:cNvPr id="6" name="直接连接符 5"/>
-          <p:cNvCxnSpPr/>
-          <p:nvPr/>
-        </p:nvCxnSpPr>
-        <p:spPr>
-          <a:xfrm>
-            <a:off x="0" y="1271588"/>
-            <a:ext cx="11591925" cy="0"/>
-          </a:xfrm>
-          <a:prstGeom prst="line">
-            <a:avLst/>
-          </a:prstGeom>
-          <a:ln>
-            <a:solidFill>
-              <a:schemeClr val="bg1"/>
-            </a:solidFill>
-          </a:ln>
-        </p:spPr>
-        <p:style>
-          <a:lnRef idx="1">
-            <a:schemeClr val="accent1"/>
-          </a:lnRef>
-          <a:fillRef idx="0">
-            <a:schemeClr val="accent1"/>
-          </a:fillRef>
-          <a:effectRef idx="0">
-            <a:schemeClr val="accent1"/>
-          </a:effectRef>
-          <a:fontRef idx="minor">
-            <a:schemeClr val="tx1"/>
-          </a:fontRef>
-        </p:style>
-      </p:cxnSp>
       <p:pic>
         <p:nvPicPr>
-          <p:cNvPr id="7" name="图片 6"/>
+          <p:cNvPr id="4" name="内容占位符 3"/>
           <p:cNvPicPr>
-            <a:picLocks noChangeAspect="1"/>
+            <a:picLocks noGrp="1" noChangeAspect="1"/>
           </p:cNvPicPr>
-          <p:nvPr/>
+          <p:nvPr>
+            <p:ph idx="1"/>
+          </p:nvPr>
         </p:nvPicPr>
         <p:blipFill>
-          <a:blip r:embed="rId2">
-            <a:extLst>
-              <a:ext uri="{28A0092B-C50C-407E-A947-70E740481C1C}">
-                <a14:useLocalDpi xmlns:a14="http://schemas.microsoft.com/office/drawing/2010/main" val="0"/>
-              </a:ext>
-            </a:extLst>
-          </a:blip>
+          <a:blip r:embed="rId2"/>
           <a:stretch>
             <a:fillRect/>
           </a:stretch>
         </p:blipFill>
         <p:spPr>
           <a:xfrm>
-            <a:off x="222683" y="1799770"/>
-            <a:ext cx="5583031" cy="4513943"/>
+            <a:off x="1339741" y="1825625"/>
+            <a:ext cx="8374414" cy="4351338"/>
           </a:xfrm>
           <a:prstGeom prst="rect">
             <a:avLst/>
@@ -26250,161 +26481,52 @@
       </p:pic>
       <p:sp>
         <p:nvSpPr>
-          <p:cNvPr id="8" name="矩形 7"/>
-          <p:cNvSpPr/>
+          <p:cNvPr id="5" name="文本框 4"/>
+          <p:cNvSpPr txBox="1"/>
           <p:nvPr/>
         </p:nvSpPr>
         <p:spPr>
           <a:xfrm>
-            <a:off x="5795962" y="1770469"/>
-            <a:ext cx="6096000" cy="4543243"/>
+            <a:off x="4851749" y="6176963"/>
+            <a:ext cx="1244251" cy="523220"/>
           </a:xfrm>
           <a:prstGeom prst="rect">
             <a:avLst/>
           </a:prstGeom>
-          <a:solidFill>
-            <a:srgbClr val="FFFFFF">
-              <a:alpha val="40000"/>
-            </a:srgbClr>
-          </a:solidFill>
-          <a:ln>
-            <a:noFill/>
-          </a:ln>
+          <a:noFill/>
         </p:spPr>
-        <p:style>
-          <a:lnRef idx="2">
-            <a:schemeClr val="accent1">
-              <a:shade val="50000"/>
-            </a:schemeClr>
-          </a:lnRef>
-          <a:fillRef idx="1">
-            <a:schemeClr val="accent1"/>
-          </a:fillRef>
-          <a:effectRef idx="0">
-            <a:schemeClr val="accent1"/>
-          </a:effectRef>
-          <a:fontRef idx="minor">
-            <a:schemeClr val="lt1"/>
-          </a:fontRef>
-        </p:style>
         <p:txBody>
-          <a:bodyPr lIns="756000" rIns="756000" anchor="ctr"/>
+          <a:bodyPr wrap="none" rtlCol="0">
+            <a:spAutoFit/>
+          </a:bodyPr>
           <a:lstStyle/>
           <a:p>
-            <a:pPr fontAlgn="auto">
-              <a:spcBef>
-                <a:spcPts val="0"/>
-              </a:spcBef>
-              <a:spcAft>
-                <a:spcPts val="0"/>
-              </a:spcAft>
-              <a:defRPr/>
-            </a:pPr>
-            <a:r>
-              <a:rPr lang="en-US" altLang="zh-CN" dirty="0" smtClean="0"/>
-              <a:t>Android</a:t>
-            </a:r>
-            <a:r>
-              <a:rPr lang="zh-CN" altLang="en-US" dirty="0" smtClean="0"/>
-              <a:t>系统的底层建立在</a:t>
-            </a:r>
-            <a:r>
-              <a:rPr lang="en-US" altLang="zh-CN" dirty="0" smtClean="0"/>
-              <a:t>Linux</a:t>
-            </a:r>
-            <a:r>
-              <a:rPr lang="zh-CN" altLang="en-US" dirty="0" smtClean="0"/>
-              <a:t>系统之上，该平台由操作系统、中间件、用户界面和应用软件</a:t>
-            </a:r>
-            <a:r>
-              <a:rPr lang="en-US" altLang="zh-CN" dirty="0" smtClean="0"/>
-              <a:t>4</a:t>
-            </a:r>
-            <a:r>
-              <a:rPr lang="zh-CN" altLang="en-US" dirty="0" smtClean="0"/>
-              <a:t>层组成，它采用一种被称为软件叠层（</a:t>
-            </a:r>
-            <a:r>
-              <a:rPr lang="en-US" altLang="zh-CN" dirty="0" smtClean="0"/>
-              <a:t>Software Stack</a:t>
-            </a:r>
-            <a:r>
-              <a:rPr lang="zh-CN" altLang="en-US" dirty="0" smtClean="0"/>
-              <a:t>）的方式进行构建。</a:t>
-            </a:r>
-            <a:endParaRPr lang="en-US" altLang="zh-CN" dirty="0" smtClean="0"/>
-          </a:p>
-          <a:p>
-            <a:pPr fontAlgn="auto">
-              <a:spcBef>
-                <a:spcPts val="0"/>
-              </a:spcBef>
-              <a:spcAft>
-                <a:spcPts val="0"/>
-              </a:spcAft>
-              <a:defRPr/>
-            </a:pPr>
-            <a:endParaRPr lang="en-US" altLang="zh-CN" dirty="0"/>
-          </a:p>
-          <a:p>
-            <a:pPr fontAlgn="auto">
-              <a:spcBef>
-                <a:spcPts val="0"/>
-              </a:spcBef>
-              <a:spcAft>
-                <a:spcPts val="0"/>
-              </a:spcAft>
-              <a:defRPr/>
-            </a:pPr>
-            <a:endParaRPr lang="en-US" altLang="zh-CN" dirty="0" smtClean="0"/>
-          </a:p>
-          <a:p>
-            <a:pPr fontAlgn="auto">
-              <a:spcBef>
-                <a:spcPts val="0"/>
-              </a:spcBef>
-              <a:spcAft>
-                <a:spcPts val="0"/>
-              </a:spcAft>
-              <a:defRPr/>
-            </a:pPr>
-            <a:endParaRPr lang="en-US" altLang="zh-CN" dirty="0"/>
-          </a:p>
-          <a:p>
-            <a:pPr fontAlgn="auto">
-              <a:spcBef>
-                <a:spcPts val="0"/>
-              </a:spcBef>
-              <a:spcAft>
-                <a:spcPts val="0"/>
-              </a:spcAft>
-              <a:defRPr/>
-            </a:pPr>
-            <a:r>
-              <a:rPr lang="zh-CN" altLang="en-US" dirty="0" smtClean="0"/>
-              <a:t>这种软件叠层结构使得层与层之间相互分离，明确各层的分工。这种分工保证了层与层之间的低耦合，当下层的层内或层下发生改变时，上层应用程序无需任何修改。</a:t>
-            </a:r>
-            <a:endParaRPr lang="zh-CN" altLang="en-US" dirty="0"/>
+            <a:r>
+              <a:rPr lang="en-US" altLang="zh-CN" sz="2800" dirty="0">
+                <a:solidFill>
+                  <a:srgbClr val="FF0000"/>
+                </a:solidFill>
+              </a:rPr>
+              <a:t>Kantar</a:t>
+            </a:r>
+            <a:endParaRPr lang="zh-CN" altLang="en-US" sz="2800" dirty="0">
+              <a:solidFill>
+                <a:srgbClr val="FF0000"/>
+              </a:solidFill>
+            </a:endParaRPr>
           </a:p>
         </p:txBody>
       </p:sp>
     </p:spTree>
     <p:extLst>
       <p:ext uri="{BB962C8B-B14F-4D97-AF65-F5344CB8AC3E}">
-        <p14:creationId xmlns:p14="http://schemas.microsoft.com/office/powerpoint/2010/main" val="1147260544"/>
+        <p14:creationId xmlns:p14="http://schemas.microsoft.com/office/powerpoint/2010/main" val="2613430961"/>
       </p:ext>
     </p:extLst>
   </p:cSld>
   <p:clrMapOvr>
     <a:masterClrMapping/>
   </p:clrMapOvr>
-  <p:timing>
-    <p:tnLst>
-      <p:par>
-        <p:cTn id="1" dur="indefinite" restart="never" nodeType="tmRoot"/>
-      </p:par>
-    </p:tnLst>
-  </p:timing>
 </p:sld>
 </file>
 

--- a/ppt/第一章 Android应用和开发.pptx
+++ b/ppt/第一章 Android应用和开发.pptx
@@ -882,70 +882,6 @@
           <a:bodyPr/>
           <a:lstStyle/>
           <a:p>
-            <a:r>
-              <a:rPr lang="en-US" altLang="zh-CN" dirty="0" smtClean="0"/>
-              <a:t>Android</a:t>
-            </a:r>
-            <a:r>
-              <a:rPr lang="zh-CN" altLang="en-US" dirty="0" smtClean="0"/>
-              <a:t>核心库集提供了</a:t>
-            </a:r>
-            <a:r>
-              <a:rPr lang="en-US" altLang="zh-CN" dirty="0" smtClean="0"/>
-              <a:t>JAVA</a:t>
-            </a:r>
-            <a:r>
-              <a:rPr lang="zh-CN" altLang="en-US" dirty="0" smtClean="0"/>
-              <a:t>语言核心库所能使用的绝大部分功能，而虚拟机则负责运行</a:t>
-            </a:r>
-            <a:r>
-              <a:rPr lang="en-US" altLang="zh-CN" dirty="0" smtClean="0"/>
-              <a:t>Android</a:t>
-            </a:r>
-            <a:r>
-              <a:rPr lang="zh-CN" altLang="en-US" dirty="0" smtClean="0"/>
-              <a:t>应用程序。而</a:t>
-            </a:r>
-            <a:r>
-              <a:rPr lang="en-US" altLang="zh-CN" dirty="0" smtClean="0"/>
-              <a:t>ART</a:t>
-            </a:r>
-            <a:r>
-              <a:rPr lang="zh-CN" altLang="en-US" dirty="0" smtClean="0"/>
-              <a:t>模式则是在用户安装</a:t>
-            </a:r>
-            <a:r>
-              <a:rPr lang="en-US" altLang="zh-CN" dirty="0" smtClean="0"/>
-              <a:t>App</a:t>
-            </a:r>
-            <a:r>
-              <a:rPr lang="zh-CN" altLang="en-US" dirty="0" smtClean="0"/>
-              <a:t>时进行预编译（</a:t>
-            </a:r>
-            <a:r>
-              <a:rPr lang="en-US" altLang="zh-CN" dirty="0" smtClean="0"/>
-              <a:t>Ahead-of-time</a:t>
-            </a:r>
-            <a:r>
-              <a:rPr lang="zh-CN" altLang="en-US" dirty="0" smtClean="0"/>
-              <a:t>，简称</a:t>
-            </a:r>
-            <a:r>
-              <a:rPr lang="en-US" altLang="zh-CN" dirty="0" smtClean="0"/>
-              <a:t>AOT</a:t>
-            </a:r>
-            <a:r>
-              <a:rPr lang="zh-CN" altLang="en-US" dirty="0" smtClean="0"/>
-              <a:t>）的，将原本在程序中的编译动作提前到应用安装时，这样使得程序在运行时可以减少动态编译的开销，从而提升</a:t>
-            </a:r>
-            <a:r>
-              <a:rPr lang="en-US" altLang="zh-CN" dirty="0" smtClean="0"/>
-              <a:t>Android APP</a:t>
-            </a:r>
-            <a:r>
-              <a:rPr lang="zh-CN" altLang="en-US" dirty="0" smtClean="0"/>
-              <a:t>的运行效率。</a:t>
-            </a:r>
             <a:endParaRPr lang="zh-CN" altLang="en-US" dirty="0"/>
           </a:p>
         </p:txBody>
@@ -967,7 +903,7 @@
           <a:p>
             <a:fld id="{8118EB5E-8291-4918-89D9-10BDB096D9E8}" type="slidenum">
               <a:rPr lang="zh-CN" altLang="en-US" smtClean="0"/>
-              <a:t>11</a:t>
+              <a:t>10</a:t>
             </a:fld>
             <a:endParaRPr lang="zh-CN" altLang="en-US"/>
           </a:p>
@@ -976,7 +912,7 @@
     </p:spTree>
     <p:extLst>
       <p:ext uri="{BB962C8B-B14F-4D97-AF65-F5344CB8AC3E}">
-        <p14:creationId xmlns:p14="http://schemas.microsoft.com/office/powerpoint/2010/main" val="978349881"/>
+        <p14:creationId xmlns:p14="http://schemas.microsoft.com/office/powerpoint/2010/main" val="3815500918"/>
       </p:ext>
     </p:extLst>
   </p:cSld>
@@ -1030,6 +966,70 @@
           <a:bodyPr/>
           <a:lstStyle/>
           <a:p>
+            <a:r>
+              <a:rPr lang="en-US" altLang="zh-CN" dirty="0" smtClean="0"/>
+              <a:t>Android</a:t>
+            </a:r>
+            <a:r>
+              <a:rPr lang="zh-CN" altLang="en-US" dirty="0" smtClean="0"/>
+              <a:t>核心库集提供了</a:t>
+            </a:r>
+            <a:r>
+              <a:rPr lang="en-US" altLang="zh-CN" dirty="0" smtClean="0"/>
+              <a:t>JAVA</a:t>
+            </a:r>
+            <a:r>
+              <a:rPr lang="zh-CN" altLang="en-US" dirty="0" smtClean="0"/>
+              <a:t>语言核心库所能使用的绝大部分功能，而虚拟机则负责运行</a:t>
+            </a:r>
+            <a:r>
+              <a:rPr lang="en-US" altLang="zh-CN" dirty="0" smtClean="0"/>
+              <a:t>Android</a:t>
+            </a:r>
+            <a:r>
+              <a:rPr lang="zh-CN" altLang="en-US" dirty="0" smtClean="0"/>
+              <a:t>应用程序。而</a:t>
+            </a:r>
+            <a:r>
+              <a:rPr lang="en-US" altLang="zh-CN" dirty="0" smtClean="0"/>
+              <a:t>ART</a:t>
+            </a:r>
+            <a:r>
+              <a:rPr lang="zh-CN" altLang="en-US" dirty="0" smtClean="0"/>
+              <a:t>模式则是在用户安装</a:t>
+            </a:r>
+            <a:r>
+              <a:rPr lang="en-US" altLang="zh-CN" dirty="0" smtClean="0"/>
+              <a:t>App</a:t>
+            </a:r>
+            <a:r>
+              <a:rPr lang="zh-CN" altLang="en-US" dirty="0" smtClean="0"/>
+              <a:t>时进行预编译（</a:t>
+            </a:r>
+            <a:r>
+              <a:rPr lang="en-US" altLang="zh-CN" dirty="0" smtClean="0"/>
+              <a:t>Ahead-of-time</a:t>
+            </a:r>
+            <a:r>
+              <a:rPr lang="zh-CN" altLang="en-US" dirty="0" smtClean="0"/>
+              <a:t>，简称</a:t>
+            </a:r>
+            <a:r>
+              <a:rPr lang="en-US" altLang="zh-CN" dirty="0" smtClean="0"/>
+              <a:t>AOT</a:t>
+            </a:r>
+            <a:r>
+              <a:rPr lang="zh-CN" altLang="en-US" dirty="0" smtClean="0"/>
+              <a:t>）的，将原本在程序中的编译动作提前到应用安装时，这样使得程序在运行时可以减少动态编译的开销，从而提升</a:t>
+            </a:r>
+            <a:r>
+              <a:rPr lang="en-US" altLang="zh-CN" dirty="0" smtClean="0"/>
+              <a:t>Android APP</a:t>
+            </a:r>
+            <a:r>
+              <a:rPr lang="zh-CN" altLang="en-US" dirty="0" smtClean="0"/>
+              <a:t>的运行效率。</a:t>
+            </a:r>
             <a:endParaRPr lang="zh-CN" altLang="en-US" dirty="0"/>
           </a:p>
         </p:txBody>
@@ -1051,6 +1051,90 @@
           <a:p>
             <a:fld id="{8118EB5E-8291-4918-89D9-10BDB096D9E8}" type="slidenum">
               <a:rPr lang="zh-CN" altLang="en-US" smtClean="0"/>
+              <a:t>11</a:t>
+            </a:fld>
+            <a:endParaRPr lang="zh-CN" altLang="en-US"/>
+          </a:p>
+        </p:txBody>
+      </p:sp>
+    </p:spTree>
+    <p:extLst>
+      <p:ext uri="{BB962C8B-B14F-4D97-AF65-F5344CB8AC3E}">
+        <p14:creationId xmlns:p14="http://schemas.microsoft.com/office/powerpoint/2010/main" val="978349881"/>
+      </p:ext>
+    </p:extLst>
+  </p:cSld>
+  <p:clrMapOvr>
+    <a:masterClrMapping/>
+  </p:clrMapOvr>
+</p:notes>
+</file>
+
+<file path=ppt/notesSlides/notesSlide5.xml><?xml version="1.0" encoding="utf-8"?>
+<p:notes xmlns:a="http://schemas.openxmlformats.org/drawingml/2006/main" xmlns:r="http://schemas.openxmlformats.org/officeDocument/2006/relationships" xmlns:p="http://schemas.openxmlformats.org/presentationml/2006/main">
+  <p:cSld>
+    <p:spTree>
+      <p:nvGrpSpPr>
+        <p:cNvPr id="1" name=""/>
+        <p:cNvGrpSpPr/>
+        <p:nvPr/>
+      </p:nvGrpSpPr>
+      <p:grpSpPr>
+        <a:xfrm>
+          <a:off x="0" y="0"/>
+          <a:ext cx="0" cy="0"/>
+          <a:chOff x="0" y="0"/>
+          <a:chExt cx="0" cy="0"/>
+        </a:xfrm>
+      </p:grpSpPr>
+      <p:sp>
+        <p:nvSpPr>
+          <p:cNvPr id="2" name="幻灯片图像占位符 1"/>
+          <p:cNvSpPr>
+            <a:spLocks noGrp="1" noRot="1" noChangeAspect="1"/>
+          </p:cNvSpPr>
+          <p:nvPr>
+            <p:ph type="sldImg"/>
+          </p:nvPr>
+        </p:nvSpPr>
+        <p:spPr/>
+      </p:sp>
+      <p:sp>
+        <p:nvSpPr>
+          <p:cNvPr id="3" name="备注占位符 2"/>
+          <p:cNvSpPr>
+            <a:spLocks noGrp="1"/>
+          </p:cNvSpPr>
+          <p:nvPr>
+            <p:ph type="body" idx="1"/>
+          </p:nvPr>
+        </p:nvSpPr>
+        <p:spPr/>
+        <p:txBody>
+          <a:bodyPr/>
+          <a:lstStyle/>
+          <a:p>
+            <a:endParaRPr lang="zh-CN" altLang="en-US" dirty="0"/>
+          </a:p>
+        </p:txBody>
+      </p:sp>
+      <p:sp>
+        <p:nvSpPr>
+          <p:cNvPr id="4" name="灯片编号占位符 3"/>
+          <p:cNvSpPr>
+            <a:spLocks noGrp="1"/>
+          </p:cNvSpPr>
+          <p:nvPr>
+            <p:ph type="sldNum" sz="quarter" idx="10"/>
+          </p:nvPr>
+        </p:nvSpPr>
+        <p:spPr/>
+        <p:txBody>
+          <a:bodyPr/>
+          <a:lstStyle/>
+          <a:p>
+            <a:fld id="{8118EB5E-8291-4918-89D9-10BDB096D9E8}" type="slidenum">
+              <a:rPr lang="zh-CN" altLang="en-US" smtClean="0"/>
               <a:t>13</a:t>
             </a:fld>
             <a:endParaRPr lang="zh-CN" altLang="en-US"/>
@@ -1070,7 +1154,7 @@
 </p:notes>
 </file>
 
-<file path=ppt/notesSlides/notesSlide5.xml><?xml version="1.0" encoding="utf-8"?>
+<file path=ppt/notesSlides/notesSlide6.xml><?xml version="1.0" encoding="utf-8"?>
 <p:notes xmlns:a="http://schemas.openxmlformats.org/drawingml/2006/main" xmlns:r="http://schemas.openxmlformats.org/officeDocument/2006/relationships" xmlns:p="http://schemas.openxmlformats.org/presentationml/2006/main">
   <p:cSld>
     <p:spTree>
@@ -4618,13 +4702,11 @@
   <p:cSld>
     <p:bg>
       <p:bgPr>
-        <a:blipFill dpi="0" rotWithShape="0">
-          <a:blip r:embed="rId3"/>
-          <a:srcRect/>
-          <a:stretch>
-            <a:fillRect/>
-          </a:stretch>
-        </a:blipFill>
+        <a:solidFill>
+          <a:schemeClr val="accent5">
+            <a:lumMod val="50000"/>
+          </a:schemeClr>
+        </a:solidFill>
         <a:effectLst/>
       </p:bgPr>
     </p:bg>
@@ -4651,7 +4733,7 @@
         <p:spPr>
           <a:xfrm>
             <a:off x="4789488" y="4836109"/>
-            <a:ext cx="4000500" cy="695325"/>
+            <a:ext cx="4000500" cy="873865"/>
           </a:xfrm>
           <a:prstGeom prst="rect">
             <a:avLst/>
@@ -4694,7 +4776,7 @@
               </a:spcAft>
               <a:defRPr/>
             </a:pPr>
-            <a:endParaRPr lang="zh-CN" altLang="en-US"/>
+            <a:endParaRPr lang="zh-CN" altLang="en-US" sz="6600"/>
           </a:p>
         </p:txBody>
       </p:sp>
@@ -4786,8 +4868,8 @@
         </p:nvSpPr>
         <p:spPr bwMode="auto">
           <a:xfrm>
-            <a:off x="5081588" y="4983747"/>
-            <a:ext cx="1618853" cy="400110"/>
+            <a:off x="5054134" y="4983717"/>
+            <a:ext cx="3772186" cy="646331"/>
           </a:xfrm>
           <a:prstGeom prst="rect">
             <a:avLst/>
@@ -4807,16 +4889,46 @@
           <a:lstStyle/>
           <a:p>
             <a:r>
-              <a:rPr lang="zh-CN" altLang="en-US" sz="2000" dirty="0" smtClean="0">
+              <a:rPr lang="zh-CN" altLang="en-US" sz="3600" dirty="0" smtClean="0">
                 <a:solidFill>
                   <a:schemeClr val="bg1"/>
                 </a:solidFill>
                 <a:latin typeface="微软雅黑" pitchFamily="34" charset="-122"/>
                 <a:ea typeface="微软雅黑" pitchFamily="34" charset="-122"/>
               </a:rPr>
-              <a:t>教师：张  衡      </a:t>
-            </a:r>
-            <a:endParaRPr lang="zh-CN" altLang="en-US" sz="2000" dirty="0">
+              <a:t>教师</a:t>
+            </a:r>
+            <a:r>
+              <a:rPr lang="zh-CN" altLang="en-US" sz="3600" dirty="0" smtClean="0">
+                <a:solidFill>
+                  <a:schemeClr val="bg1"/>
+                </a:solidFill>
+                <a:latin typeface="微软雅黑" pitchFamily="34" charset="-122"/>
+                <a:ea typeface="微软雅黑" pitchFamily="34" charset="-122"/>
+              </a:rPr>
+              <a:t>：</a:t>
+            </a:r>
+            <a:r>
+              <a:rPr lang="zh-CN" altLang="en-US" sz="3600" dirty="0" smtClean="0">
+                <a:solidFill>
+                  <a:schemeClr val="bg1"/>
+                </a:solidFill>
+                <a:latin typeface="微软雅黑" pitchFamily="34" charset="-122"/>
+                <a:ea typeface="微软雅黑" pitchFamily="34" charset="-122"/>
+              </a:rPr>
+              <a:t>代立云</a:t>
+            </a:r>
+            <a:r>
+              <a:rPr lang="zh-CN" altLang="en-US" sz="3600" dirty="0" smtClean="0">
+                <a:solidFill>
+                  <a:schemeClr val="bg1"/>
+                </a:solidFill>
+                <a:latin typeface="微软雅黑" pitchFamily="34" charset="-122"/>
+                <a:ea typeface="微软雅黑" pitchFamily="34" charset="-122"/>
+              </a:rPr>
+              <a:t>      </a:t>
+            </a:r>
+            <a:endParaRPr lang="zh-CN" altLang="en-US" sz="3600" dirty="0">
               <a:solidFill>
                 <a:schemeClr val="bg1"/>
               </a:solidFill>
@@ -4923,8 +5035,8 @@
         </p:nvSpPr>
         <p:spPr>
           <a:xfrm>
-            <a:off x="4765675" y="4836109"/>
-            <a:ext cx="234950" cy="695325"/>
+            <a:off x="4806157" y="4836109"/>
+            <a:ext cx="194468" cy="873865"/>
           </a:xfrm>
           <a:prstGeom prst="rect">
             <a:avLst/>
@@ -5317,7 +5429,7 @@
           </a:ln>
           <a:extLst>
             <a:ext uri="{91240B29-F687-4f45-9708-019B960494DF}">
-              <a14:hiddenLine xmlns="" xmlns:a14="http://schemas.microsoft.com/office/drawing/2010/main" w="12700" cap="flat" cmpd="sng">
+              <a14:hiddenLine xmlns:a14="http://schemas.microsoft.com/office/drawing/2010/main" xmlns="" w="12700" cap="flat" cmpd="sng">
                 <a:solidFill>
                   <a:srgbClr val="42719B"/>
                 </a:solidFill>
@@ -5352,7 +5464,7 @@
           <p:nvPr/>
         </p:nvPicPr>
         <p:blipFill>
-          <a:blip r:embed="rId4">
+          <a:blip r:embed="rId3">
             <a:extLst>
               <a:ext uri="{28A0092B-C50C-407E-A947-70E740481C1C}">
                 <a14:useLocalDpi xmlns:a14="http://schemas.microsoft.com/office/drawing/2010/main" val="0"/>
@@ -5433,6 +5545,44 @@
           </a:p>
         </p:txBody>
       </p:sp>
+      <p:sp>
+        <p:nvSpPr>
+          <p:cNvPr id="3" name="标题 2"/>
+          <p:cNvSpPr>
+            <a:spLocks noGrp="1"/>
+          </p:cNvSpPr>
+          <p:nvPr>
+            <p:ph type="ctrTitle"/>
+          </p:nvPr>
+        </p:nvSpPr>
+        <p:spPr/>
+        <p:txBody>
+          <a:bodyPr/>
+          <a:lstStyle/>
+          <a:p>
+            <a:endParaRPr lang="zh-CN" altLang="en-US" dirty="0"/>
+          </a:p>
+        </p:txBody>
+      </p:sp>
+      <p:sp>
+        <p:nvSpPr>
+          <p:cNvPr id="4" name="副标题 3"/>
+          <p:cNvSpPr>
+            <a:spLocks noGrp="1"/>
+          </p:cNvSpPr>
+          <p:nvPr>
+            <p:ph type="subTitle" idx="1"/>
+          </p:nvPr>
+        </p:nvSpPr>
+        <p:spPr/>
+        <p:txBody>
+          <a:bodyPr/>
+          <a:lstStyle/>
+          <a:p>
+            <a:endParaRPr lang="zh-CN" altLang="en-US" dirty="0"/>
+          </a:p>
+        </p:txBody>
+      </p:sp>
     </p:spTree>
   </p:cSld>
   <p:clrMapOvr>
@@ -5451,6 +5601,16 @@
 <file path=ppt/slides/slide10.xml><?xml version="1.0" encoding="utf-8"?>
 <p:sld xmlns:a="http://schemas.openxmlformats.org/drawingml/2006/main" xmlns:r="http://schemas.openxmlformats.org/officeDocument/2006/relationships" xmlns:p="http://schemas.openxmlformats.org/presentationml/2006/main">
   <p:cSld>
+    <p:bg>
+      <p:bgPr>
+        <a:solidFill>
+          <a:schemeClr val="accent5">
+            <a:lumMod val="50000"/>
+          </a:schemeClr>
+        </a:solidFill>
+        <a:effectLst/>
+      </p:bgPr>
+    </p:bg>
     <p:spTree>
       <p:nvGrpSpPr>
         <p:cNvPr id="1" name=""/>
@@ -5605,7 +5765,7 @@
           <p:nvPr/>
         </p:nvPicPr>
         <p:blipFill>
-          <a:blip r:embed="rId2">
+          <a:blip r:embed="rId3">
             <a:extLst>
               <a:ext uri="{28A0092B-C50C-407E-A947-70E740481C1C}">
                 <a14:useLocalDpi xmlns:a14="http://schemas.microsoft.com/office/drawing/2010/main" val="0"/>
@@ -5766,6 +5926,44 @@
           </a:p>
         </p:txBody>
       </p:sp>
+      <p:sp>
+        <p:nvSpPr>
+          <p:cNvPr id="2" name="标题 1"/>
+          <p:cNvSpPr>
+            <a:spLocks noGrp="1"/>
+          </p:cNvSpPr>
+          <p:nvPr>
+            <p:ph type="title"/>
+          </p:nvPr>
+        </p:nvSpPr>
+        <p:spPr/>
+        <p:txBody>
+          <a:bodyPr/>
+          <a:lstStyle/>
+          <a:p>
+            <a:endParaRPr lang="zh-CN" altLang="en-US"/>
+          </a:p>
+        </p:txBody>
+      </p:sp>
+      <p:sp>
+        <p:nvSpPr>
+          <p:cNvPr id="3" name="内容占位符 2"/>
+          <p:cNvSpPr>
+            <a:spLocks noGrp="1"/>
+          </p:cNvSpPr>
+          <p:nvPr>
+            <p:ph idx="1"/>
+          </p:nvPr>
+        </p:nvSpPr>
+        <p:spPr/>
+        <p:txBody>
+          <a:bodyPr/>
+          <a:lstStyle/>
+          <a:p>
+            <a:endParaRPr lang="zh-CN" altLang="en-US"/>
+          </a:p>
+        </p:txBody>
+      </p:sp>
     </p:spTree>
     <p:extLst>
       <p:ext uri="{BB962C8B-B14F-4D97-AF65-F5344CB8AC3E}">
@@ -5789,6 +5987,16 @@
 <file path=ppt/slides/slide11.xml><?xml version="1.0" encoding="utf-8"?>
 <p:sld xmlns:a="http://schemas.openxmlformats.org/drawingml/2006/main" xmlns:r="http://schemas.openxmlformats.org/officeDocument/2006/relationships" xmlns:p="http://schemas.openxmlformats.org/presentationml/2006/main">
   <p:cSld>
+    <p:bg>
+      <p:bgPr>
+        <a:solidFill>
+          <a:schemeClr val="accent5">
+            <a:lumMod val="50000"/>
+          </a:schemeClr>
+        </a:solidFill>
+        <a:effectLst/>
+      </p:bgPr>
+    </p:bg>
     <p:spTree>
       <p:nvGrpSpPr>
         <p:cNvPr id="1" name=""/>
@@ -7369,6 +7577,44 @@
           </a:p>
         </p:txBody>
       </p:sp>
+      <p:sp>
+        <p:nvSpPr>
+          <p:cNvPr id="2" name="标题 1"/>
+          <p:cNvSpPr>
+            <a:spLocks noGrp="1"/>
+          </p:cNvSpPr>
+          <p:nvPr>
+            <p:ph type="title"/>
+          </p:nvPr>
+        </p:nvSpPr>
+        <p:spPr/>
+        <p:txBody>
+          <a:bodyPr/>
+          <a:lstStyle/>
+          <a:p>
+            <a:endParaRPr lang="zh-CN" altLang="en-US"/>
+          </a:p>
+        </p:txBody>
+      </p:sp>
+      <p:sp>
+        <p:nvSpPr>
+          <p:cNvPr id="3" name="内容占位符 2"/>
+          <p:cNvSpPr>
+            <a:spLocks noGrp="1"/>
+          </p:cNvSpPr>
+          <p:nvPr>
+            <p:ph idx="1"/>
+          </p:nvPr>
+        </p:nvSpPr>
+        <p:spPr/>
+        <p:txBody>
+          <a:bodyPr/>
+          <a:lstStyle/>
+          <a:p>
+            <a:endParaRPr lang="zh-CN" altLang="en-US"/>
+          </a:p>
+        </p:txBody>
+      </p:sp>
     </p:spTree>
     <p:extLst>
       <p:ext uri="{BB962C8B-B14F-4D97-AF65-F5344CB8AC3E}">
@@ -7392,6 +7638,16 @@
 <file path=ppt/slides/slide12.xml><?xml version="1.0" encoding="utf-8"?>
 <p:sld xmlns:a="http://schemas.openxmlformats.org/drawingml/2006/main" xmlns:r="http://schemas.openxmlformats.org/officeDocument/2006/relationships" xmlns:p="http://schemas.openxmlformats.org/presentationml/2006/main">
   <p:cSld>
+    <p:bg>
+      <p:bgPr>
+        <a:solidFill>
+          <a:schemeClr val="accent5">
+            <a:lumMod val="50000"/>
+          </a:schemeClr>
+        </a:solidFill>
+        <a:effectLst/>
+      </p:bgPr>
+    </p:bg>
     <p:spTree>
       <p:nvGrpSpPr>
         <p:cNvPr id="1" name=""/>
@@ -7698,6 +7954,44 @@
           </a:fontRef>
         </p:style>
       </p:cxnSp>
+      <p:sp>
+        <p:nvSpPr>
+          <p:cNvPr id="2" name="标题 1"/>
+          <p:cNvSpPr>
+            <a:spLocks noGrp="1"/>
+          </p:cNvSpPr>
+          <p:nvPr>
+            <p:ph type="title"/>
+          </p:nvPr>
+        </p:nvSpPr>
+        <p:spPr/>
+        <p:txBody>
+          <a:bodyPr/>
+          <a:lstStyle/>
+          <a:p>
+            <a:endParaRPr lang="zh-CN" altLang="en-US"/>
+          </a:p>
+        </p:txBody>
+      </p:sp>
+      <p:sp>
+        <p:nvSpPr>
+          <p:cNvPr id="3" name="内容占位符 2"/>
+          <p:cNvSpPr>
+            <a:spLocks noGrp="1"/>
+          </p:cNvSpPr>
+          <p:nvPr>
+            <p:ph idx="1"/>
+          </p:nvPr>
+        </p:nvSpPr>
+        <p:spPr/>
+        <p:txBody>
+          <a:bodyPr/>
+          <a:lstStyle/>
+          <a:p>
+            <a:endParaRPr lang="zh-CN" altLang="en-US"/>
+          </a:p>
+        </p:txBody>
+      </p:sp>
     </p:spTree>
     <p:extLst>
       <p:ext uri="{BB962C8B-B14F-4D97-AF65-F5344CB8AC3E}">
@@ -7721,6 +8015,16 @@
 <file path=ppt/slides/slide13.xml><?xml version="1.0" encoding="utf-8"?>
 <p:sld xmlns:a="http://schemas.openxmlformats.org/drawingml/2006/main" xmlns:r="http://schemas.openxmlformats.org/officeDocument/2006/relationships" xmlns:p="http://schemas.openxmlformats.org/presentationml/2006/main">
   <p:cSld>
+    <p:bg>
+      <p:bgPr>
+        <a:solidFill>
+          <a:schemeClr val="accent5">
+            <a:lumMod val="50000"/>
+          </a:schemeClr>
+        </a:solidFill>
+        <a:effectLst/>
+      </p:bgPr>
+    </p:bg>
     <p:spTree>
       <p:nvGrpSpPr>
         <p:cNvPr id="1" name=""/>
@@ -8730,14 +9034,14 @@
           </a:ln>
           <a:extLst>
             <a:ext uri="{909E8E84-426E-40dd-AFC4-6F175D3DCCD1}">
-              <a14:hiddenFill xmlns="" xmlns:a14="http://schemas.microsoft.com/office/drawing/2010/main">
+              <a14:hiddenFill xmlns:a14="http://schemas.microsoft.com/office/drawing/2010/main" xmlns="">
                 <a:solidFill>
                   <a:srgbClr val="FFFFFF"/>
                 </a:solidFill>
               </a14:hiddenFill>
             </a:ext>
             <a:ext uri="{91240B29-F687-4f45-9708-019B960494DF}">
-              <a14:hiddenLine xmlns="" xmlns:a14="http://schemas.microsoft.com/office/drawing/2010/main" w="9525">
+              <a14:hiddenLine xmlns:a14="http://schemas.microsoft.com/office/drawing/2010/main" xmlns="" w="9525">
                 <a:solidFill>
                   <a:srgbClr val="000000"/>
                 </a:solidFill>
@@ -8914,14 +9218,14 @@
           </a:ln>
           <a:extLst>
             <a:ext uri="{909E8E84-426E-40dd-AFC4-6F175D3DCCD1}">
-              <a14:hiddenFill xmlns="" xmlns:a14="http://schemas.microsoft.com/office/drawing/2010/main">
+              <a14:hiddenFill xmlns:a14="http://schemas.microsoft.com/office/drawing/2010/main" xmlns="">
                 <a:solidFill>
                   <a:srgbClr val="FFFFFF"/>
                 </a:solidFill>
               </a14:hiddenFill>
             </a:ext>
             <a:ext uri="{91240B29-F687-4f45-9708-019B960494DF}">
-              <a14:hiddenLine xmlns="" xmlns:a14="http://schemas.microsoft.com/office/drawing/2010/main" w="9525">
+              <a14:hiddenLine xmlns:a14="http://schemas.microsoft.com/office/drawing/2010/main" xmlns="" w="9525">
                 <a:solidFill>
                   <a:srgbClr val="000000"/>
                 </a:solidFill>
@@ -8968,14 +9272,14 @@
           </a:ln>
           <a:extLst>
             <a:ext uri="{909E8E84-426E-40dd-AFC4-6F175D3DCCD1}">
-              <a14:hiddenFill xmlns="" xmlns:a14="http://schemas.microsoft.com/office/drawing/2010/main">
+              <a14:hiddenFill xmlns:a14="http://schemas.microsoft.com/office/drawing/2010/main" xmlns="">
                 <a:solidFill>
                   <a:srgbClr val="FFFFFF"/>
                 </a:solidFill>
               </a14:hiddenFill>
             </a:ext>
             <a:ext uri="{91240B29-F687-4f45-9708-019B960494DF}">
-              <a14:hiddenLine xmlns="" xmlns:a14="http://schemas.microsoft.com/office/drawing/2010/main" w="9525">
+              <a14:hiddenLine xmlns:a14="http://schemas.microsoft.com/office/drawing/2010/main" xmlns="" w="9525">
                 <a:solidFill>
                   <a:srgbClr val="000000"/>
                 </a:solidFill>
@@ -9022,14 +9326,14 @@
           </a:ln>
           <a:extLst>
             <a:ext uri="{909E8E84-426E-40dd-AFC4-6F175D3DCCD1}">
-              <a14:hiddenFill xmlns="" xmlns:a14="http://schemas.microsoft.com/office/drawing/2010/main">
+              <a14:hiddenFill xmlns:a14="http://schemas.microsoft.com/office/drawing/2010/main" xmlns="">
                 <a:solidFill>
                   <a:srgbClr val="FFFFFF"/>
                 </a:solidFill>
               </a14:hiddenFill>
             </a:ext>
             <a:ext uri="{91240B29-F687-4f45-9708-019B960494DF}">
-              <a14:hiddenLine xmlns="" xmlns:a14="http://schemas.microsoft.com/office/drawing/2010/main" w="9525">
+              <a14:hiddenLine xmlns:a14="http://schemas.microsoft.com/office/drawing/2010/main" xmlns="" w="9525">
                 <a:solidFill>
                   <a:srgbClr val="000000"/>
                 </a:solidFill>
@@ -9041,6 +9345,44 @@
           </a:extLst>
         </p:spPr>
       </p:pic>
+      <p:sp>
+        <p:nvSpPr>
+          <p:cNvPr id="2" name="标题 1"/>
+          <p:cNvSpPr>
+            <a:spLocks noGrp="1"/>
+          </p:cNvSpPr>
+          <p:nvPr>
+            <p:ph type="title"/>
+          </p:nvPr>
+        </p:nvSpPr>
+        <p:spPr/>
+        <p:txBody>
+          <a:bodyPr/>
+          <a:lstStyle/>
+          <a:p>
+            <a:endParaRPr lang="zh-CN" altLang="en-US"/>
+          </a:p>
+        </p:txBody>
+      </p:sp>
+      <p:sp>
+        <p:nvSpPr>
+          <p:cNvPr id="4" name="内容占位符 3"/>
+          <p:cNvSpPr>
+            <a:spLocks noGrp="1"/>
+          </p:cNvSpPr>
+          <p:nvPr>
+            <p:ph idx="1"/>
+          </p:nvPr>
+        </p:nvSpPr>
+        <p:spPr/>
+        <p:txBody>
+          <a:bodyPr/>
+          <a:lstStyle/>
+          <a:p>
+            <a:endParaRPr lang="zh-CN" altLang="en-US"/>
+          </a:p>
+        </p:txBody>
+      </p:sp>
     </p:spTree>
     <p:extLst>
       <p:ext uri="{BB962C8B-B14F-4D97-AF65-F5344CB8AC3E}">
@@ -10608,6 +10950,16 @@
 <file path=ppt/slides/slide14.xml><?xml version="1.0" encoding="utf-8"?>
 <p:sld xmlns:a="http://schemas.openxmlformats.org/drawingml/2006/main" xmlns:r="http://schemas.openxmlformats.org/officeDocument/2006/relationships" xmlns:p="http://schemas.openxmlformats.org/presentationml/2006/main">
   <p:cSld>
+    <p:bg>
+      <p:bgPr>
+        <a:solidFill>
+          <a:schemeClr val="accent5">
+            <a:lumMod val="50000"/>
+          </a:schemeClr>
+        </a:solidFill>
+        <a:effectLst/>
+      </p:bgPr>
+    </p:bg>
     <p:spTree>
       <p:nvGrpSpPr>
         <p:cNvPr id="1" name=""/>
@@ -10904,6 +11256,44 @@
           </a:fontRef>
         </p:style>
       </p:cxnSp>
+      <p:sp>
+        <p:nvSpPr>
+          <p:cNvPr id="2" name="标题 1"/>
+          <p:cNvSpPr>
+            <a:spLocks noGrp="1"/>
+          </p:cNvSpPr>
+          <p:nvPr>
+            <p:ph type="title"/>
+          </p:nvPr>
+        </p:nvSpPr>
+        <p:spPr/>
+        <p:txBody>
+          <a:bodyPr/>
+          <a:lstStyle/>
+          <a:p>
+            <a:endParaRPr lang="zh-CN" altLang="en-US"/>
+          </a:p>
+        </p:txBody>
+      </p:sp>
+      <p:sp>
+        <p:nvSpPr>
+          <p:cNvPr id="3" name="内容占位符 2"/>
+          <p:cNvSpPr>
+            <a:spLocks noGrp="1"/>
+          </p:cNvSpPr>
+          <p:nvPr>
+            <p:ph idx="1"/>
+          </p:nvPr>
+        </p:nvSpPr>
+        <p:spPr/>
+        <p:txBody>
+          <a:bodyPr/>
+          <a:lstStyle/>
+          <a:p>
+            <a:endParaRPr lang="zh-CN" altLang="en-US"/>
+          </a:p>
+        </p:txBody>
+      </p:sp>
     </p:spTree>
     <p:extLst>
       <p:ext uri="{BB962C8B-B14F-4D97-AF65-F5344CB8AC3E}">
@@ -10927,6 +11317,16 @@
 <file path=ppt/slides/slide15.xml><?xml version="1.0" encoding="utf-8"?>
 <p:sld xmlns:a="http://schemas.openxmlformats.org/drawingml/2006/main" xmlns:r="http://schemas.openxmlformats.org/officeDocument/2006/relationships" xmlns:p="http://schemas.openxmlformats.org/presentationml/2006/main">
   <p:cSld>
+    <p:bg>
+      <p:bgPr>
+        <a:solidFill>
+          <a:schemeClr val="accent5">
+            <a:lumMod val="50000"/>
+          </a:schemeClr>
+        </a:solidFill>
+        <a:effectLst/>
+      </p:bgPr>
+    </p:bg>
     <p:spTree>
       <p:nvGrpSpPr>
         <p:cNvPr id="1" name=""/>
@@ -11878,6 +12278,44 @@
           </a:p>
         </p:txBody>
       </p:sp>
+      <p:sp>
+        <p:nvSpPr>
+          <p:cNvPr id="3" name="标题 2"/>
+          <p:cNvSpPr>
+            <a:spLocks noGrp="1"/>
+          </p:cNvSpPr>
+          <p:nvPr>
+            <p:ph type="title"/>
+          </p:nvPr>
+        </p:nvSpPr>
+        <p:spPr/>
+        <p:txBody>
+          <a:bodyPr/>
+          <a:lstStyle/>
+          <a:p>
+            <a:endParaRPr lang="zh-CN" altLang="en-US"/>
+          </a:p>
+        </p:txBody>
+      </p:sp>
+      <p:sp>
+        <p:nvSpPr>
+          <p:cNvPr id="7" name="内容占位符 6"/>
+          <p:cNvSpPr>
+            <a:spLocks noGrp="1"/>
+          </p:cNvSpPr>
+          <p:nvPr>
+            <p:ph idx="1"/>
+          </p:nvPr>
+        </p:nvSpPr>
+        <p:spPr/>
+        <p:txBody>
+          <a:bodyPr/>
+          <a:lstStyle/>
+          <a:p>
+            <a:endParaRPr lang="zh-CN" altLang="en-US"/>
+          </a:p>
+        </p:txBody>
+      </p:sp>
     </p:spTree>
     <p:extLst>
       <p:ext uri="{BB962C8B-B14F-4D97-AF65-F5344CB8AC3E}">
@@ -11901,6 +12339,16 @@
 <file path=ppt/slides/slide16.xml><?xml version="1.0" encoding="utf-8"?>
 <p:sld xmlns:a="http://schemas.openxmlformats.org/drawingml/2006/main" xmlns:r="http://schemas.openxmlformats.org/officeDocument/2006/relationships" xmlns:p="http://schemas.openxmlformats.org/presentationml/2006/main">
   <p:cSld>
+    <p:bg>
+      <p:bgPr>
+        <a:solidFill>
+          <a:schemeClr val="accent5">
+            <a:lumMod val="50000"/>
+          </a:schemeClr>
+        </a:solidFill>
+        <a:effectLst/>
+      </p:bgPr>
+    </p:bg>
     <p:spTree>
       <p:nvGrpSpPr>
         <p:cNvPr id="1" name=""/>
@@ -12207,6 +12655,44 @@
           </a:fontRef>
         </p:style>
       </p:cxnSp>
+      <p:sp>
+        <p:nvSpPr>
+          <p:cNvPr id="2" name="标题 1"/>
+          <p:cNvSpPr>
+            <a:spLocks noGrp="1"/>
+          </p:cNvSpPr>
+          <p:nvPr>
+            <p:ph type="title"/>
+          </p:nvPr>
+        </p:nvSpPr>
+        <p:spPr/>
+        <p:txBody>
+          <a:bodyPr/>
+          <a:lstStyle/>
+          <a:p>
+            <a:endParaRPr lang="zh-CN" altLang="en-US"/>
+          </a:p>
+        </p:txBody>
+      </p:sp>
+      <p:sp>
+        <p:nvSpPr>
+          <p:cNvPr id="3" name="内容占位符 2"/>
+          <p:cNvSpPr>
+            <a:spLocks noGrp="1"/>
+          </p:cNvSpPr>
+          <p:nvPr>
+            <p:ph idx="1"/>
+          </p:nvPr>
+        </p:nvSpPr>
+        <p:spPr/>
+        <p:txBody>
+          <a:bodyPr/>
+          <a:lstStyle/>
+          <a:p>
+            <a:endParaRPr lang="zh-CN" altLang="en-US"/>
+          </a:p>
+        </p:txBody>
+      </p:sp>
     </p:spTree>
     <p:extLst>
       <p:ext uri="{BB962C8B-B14F-4D97-AF65-F5344CB8AC3E}">
@@ -12230,6 +12716,16 @@
 <file path=ppt/slides/slide17.xml><?xml version="1.0" encoding="utf-8"?>
 <p:sld xmlns:a="http://schemas.openxmlformats.org/drawingml/2006/main" xmlns:r="http://schemas.openxmlformats.org/officeDocument/2006/relationships" xmlns:p="http://schemas.openxmlformats.org/presentationml/2006/main">
   <p:cSld>
+    <p:bg>
+      <p:bgPr>
+        <a:solidFill>
+          <a:schemeClr val="accent5">
+            <a:lumMod val="50000"/>
+          </a:schemeClr>
+        </a:solidFill>
+        <a:effectLst/>
+      </p:bgPr>
+    </p:bg>
     <p:spTree>
       <p:nvGrpSpPr>
         <p:cNvPr id="1" name=""/>
@@ -13226,6 +13722,44 @@
           </a:p>
         </p:txBody>
       </p:sp>
+      <p:sp>
+        <p:nvSpPr>
+          <p:cNvPr id="7" name="标题 6"/>
+          <p:cNvSpPr>
+            <a:spLocks noGrp="1"/>
+          </p:cNvSpPr>
+          <p:nvPr>
+            <p:ph type="title"/>
+          </p:nvPr>
+        </p:nvSpPr>
+        <p:spPr/>
+        <p:txBody>
+          <a:bodyPr/>
+          <a:lstStyle/>
+          <a:p>
+            <a:endParaRPr lang="zh-CN" altLang="en-US"/>
+          </a:p>
+        </p:txBody>
+      </p:sp>
+      <p:sp>
+        <p:nvSpPr>
+          <p:cNvPr id="8" name="内容占位符 7"/>
+          <p:cNvSpPr>
+            <a:spLocks noGrp="1"/>
+          </p:cNvSpPr>
+          <p:nvPr>
+            <p:ph idx="1"/>
+          </p:nvPr>
+        </p:nvSpPr>
+        <p:spPr/>
+        <p:txBody>
+          <a:bodyPr/>
+          <a:lstStyle/>
+          <a:p>
+            <a:endParaRPr lang="zh-CN" altLang="en-US"/>
+          </a:p>
+        </p:txBody>
+      </p:sp>
     </p:spTree>
     <p:extLst>
       <p:ext uri="{BB962C8B-B14F-4D97-AF65-F5344CB8AC3E}">
@@ -13249,6 +13783,16 @@
 <file path=ppt/slides/slide18.xml><?xml version="1.0" encoding="utf-8"?>
 <p:sld xmlns:a="http://schemas.openxmlformats.org/drawingml/2006/main" xmlns:r="http://schemas.openxmlformats.org/officeDocument/2006/relationships" xmlns:p="http://schemas.openxmlformats.org/presentationml/2006/main">
   <p:cSld>
+    <p:bg>
+      <p:bgPr>
+        <a:solidFill>
+          <a:schemeClr val="accent5">
+            <a:lumMod val="50000"/>
+          </a:schemeClr>
+        </a:solidFill>
+        <a:effectLst/>
+      </p:bgPr>
+    </p:bg>
     <p:spTree>
       <p:nvGrpSpPr>
         <p:cNvPr id="1" name=""/>
@@ -13986,6 +14530,44 @@
           </a:p>
         </p:txBody>
       </p:sp>
+      <p:sp>
+        <p:nvSpPr>
+          <p:cNvPr id="2" name="标题 1"/>
+          <p:cNvSpPr>
+            <a:spLocks noGrp="1"/>
+          </p:cNvSpPr>
+          <p:nvPr>
+            <p:ph type="title"/>
+          </p:nvPr>
+        </p:nvSpPr>
+        <p:spPr/>
+        <p:txBody>
+          <a:bodyPr/>
+          <a:lstStyle/>
+          <a:p>
+            <a:endParaRPr lang="zh-CN" altLang="en-US"/>
+          </a:p>
+        </p:txBody>
+      </p:sp>
+      <p:sp>
+        <p:nvSpPr>
+          <p:cNvPr id="3" name="内容占位符 2"/>
+          <p:cNvSpPr>
+            <a:spLocks noGrp="1"/>
+          </p:cNvSpPr>
+          <p:nvPr>
+            <p:ph idx="1"/>
+          </p:nvPr>
+        </p:nvSpPr>
+        <p:spPr/>
+        <p:txBody>
+          <a:bodyPr/>
+          <a:lstStyle/>
+          <a:p>
+            <a:endParaRPr lang="zh-CN" altLang="en-US"/>
+          </a:p>
+        </p:txBody>
+      </p:sp>
     </p:spTree>
     <p:extLst>
       <p:ext uri="{BB962C8B-B14F-4D97-AF65-F5344CB8AC3E}">
@@ -14009,6 +14591,16 @@
 <file path=ppt/slides/slide19.xml><?xml version="1.0" encoding="utf-8"?>
 <p:sld xmlns:a="http://schemas.openxmlformats.org/drawingml/2006/main" xmlns:r="http://schemas.openxmlformats.org/officeDocument/2006/relationships" xmlns:p="http://schemas.openxmlformats.org/presentationml/2006/main">
   <p:cSld>
+    <p:bg>
+      <p:bgPr>
+        <a:solidFill>
+          <a:schemeClr val="accent5">
+            <a:lumMod val="50000"/>
+          </a:schemeClr>
+        </a:solidFill>
+        <a:effectLst/>
+      </p:bgPr>
+    </p:bg>
     <p:spTree>
       <p:nvGrpSpPr>
         <p:cNvPr id="1" name=""/>
@@ -14670,6 +15262,44 @@
           </a:p>
         </p:txBody>
       </p:sp>
+      <p:sp>
+        <p:nvSpPr>
+          <p:cNvPr id="7" name="标题 6"/>
+          <p:cNvSpPr>
+            <a:spLocks noGrp="1"/>
+          </p:cNvSpPr>
+          <p:nvPr>
+            <p:ph type="title"/>
+          </p:nvPr>
+        </p:nvSpPr>
+        <p:spPr/>
+        <p:txBody>
+          <a:bodyPr/>
+          <a:lstStyle/>
+          <a:p>
+            <a:endParaRPr lang="zh-CN" altLang="en-US"/>
+          </a:p>
+        </p:txBody>
+      </p:sp>
+      <p:sp>
+        <p:nvSpPr>
+          <p:cNvPr id="8" name="内容占位符 7"/>
+          <p:cNvSpPr>
+            <a:spLocks noGrp="1"/>
+          </p:cNvSpPr>
+          <p:nvPr>
+            <p:ph idx="1"/>
+          </p:nvPr>
+        </p:nvSpPr>
+        <p:spPr/>
+        <p:txBody>
+          <a:bodyPr/>
+          <a:lstStyle/>
+          <a:p>
+            <a:endParaRPr lang="zh-CN" altLang="en-US"/>
+          </a:p>
+        </p:txBody>
+      </p:sp>
     </p:spTree>
     <p:extLst>
       <p:ext uri="{BB962C8B-B14F-4D97-AF65-F5344CB8AC3E}">
@@ -14693,6 +15323,16 @@
 <file path=ppt/slides/slide2.xml><?xml version="1.0" encoding="utf-8"?>
 <p:sld xmlns:a="http://schemas.openxmlformats.org/drawingml/2006/main" xmlns:r="http://schemas.openxmlformats.org/officeDocument/2006/relationships" xmlns:p="http://schemas.openxmlformats.org/presentationml/2006/main">
   <p:cSld>
+    <p:bg>
+      <p:bgPr>
+        <a:solidFill>
+          <a:schemeClr val="accent5">
+            <a:lumMod val="50000"/>
+          </a:schemeClr>
+        </a:solidFill>
+        <a:effectLst/>
+      </p:bgPr>
+    </p:bg>
     <p:spTree>
       <p:nvGrpSpPr>
         <p:cNvPr id="1" name=""/>
@@ -14723,10 +15363,18 @@
           <a:lstStyle/>
           <a:p>
             <a:r>
-              <a:rPr lang="zh-CN" altLang="en-US" dirty="0" smtClean="0"/>
+              <a:rPr lang="zh-CN" altLang="en-US" dirty="0" smtClean="0">
+                <a:solidFill>
+                  <a:schemeClr val="bg1"/>
+                </a:solidFill>
+              </a:rPr>
               <a:t>授课老师</a:t>
             </a:r>
-            <a:endParaRPr lang="zh-CN" altLang="en-US" dirty="0"/>
+            <a:endParaRPr lang="zh-CN" altLang="en-US" dirty="0">
+              <a:solidFill>
+                <a:schemeClr val="bg1"/>
+              </a:solidFill>
+            </a:endParaRPr>
           </a:p>
         </p:txBody>
       </p:sp>
@@ -14746,51 +15394,87 @@
           <a:lstStyle/>
           <a:p>
             <a:r>
-              <a:rPr lang="zh-CN" altLang="en-US" dirty="0" smtClean="0"/>
+              <a:rPr lang="zh-CN" altLang="en-US" dirty="0" smtClean="0">
+                <a:solidFill>
+                  <a:schemeClr val="bg1"/>
+                </a:solidFill>
+              </a:rPr>
               <a:t>代立云  </a:t>
             </a:r>
-            <a:endParaRPr lang="en-US" altLang="zh-CN" dirty="0" smtClean="0"/>
-          </a:p>
-          <a:p>
-            <a:endParaRPr lang="en-US" altLang="zh-CN" dirty="0" smtClean="0"/>
-          </a:p>
-          <a:p>
-            <a:r>
-              <a:rPr lang="en-US" altLang="zh-CN" dirty="0" smtClean="0"/>
-              <a:t>Email: </a:t>
-            </a:r>
+            <a:endParaRPr lang="en-US" altLang="zh-CN" dirty="0" smtClean="0">
+              <a:solidFill>
+                <a:schemeClr val="bg1"/>
+              </a:solidFill>
+            </a:endParaRPr>
+          </a:p>
+          <a:p>
+            <a:endParaRPr lang="en-US" altLang="zh-CN" dirty="0">
+              <a:solidFill>
+                <a:schemeClr val="bg1"/>
+              </a:solidFill>
+            </a:endParaRPr>
+          </a:p>
+          <a:p>
             <a:r>
               <a:rPr lang="en-US" altLang="zh-CN" dirty="0" smtClean="0">
+                <a:solidFill>
+                  <a:schemeClr val="bg1"/>
+                </a:solidFill>
+              </a:rPr>
+              <a:t>Email:  </a:t>
+            </a:r>
+            <a:r>
+              <a:rPr lang="en-US" altLang="zh-CN" u="sng" dirty="0" smtClean="0">
+                <a:solidFill>
+                  <a:srgbClr val="FF0000"/>
+                </a:solidFill>
                 <a:hlinkClick r:id="rId2"/>
               </a:rPr>
               <a:t>dailiyun@swu.edu.cn</a:t>
             </a:r>
-            <a:endParaRPr lang="en-US" altLang="zh-CN" dirty="0" smtClean="0"/>
-          </a:p>
-          <a:p>
-            <a:endParaRPr lang="en-US" altLang="zh-CN" dirty="0" smtClean="0"/>
-          </a:p>
-          <a:p>
-            <a:r>
-              <a:rPr lang="en-US" altLang="zh-CN" dirty="0"/>
+            <a:endParaRPr lang="en-US" altLang="zh-CN" u="sng" dirty="0">
+              <a:solidFill>
+                <a:srgbClr val="FF0000"/>
+              </a:solidFill>
+            </a:endParaRPr>
+          </a:p>
+          <a:p>
+            <a:endParaRPr lang="en-US" altLang="zh-CN" dirty="0" smtClean="0">
+              <a:solidFill>
+                <a:schemeClr val="bg1"/>
+              </a:solidFill>
+            </a:endParaRPr>
+          </a:p>
+          <a:p>
+            <a:r>
+              <a:rPr lang="en-US" altLang="zh-CN" dirty="0" smtClean="0">
+                <a:solidFill>
+                  <a:schemeClr val="bg1"/>
+                </a:solidFill>
+              </a:rPr>
               <a:t>Homepage: </a:t>
             </a:r>
             <a:r>
               <a:rPr lang="en-US" altLang="zh-CN" dirty="0">
+                <a:solidFill>
+                  <a:schemeClr val="bg1"/>
+                </a:solidFill>
                 <a:hlinkClick r:id="rId3"/>
               </a:rPr>
-              <a:t>http://www.swu-rise.net.cn/#/</a:t>
-            </a:r>
-            <a:r>
-              <a:rPr lang="en-US" altLang="zh-CN" dirty="0" smtClean="0">
-                <a:hlinkClick r:id="rId3"/>
-              </a:rPr>
-              <a:t>peopleInfo/teacher?id=25</a:t>
-            </a:r>
-            <a:endParaRPr lang="en-US" altLang="zh-CN" dirty="0" smtClean="0"/>
-          </a:p>
-          <a:p>
-            <a:endParaRPr lang="zh-CN" altLang="en-US" dirty="0"/>
+              <a:t>http://www.swu-rise.net.cn/#/peopleInfo/teacher?id=25</a:t>
+            </a:r>
+            <a:endParaRPr lang="en-US" altLang="zh-CN" dirty="0">
+              <a:solidFill>
+                <a:schemeClr val="bg1"/>
+              </a:solidFill>
+            </a:endParaRPr>
+          </a:p>
+          <a:p>
+            <a:endParaRPr lang="zh-CN" altLang="en-US" dirty="0">
+              <a:solidFill>
+                <a:schemeClr val="bg1"/>
+              </a:solidFill>
+            </a:endParaRPr>
           </a:p>
         </p:txBody>
       </p:sp>
@@ -14810,6 +15494,16 @@
 <file path=ppt/slides/slide20.xml><?xml version="1.0" encoding="utf-8"?>
 <p:sld xmlns:a="http://schemas.openxmlformats.org/drawingml/2006/main" xmlns:r="http://schemas.openxmlformats.org/officeDocument/2006/relationships" xmlns:p="http://schemas.openxmlformats.org/presentationml/2006/main">
   <p:cSld>
+    <p:bg>
+      <p:bgPr>
+        <a:solidFill>
+          <a:schemeClr val="accent5">
+            <a:lumMod val="50000"/>
+          </a:schemeClr>
+        </a:solidFill>
+        <a:effectLst/>
+      </p:bgPr>
+    </p:bg>
     <p:spTree>
       <p:nvGrpSpPr>
         <p:cNvPr id="1" name=""/>
@@ -15106,6 +15800,44 @@
           </a:fontRef>
         </p:style>
       </p:cxnSp>
+      <p:sp>
+        <p:nvSpPr>
+          <p:cNvPr id="2" name="标题 1"/>
+          <p:cNvSpPr>
+            <a:spLocks noGrp="1"/>
+          </p:cNvSpPr>
+          <p:nvPr>
+            <p:ph type="title"/>
+          </p:nvPr>
+        </p:nvSpPr>
+        <p:spPr/>
+        <p:txBody>
+          <a:bodyPr/>
+          <a:lstStyle/>
+          <a:p>
+            <a:endParaRPr lang="zh-CN" altLang="en-US"/>
+          </a:p>
+        </p:txBody>
+      </p:sp>
+      <p:sp>
+        <p:nvSpPr>
+          <p:cNvPr id="3" name="内容占位符 2"/>
+          <p:cNvSpPr>
+            <a:spLocks noGrp="1"/>
+          </p:cNvSpPr>
+          <p:nvPr>
+            <p:ph idx="1"/>
+          </p:nvPr>
+        </p:nvSpPr>
+        <p:spPr/>
+        <p:txBody>
+          <a:bodyPr/>
+          <a:lstStyle/>
+          <a:p>
+            <a:endParaRPr lang="zh-CN" altLang="en-US"/>
+          </a:p>
+        </p:txBody>
+      </p:sp>
     </p:spTree>
     <p:extLst>
       <p:ext uri="{BB962C8B-B14F-4D97-AF65-F5344CB8AC3E}">
@@ -15129,6 +15861,16 @@
 <file path=ppt/slides/slide21.xml><?xml version="1.0" encoding="utf-8"?>
 <p:sld xmlns:a="http://schemas.openxmlformats.org/drawingml/2006/main" xmlns:r="http://schemas.openxmlformats.org/officeDocument/2006/relationships" xmlns:p="http://schemas.openxmlformats.org/presentationml/2006/main">
   <p:cSld>
+    <p:bg>
+      <p:bgPr>
+        <a:solidFill>
+          <a:schemeClr val="accent5">
+            <a:lumMod val="50000"/>
+          </a:schemeClr>
+        </a:solidFill>
+        <a:effectLst/>
+      </p:bgPr>
+    </p:bg>
     <p:spTree>
       <p:nvGrpSpPr>
         <p:cNvPr id="1" name=""/>
@@ -16670,6 +17412,44 @@
           </p:txBody>
         </p:sp>
       </p:grpSp>
+      <p:sp>
+        <p:nvSpPr>
+          <p:cNvPr id="3" name="标题 2"/>
+          <p:cNvSpPr>
+            <a:spLocks noGrp="1"/>
+          </p:cNvSpPr>
+          <p:nvPr>
+            <p:ph type="title"/>
+          </p:nvPr>
+        </p:nvSpPr>
+        <p:spPr/>
+        <p:txBody>
+          <a:bodyPr/>
+          <a:lstStyle/>
+          <a:p>
+            <a:endParaRPr lang="zh-CN" altLang="en-US"/>
+          </a:p>
+        </p:txBody>
+      </p:sp>
+      <p:sp>
+        <p:nvSpPr>
+          <p:cNvPr id="4" name="内容占位符 3"/>
+          <p:cNvSpPr>
+            <a:spLocks noGrp="1"/>
+          </p:cNvSpPr>
+          <p:nvPr>
+            <p:ph idx="1"/>
+          </p:nvPr>
+        </p:nvSpPr>
+        <p:spPr/>
+        <p:txBody>
+          <a:bodyPr/>
+          <a:lstStyle/>
+          <a:p>
+            <a:endParaRPr lang="zh-CN" altLang="en-US"/>
+          </a:p>
+        </p:txBody>
+      </p:sp>
     </p:spTree>
     <p:extLst>
       <p:ext uri="{BB962C8B-B14F-4D97-AF65-F5344CB8AC3E}">
@@ -16693,6 +17473,16 @@
 <file path=ppt/slides/slide22.xml><?xml version="1.0" encoding="utf-8"?>
 <p:sld xmlns:a="http://schemas.openxmlformats.org/drawingml/2006/main" xmlns:r="http://schemas.openxmlformats.org/officeDocument/2006/relationships" xmlns:p="http://schemas.openxmlformats.org/presentationml/2006/main">
   <p:cSld>
+    <p:bg>
+      <p:bgPr>
+        <a:solidFill>
+          <a:schemeClr val="accent5">
+            <a:lumMod val="50000"/>
+          </a:schemeClr>
+        </a:solidFill>
+        <a:effectLst/>
+      </p:bgPr>
+    </p:bg>
     <p:spTree>
       <p:nvGrpSpPr>
         <p:cNvPr id="1" name=""/>
@@ -16999,6 +17789,44 @@
           </a:fontRef>
         </p:style>
       </p:cxnSp>
+      <p:sp>
+        <p:nvSpPr>
+          <p:cNvPr id="2" name="标题 1"/>
+          <p:cNvSpPr>
+            <a:spLocks noGrp="1"/>
+          </p:cNvSpPr>
+          <p:nvPr>
+            <p:ph type="title"/>
+          </p:nvPr>
+        </p:nvSpPr>
+        <p:spPr/>
+        <p:txBody>
+          <a:bodyPr/>
+          <a:lstStyle/>
+          <a:p>
+            <a:endParaRPr lang="zh-CN" altLang="en-US"/>
+          </a:p>
+        </p:txBody>
+      </p:sp>
+      <p:sp>
+        <p:nvSpPr>
+          <p:cNvPr id="3" name="内容占位符 2"/>
+          <p:cNvSpPr>
+            <a:spLocks noGrp="1"/>
+          </p:cNvSpPr>
+          <p:nvPr>
+            <p:ph idx="1"/>
+          </p:nvPr>
+        </p:nvSpPr>
+        <p:spPr/>
+        <p:txBody>
+          <a:bodyPr/>
+          <a:lstStyle/>
+          <a:p>
+            <a:endParaRPr lang="zh-CN" altLang="en-US"/>
+          </a:p>
+        </p:txBody>
+      </p:sp>
     </p:spTree>
     <p:extLst>
       <p:ext uri="{BB962C8B-B14F-4D97-AF65-F5344CB8AC3E}">
@@ -17022,6 +17850,16 @@
 <file path=ppt/slides/slide23.xml><?xml version="1.0" encoding="utf-8"?>
 <p:sld xmlns:a="http://schemas.openxmlformats.org/drawingml/2006/main" xmlns:r="http://schemas.openxmlformats.org/officeDocument/2006/relationships" xmlns:p="http://schemas.openxmlformats.org/presentationml/2006/main">
   <p:cSld>
+    <p:bg>
+      <p:bgPr>
+        <a:solidFill>
+          <a:schemeClr val="accent5">
+            <a:lumMod val="50000"/>
+          </a:schemeClr>
+        </a:solidFill>
+        <a:effectLst/>
+      </p:bgPr>
+    </p:bg>
     <p:spTree>
       <p:nvGrpSpPr>
         <p:cNvPr id="1" name=""/>
@@ -17704,6 +18542,44 @@
           </a:p>
         </p:txBody>
       </p:sp>
+      <p:sp>
+        <p:nvSpPr>
+          <p:cNvPr id="3" name="标题 2"/>
+          <p:cNvSpPr>
+            <a:spLocks noGrp="1"/>
+          </p:cNvSpPr>
+          <p:nvPr>
+            <p:ph type="title"/>
+          </p:nvPr>
+        </p:nvSpPr>
+        <p:spPr/>
+        <p:txBody>
+          <a:bodyPr/>
+          <a:lstStyle/>
+          <a:p>
+            <a:endParaRPr lang="zh-CN" altLang="en-US" dirty="0"/>
+          </a:p>
+        </p:txBody>
+      </p:sp>
+      <p:sp>
+        <p:nvSpPr>
+          <p:cNvPr id="4" name="内容占位符 3"/>
+          <p:cNvSpPr>
+            <a:spLocks noGrp="1"/>
+          </p:cNvSpPr>
+          <p:nvPr>
+            <p:ph idx="1"/>
+          </p:nvPr>
+        </p:nvSpPr>
+        <p:spPr/>
+        <p:txBody>
+          <a:bodyPr/>
+          <a:lstStyle/>
+          <a:p>
+            <a:endParaRPr lang="zh-CN" altLang="en-US" dirty="0"/>
+          </a:p>
+        </p:txBody>
+      </p:sp>
     </p:spTree>
     <p:extLst>
       <p:ext uri="{BB962C8B-B14F-4D97-AF65-F5344CB8AC3E}">
@@ -17727,6 +18603,16 @@
 <file path=ppt/slides/slide3.xml><?xml version="1.0" encoding="utf-8"?>
 <p:sld xmlns:a="http://schemas.openxmlformats.org/drawingml/2006/main" xmlns:r="http://schemas.openxmlformats.org/officeDocument/2006/relationships" xmlns:p="http://schemas.openxmlformats.org/presentationml/2006/main">
   <p:cSld>
+    <p:bg>
+      <p:bgPr>
+        <a:solidFill>
+          <a:schemeClr val="accent5">
+            <a:lumMod val="50000"/>
+          </a:schemeClr>
+        </a:solidFill>
+        <a:effectLst/>
+      </p:bgPr>
+    </p:bg>
     <p:spTree>
       <p:nvGrpSpPr>
         <p:cNvPr id="1" name=""/>
@@ -17757,10 +18643,18 @@
           <a:lstStyle/>
           <a:p>
             <a:r>
-              <a:rPr lang="zh-CN" altLang="en-US" dirty="0" smtClean="0"/>
+              <a:rPr lang="zh-CN" altLang="en-US" dirty="0" smtClean="0">
+                <a:solidFill>
+                  <a:schemeClr val="bg1"/>
+                </a:solidFill>
+              </a:rPr>
               <a:t>课程主页</a:t>
             </a:r>
-            <a:endParaRPr lang="zh-CN" altLang="en-US" dirty="0"/>
+            <a:endParaRPr lang="zh-CN" altLang="en-US" dirty="0">
+              <a:solidFill>
+                <a:schemeClr val="bg1"/>
+              </a:solidFill>
+            </a:endParaRPr>
           </a:p>
         </p:txBody>
       </p:sp>
@@ -17780,10 +18674,18 @@
           <a:lstStyle/>
           <a:p>
             <a:r>
-              <a:rPr lang="en-US" altLang="zh-CN" dirty="0"/>
+              <a:rPr lang="en-US" altLang="zh-CN" dirty="0" smtClean="0">
+                <a:solidFill>
+                  <a:schemeClr val="bg1"/>
+                </a:solidFill>
+              </a:rPr>
               <a:t>https://github.com/djuanbei/18Android</a:t>
             </a:r>
-            <a:endParaRPr lang="zh-CN" altLang="en-US" dirty="0"/>
+            <a:endParaRPr lang="zh-CN" altLang="en-US" dirty="0">
+              <a:solidFill>
+                <a:schemeClr val="bg1"/>
+              </a:solidFill>
+            </a:endParaRPr>
           </a:p>
         </p:txBody>
       </p:sp>
@@ -17803,6 +18705,16 @@
 <file path=ppt/slides/slide4.xml><?xml version="1.0" encoding="utf-8"?>
 <p:sld xmlns:a="http://schemas.openxmlformats.org/drawingml/2006/main" xmlns:r="http://schemas.openxmlformats.org/officeDocument/2006/relationships" xmlns:p="http://schemas.openxmlformats.org/presentationml/2006/main">
   <p:cSld>
+    <p:bg>
+      <p:bgPr>
+        <a:solidFill>
+          <a:schemeClr val="accent5">
+            <a:lumMod val="50000"/>
+          </a:schemeClr>
+        </a:solidFill>
+        <a:effectLst/>
+      </p:bgPr>
+    </p:bg>
     <p:spTree>
       <p:nvGrpSpPr>
         <p:cNvPr id="1" name=""/>
@@ -17833,14 +18745,18 @@
           <a:lstStyle/>
           <a:p>
             <a:r>
-              <a:rPr lang="zh-CN" altLang="zh-CN" b="1" dirty="0"/>
-              <a:t>课程考核方式及成绩</a:t>
-            </a:r>
-            <a:r>
-              <a:rPr lang="zh-CN" altLang="zh-CN" b="1" dirty="0" smtClean="0"/>
-              <a:t>评定</a:t>
-            </a:r>
-            <a:endParaRPr lang="zh-CN" altLang="en-US" dirty="0"/>
+              <a:rPr lang="zh-CN" altLang="zh-CN" dirty="0" smtClean="0">
+                <a:solidFill>
+                  <a:schemeClr val="bg1"/>
+                </a:solidFill>
+              </a:rPr>
+              <a:t>课程考核方式及成绩评定</a:t>
+            </a:r>
+            <a:endParaRPr lang="zh-CN" altLang="en-US" dirty="0">
+              <a:solidFill>
+                <a:schemeClr val="bg1"/>
+              </a:solidFill>
+            </a:endParaRPr>
           </a:p>
         </p:txBody>
       </p:sp>
@@ -17860,69 +18776,124 @@
           <a:lstStyle/>
           <a:p>
             <a:r>
-              <a:rPr lang="zh-CN" altLang="zh-CN" b="1" dirty="0"/>
+              <a:rPr lang="zh-CN" altLang="zh-CN" dirty="0" smtClean="0">
+                <a:solidFill>
+                  <a:schemeClr val="bg1"/>
+                </a:solidFill>
+              </a:rPr>
               <a:t>七、课程考核方式及成绩评定</a:t>
             </a:r>
-            <a:endParaRPr lang="zh-CN" altLang="zh-CN" dirty="0"/>
-          </a:p>
-          <a:p>
-            <a:r>
-              <a:rPr lang="en-US" altLang="zh-CN" dirty="0"/>
+          </a:p>
+          <a:p>
+            <a:r>
+              <a:rPr lang="en-US" altLang="zh-CN" dirty="0" smtClean="0">
+                <a:solidFill>
+                  <a:schemeClr val="bg1"/>
+                </a:solidFill>
+              </a:rPr>
               <a:t>    </a:t>
             </a:r>
             <a:r>
-              <a:rPr lang="zh-CN" altLang="zh-CN" dirty="0"/>
+              <a:rPr lang="zh-CN" altLang="zh-CN" dirty="0" smtClean="0">
+                <a:solidFill>
+                  <a:schemeClr val="bg1"/>
+                </a:solidFill>
+              </a:rPr>
               <a:t>本课程为实践类考试课，课程最终成绩由平时成绩、期末课程设计各占一定比例构成。</a:t>
             </a:r>
           </a:p>
           <a:p>
             <a:r>
-              <a:rPr lang="en-US" altLang="zh-CN" dirty="0"/>
+              <a:rPr lang="en-US" altLang="zh-CN" dirty="0" smtClean="0">
+                <a:solidFill>
+                  <a:schemeClr val="bg1"/>
+                </a:solidFill>
+              </a:rPr>
               <a:t>(1)</a:t>
             </a:r>
             <a:r>
-              <a:rPr lang="zh-CN" altLang="zh-CN" dirty="0"/>
+              <a:rPr lang="zh-CN" altLang="zh-CN" dirty="0" smtClean="0">
+                <a:solidFill>
+                  <a:schemeClr val="bg1"/>
+                </a:solidFill>
+              </a:rPr>
               <a:t>考核包括，期末课程设计考核</a:t>
             </a:r>
             <a:r>
-              <a:rPr lang="en-US" altLang="zh-CN" dirty="0"/>
+              <a:rPr lang="en-US" altLang="zh-CN" dirty="0" smtClean="0">
+                <a:solidFill>
+                  <a:schemeClr val="bg1"/>
+                </a:solidFill>
+              </a:rPr>
               <a:t>70%</a:t>
             </a:r>
             <a:r>
-              <a:rPr lang="zh-CN" altLang="zh-CN" dirty="0"/>
+              <a:rPr lang="zh-CN" altLang="zh-CN" dirty="0" smtClean="0">
+                <a:solidFill>
+                  <a:schemeClr val="bg1"/>
+                </a:solidFill>
+              </a:rPr>
               <a:t>，平时</a:t>
             </a:r>
             <a:r>
-              <a:rPr lang="en-US" altLang="zh-CN" dirty="0"/>
+              <a:rPr lang="en-US" altLang="zh-CN" dirty="0" smtClean="0">
+                <a:solidFill>
+                  <a:schemeClr val="bg1"/>
+                </a:solidFill>
+              </a:rPr>
               <a:t>30%</a:t>
             </a:r>
             <a:r>
-              <a:rPr lang="zh-CN" altLang="zh-CN" dirty="0"/>
+              <a:rPr lang="zh-CN" altLang="zh-CN" dirty="0" smtClean="0">
+                <a:solidFill>
+                  <a:schemeClr val="bg1"/>
+                </a:solidFill>
+              </a:rPr>
               <a:t>，期末考核以提交作品与实训考核为主要考核形式。</a:t>
             </a:r>
           </a:p>
           <a:p>
             <a:r>
-              <a:rPr lang="en-US" altLang="zh-CN" dirty="0"/>
+              <a:rPr lang="en-US" altLang="zh-CN" dirty="0" smtClean="0">
+                <a:solidFill>
+                  <a:schemeClr val="bg1"/>
+                </a:solidFill>
+              </a:rPr>
               <a:t>(2)</a:t>
             </a:r>
             <a:r>
-              <a:rPr lang="zh-CN" altLang="zh-CN" dirty="0"/>
+              <a:rPr lang="zh-CN" altLang="zh-CN" dirty="0" smtClean="0">
+                <a:solidFill>
+                  <a:schemeClr val="bg1"/>
+                </a:solidFill>
+              </a:rPr>
               <a:t>平时成绩包括出勤率、课堂回答问题、课堂汇报展示、实验课任务完成情况、课后练习组成。</a:t>
             </a:r>
           </a:p>
           <a:p>
             <a:r>
-              <a:rPr lang="en-US" altLang="zh-CN" dirty="0"/>
+              <a:rPr lang="en-US" altLang="zh-CN" dirty="0" smtClean="0">
+                <a:solidFill>
+                  <a:schemeClr val="bg1"/>
+                </a:solidFill>
+              </a:rPr>
               <a:t>(3)</a:t>
             </a:r>
             <a:r>
-              <a:rPr lang="zh-CN" altLang="zh-CN" dirty="0"/>
+              <a:rPr lang="zh-CN" altLang="zh-CN" dirty="0" smtClean="0">
+                <a:solidFill>
+                  <a:schemeClr val="bg1"/>
+                </a:solidFill>
+              </a:rPr>
               <a:t>实训考核方式是分组分任务完成，但每个同学必须有一个独立的工作任务，最后通过邮件等方式发送代码，集中进行每组的成果展示汇报课。</a:t>
             </a:r>
           </a:p>
           <a:p>
-            <a:endParaRPr lang="zh-CN" altLang="en-US" dirty="0"/>
+            <a:endParaRPr lang="zh-CN" altLang="en-US" dirty="0">
+              <a:solidFill>
+                <a:schemeClr val="bg1"/>
+              </a:solidFill>
+            </a:endParaRPr>
           </a:p>
         </p:txBody>
       </p:sp>
@@ -17942,6 +18913,16 @@
 <file path=ppt/slides/slide5.xml><?xml version="1.0" encoding="utf-8"?>
 <p:sld xmlns:a="http://schemas.openxmlformats.org/drawingml/2006/main" xmlns:r="http://schemas.openxmlformats.org/officeDocument/2006/relationships" xmlns:p="http://schemas.openxmlformats.org/presentationml/2006/main">
   <p:cSld>
+    <p:bg>
+      <p:bgPr>
+        <a:solidFill>
+          <a:schemeClr val="accent5">
+            <a:lumMod val="50000"/>
+          </a:schemeClr>
+        </a:solidFill>
+        <a:effectLst/>
+      </p:bgPr>
+    </p:bg>
     <p:spTree>
       <p:nvGrpSpPr>
         <p:cNvPr id="1" name=""/>
@@ -17978,14 +18959,14 @@
           </a:ln>
           <a:extLst>
             <a:ext uri="{909E8E84-426E-40dd-AFC4-6F175D3DCCD1}">
-              <a14:hiddenFill xmlns="" xmlns:a14="http://schemas.microsoft.com/office/drawing/2010/main">
+              <a14:hiddenFill xmlns:a14="http://schemas.microsoft.com/office/drawing/2010/main" xmlns="">
                 <a:solidFill>
                   <a:srgbClr val="FFFFFF"/>
                 </a:solidFill>
               </a14:hiddenFill>
             </a:ext>
             <a:ext uri="{91240B29-F687-4f45-9708-019B960494DF}">
-              <a14:hiddenLine xmlns="" xmlns:a14="http://schemas.microsoft.com/office/drawing/2010/main" w="9525">
+              <a14:hiddenLine xmlns:a14="http://schemas.microsoft.com/office/drawing/2010/main" xmlns="" w="9525">
                 <a:solidFill>
                   <a:srgbClr val="000000"/>
                 </a:solidFill>
@@ -22273,14 +23254,14 @@
           </a:ln>
           <a:extLst>
             <a:ext uri="{909E8E84-426E-40dd-AFC4-6F175D3DCCD1}">
-              <a14:hiddenFill xmlns="" xmlns:a14="http://schemas.microsoft.com/office/drawing/2010/main">
+              <a14:hiddenFill xmlns:a14="http://schemas.microsoft.com/office/drawing/2010/main" xmlns="">
                 <a:solidFill>
                   <a:srgbClr val="FFFFFF"/>
                 </a:solidFill>
               </a14:hiddenFill>
             </a:ext>
             <a:ext uri="{91240B29-F687-4f45-9708-019B960494DF}">
-              <a14:hiddenLine xmlns="" xmlns:a14="http://schemas.microsoft.com/office/drawing/2010/main" w="9525">
+              <a14:hiddenLine xmlns:a14="http://schemas.microsoft.com/office/drawing/2010/main" xmlns="" w="9525">
                 <a:solidFill>
                   <a:srgbClr val="000000"/>
                 </a:solidFill>
@@ -22479,14 +23460,14 @@
           </a:ln>
           <a:extLst>
             <a:ext uri="{909E8E84-426E-40dd-AFC4-6F175D3DCCD1}">
-              <a14:hiddenFill xmlns="" xmlns:a14="http://schemas.microsoft.com/office/drawing/2010/main">
+              <a14:hiddenFill xmlns:a14="http://schemas.microsoft.com/office/drawing/2010/main" xmlns="">
                 <a:solidFill>
                   <a:srgbClr val="FFFFFF"/>
                 </a:solidFill>
               </a14:hiddenFill>
             </a:ext>
             <a:ext uri="{91240B29-F687-4f45-9708-019B960494DF}">
-              <a14:hiddenLine xmlns="" xmlns:a14="http://schemas.microsoft.com/office/drawing/2010/main" w="9525">
+              <a14:hiddenLine xmlns:a14="http://schemas.microsoft.com/office/drawing/2010/main" xmlns="" w="9525">
                 <a:solidFill>
                   <a:srgbClr val="000000"/>
                 </a:solidFill>
@@ -22716,14 +23697,14 @@
           </a:ln>
           <a:extLst>
             <a:ext uri="{909E8E84-426E-40dd-AFC4-6F175D3DCCD1}">
-              <a14:hiddenFill xmlns="" xmlns:a14="http://schemas.microsoft.com/office/drawing/2010/main">
+              <a14:hiddenFill xmlns:a14="http://schemas.microsoft.com/office/drawing/2010/main" xmlns="">
                 <a:solidFill>
                   <a:srgbClr val="FFFFFF"/>
                 </a:solidFill>
               </a14:hiddenFill>
             </a:ext>
             <a:ext uri="{91240B29-F687-4f45-9708-019B960494DF}">
-              <a14:hiddenLine xmlns="" xmlns:a14="http://schemas.microsoft.com/office/drawing/2010/main" w="9525">
+              <a14:hiddenLine xmlns:a14="http://schemas.microsoft.com/office/drawing/2010/main" xmlns="" w="9525">
                 <a:solidFill>
                   <a:srgbClr val="000000"/>
                 </a:solidFill>
@@ -22963,14 +23944,14 @@
           </a:ln>
           <a:extLst>
             <a:ext uri="{909E8E84-426E-40dd-AFC4-6F175D3DCCD1}">
-              <a14:hiddenFill xmlns="" xmlns:a14="http://schemas.microsoft.com/office/drawing/2010/main">
+              <a14:hiddenFill xmlns:a14="http://schemas.microsoft.com/office/drawing/2010/main" xmlns="">
                 <a:solidFill>
                   <a:srgbClr val="FFFFFF"/>
                 </a:solidFill>
               </a14:hiddenFill>
             </a:ext>
             <a:ext uri="{91240B29-F687-4f45-9708-019B960494DF}">
-              <a14:hiddenLine xmlns="" xmlns:a14="http://schemas.microsoft.com/office/drawing/2010/main" w="9525">
+              <a14:hiddenLine xmlns:a14="http://schemas.microsoft.com/office/drawing/2010/main" xmlns="" w="9525">
                 <a:solidFill>
                   <a:srgbClr val="000000"/>
                 </a:solidFill>
@@ -23232,14 +24213,14 @@
           </a:ln>
           <a:extLst>
             <a:ext uri="{909E8E84-426E-40dd-AFC4-6F175D3DCCD1}">
-              <a14:hiddenFill xmlns="" xmlns:a14="http://schemas.microsoft.com/office/drawing/2010/main">
+              <a14:hiddenFill xmlns:a14="http://schemas.microsoft.com/office/drawing/2010/main" xmlns="">
                 <a:solidFill>
                   <a:srgbClr val="FFFFFF"/>
                 </a:solidFill>
               </a14:hiddenFill>
             </a:ext>
             <a:ext uri="{91240B29-F687-4f45-9708-019B960494DF}">
-              <a14:hiddenLine xmlns="" xmlns:a14="http://schemas.microsoft.com/office/drawing/2010/main" w="9525">
+              <a14:hiddenLine xmlns:a14="http://schemas.microsoft.com/office/drawing/2010/main" xmlns="" w="9525">
                 <a:solidFill>
                   <a:srgbClr val="000000"/>
                 </a:solidFill>
@@ -23504,14 +24485,14 @@
           </a:ln>
           <a:extLst>
             <a:ext uri="{909E8E84-426E-40dd-AFC4-6F175D3DCCD1}">
-              <a14:hiddenFill xmlns="" xmlns:a14="http://schemas.microsoft.com/office/drawing/2010/main">
+              <a14:hiddenFill xmlns:a14="http://schemas.microsoft.com/office/drawing/2010/main" xmlns="">
                 <a:solidFill>
                   <a:srgbClr val="FFFFFF"/>
                 </a:solidFill>
               </a14:hiddenFill>
             </a:ext>
             <a:ext uri="{91240B29-F687-4f45-9708-019B960494DF}">
-              <a14:hiddenLine xmlns="" xmlns:a14="http://schemas.microsoft.com/office/drawing/2010/main" w="9525">
+              <a14:hiddenLine xmlns:a14="http://schemas.microsoft.com/office/drawing/2010/main" xmlns="" w="9525">
                 <a:solidFill>
                   <a:srgbClr val="000000"/>
                 </a:solidFill>
@@ -23811,6 +24792,44 @@
           </a:fontRef>
         </p:style>
       </p:cxnSp>
+      <p:sp>
+        <p:nvSpPr>
+          <p:cNvPr id="2" name="标题 1"/>
+          <p:cNvSpPr>
+            <a:spLocks noGrp="1"/>
+          </p:cNvSpPr>
+          <p:nvPr>
+            <p:ph type="title"/>
+          </p:nvPr>
+        </p:nvSpPr>
+        <p:spPr/>
+        <p:txBody>
+          <a:bodyPr/>
+          <a:lstStyle/>
+          <a:p>
+            <a:endParaRPr lang="zh-CN" altLang="en-US"/>
+          </a:p>
+        </p:txBody>
+      </p:sp>
+      <p:sp>
+        <p:nvSpPr>
+          <p:cNvPr id="3" name="内容占位符 2"/>
+          <p:cNvSpPr>
+            <a:spLocks noGrp="1"/>
+          </p:cNvSpPr>
+          <p:nvPr>
+            <p:ph idx="1"/>
+          </p:nvPr>
+        </p:nvSpPr>
+        <p:spPr/>
+        <p:txBody>
+          <a:bodyPr/>
+          <a:lstStyle/>
+          <a:p>
+            <a:endParaRPr lang="zh-CN" altLang="en-US"/>
+          </a:p>
+        </p:txBody>
+      </p:sp>
     </p:spTree>
     <p:extLst>
       <p:ext uri="{BB962C8B-B14F-4D97-AF65-F5344CB8AC3E}">
@@ -24466,6 +25485,16 @@
 <file path=ppt/slides/slide6.xml><?xml version="1.0" encoding="utf-8"?>
 <p:sld xmlns:a="http://schemas.openxmlformats.org/drawingml/2006/main" xmlns:r="http://schemas.openxmlformats.org/officeDocument/2006/relationships" xmlns:p="http://schemas.openxmlformats.org/presentationml/2006/main">
   <p:cSld>
+    <p:bg>
+      <p:bgPr>
+        <a:solidFill>
+          <a:schemeClr val="accent5">
+            <a:lumMod val="50000"/>
+          </a:schemeClr>
+        </a:solidFill>
+        <a:effectLst/>
+      </p:bgPr>
+    </p:bg>
     <p:spTree>
       <p:nvGrpSpPr>
         <p:cNvPr id="1" name=""/>
@@ -24762,6 +25791,52 @@
           </a:fontRef>
         </p:style>
       </p:cxnSp>
+      <p:sp>
+        <p:nvSpPr>
+          <p:cNvPr id="2" name="标题 1"/>
+          <p:cNvSpPr>
+            <a:spLocks noGrp="1"/>
+          </p:cNvSpPr>
+          <p:nvPr>
+            <p:ph type="title"/>
+          </p:nvPr>
+        </p:nvSpPr>
+        <p:spPr/>
+        <p:txBody>
+          <a:bodyPr/>
+          <a:lstStyle/>
+          <a:p>
+            <a:endParaRPr lang="zh-CN" altLang="en-US" dirty="0">
+              <a:solidFill>
+                <a:schemeClr val="bg1"/>
+              </a:solidFill>
+            </a:endParaRPr>
+          </a:p>
+        </p:txBody>
+      </p:sp>
+      <p:sp>
+        <p:nvSpPr>
+          <p:cNvPr id="3" name="内容占位符 2"/>
+          <p:cNvSpPr>
+            <a:spLocks noGrp="1"/>
+          </p:cNvSpPr>
+          <p:nvPr>
+            <p:ph idx="1"/>
+          </p:nvPr>
+        </p:nvSpPr>
+        <p:spPr/>
+        <p:txBody>
+          <a:bodyPr/>
+          <a:lstStyle/>
+          <a:p>
+            <a:endParaRPr lang="zh-CN" altLang="en-US" dirty="0">
+              <a:solidFill>
+                <a:schemeClr val="bg1"/>
+              </a:solidFill>
+            </a:endParaRPr>
+          </a:p>
+        </p:txBody>
+      </p:sp>
     </p:spTree>
     <p:extLst>
       <p:ext uri="{BB962C8B-B14F-4D97-AF65-F5344CB8AC3E}">
@@ -24785,6 +25860,16 @@
 <file path=ppt/slides/slide7.xml><?xml version="1.0" encoding="utf-8"?>
 <p:sld xmlns:a="http://schemas.openxmlformats.org/drawingml/2006/main" xmlns:r="http://schemas.openxmlformats.org/officeDocument/2006/relationships" xmlns:p="http://schemas.openxmlformats.org/presentationml/2006/main">
   <p:cSld>
+    <p:bg>
+      <p:bgPr>
+        <a:solidFill>
+          <a:schemeClr val="accent5">
+            <a:lumMod val="50000"/>
+          </a:schemeClr>
+        </a:solidFill>
+        <a:effectLst/>
+      </p:bgPr>
+    </p:bg>
     <p:spTree>
       <p:nvGrpSpPr>
         <p:cNvPr id="1" name=""/>
@@ -26310,6 +27395,44 @@
           </a:prstGeom>
         </p:spPr>
       </p:pic>
+      <p:sp>
+        <p:nvSpPr>
+          <p:cNvPr id="2" name="标题 1"/>
+          <p:cNvSpPr>
+            <a:spLocks noGrp="1"/>
+          </p:cNvSpPr>
+          <p:nvPr>
+            <p:ph type="title"/>
+          </p:nvPr>
+        </p:nvSpPr>
+        <p:spPr/>
+        <p:txBody>
+          <a:bodyPr/>
+          <a:lstStyle/>
+          <a:p>
+            <a:endParaRPr lang="zh-CN" altLang="en-US"/>
+          </a:p>
+        </p:txBody>
+      </p:sp>
+      <p:sp>
+        <p:nvSpPr>
+          <p:cNvPr id="4" name="内容占位符 3"/>
+          <p:cNvSpPr>
+            <a:spLocks noGrp="1"/>
+          </p:cNvSpPr>
+          <p:nvPr>
+            <p:ph idx="1"/>
+          </p:nvPr>
+        </p:nvSpPr>
+        <p:spPr/>
+        <p:txBody>
+          <a:bodyPr/>
+          <a:lstStyle/>
+          <a:p>
+            <a:endParaRPr lang="zh-CN" altLang="en-US" dirty="0"/>
+          </a:p>
+        </p:txBody>
+      </p:sp>
     </p:spTree>
     <p:extLst>
       <p:ext uri="{BB962C8B-B14F-4D97-AF65-F5344CB8AC3E}">
@@ -26333,6 +27456,16 @@
 <file path=ppt/slides/slide8.xml><?xml version="1.0" encoding="utf-8"?>
 <p:sld xmlns:a="http://schemas.openxmlformats.org/drawingml/2006/main" xmlns:r="http://schemas.openxmlformats.org/officeDocument/2006/relationships" xmlns:p="http://schemas.openxmlformats.org/presentationml/2006/main">
   <p:cSld>
+    <p:bg>
+      <p:bgPr>
+        <a:solidFill>
+          <a:schemeClr val="accent5">
+            <a:lumMod val="50000"/>
+          </a:schemeClr>
+        </a:solidFill>
+        <a:effectLst/>
+      </p:bgPr>
+    </p:bg>
     <p:spTree>
       <p:nvGrpSpPr>
         <p:cNvPr id="1" name=""/>
@@ -26363,10 +27496,18 @@
           <a:lstStyle/>
           <a:p>
             <a:r>
-              <a:rPr lang="zh-CN" altLang="en-US" dirty="0" smtClean="0"/>
+              <a:rPr lang="zh-CN" altLang="en-US" dirty="0" smtClean="0">
+                <a:solidFill>
+                  <a:schemeClr val="bg1"/>
+                </a:solidFill>
+              </a:rPr>
               <a:t>当前发展状况</a:t>
             </a:r>
-            <a:endParaRPr lang="zh-CN" altLang="en-US" dirty="0"/>
+            <a:endParaRPr lang="zh-CN" altLang="en-US" dirty="0">
+              <a:solidFill>
+                <a:schemeClr val="bg1"/>
+              </a:solidFill>
+            </a:endParaRPr>
           </a:p>
         </p:txBody>
       </p:sp>
@@ -26391,9 +27532,6 @@
             <a:off x="1047879" y="1825625"/>
             <a:ext cx="10096242" cy="4351338"/>
           </a:xfrm>
-          <a:prstGeom prst="rect">
-            <a:avLst/>
-          </a:prstGeom>
         </p:spPr>
       </p:pic>
     </p:spTree>
@@ -26412,6 +27550,16 @@
 <file path=ppt/slides/slide9.xml><?xml version="1.0" encoding="utf-8"?>
 <p:sld xmlns:a="http://schemas.openxmlformats.org/drawingml/2006/main" xmlns:r="http://schemas.openxmlformats.org/officeDocument/2006/relationships" xmlns:p="http://schemas.openxmlformats.org/presentationml/2006/main">
   <p:cSld>
+    <p:bg>
+      <p:bgPr>
+        <a:solidFill>
+          <a:schemeClr val="accent5">
+            <a:lumMod val="50000"/>
+          </a:schemeClr>
+        </a:solidFill>
+        <a:effectLst/>
+      </p:bgPr>
+    </p:bg>
     <p:spTree>
       <p:nvGrpSpPr>
         <p:cNvPr id="1" name=""/>
@@ -26442,14 +27590,26 @@
           <a:lstStyle/>
           <a:p>
             <a:r>
-              <a:rPr lang="en-US" altLang="zh-CN" dirty="0" smtClean="0"/>
+              <a:rPr lang="en-US" altLang="zh-CN" dirty="0" smtClean="0">
+                <a:solidFill>
+                  <a:schemeClr val="bg1"/>
+                </a:solidFill>
+              </a:rPr>
               <a:t>2018</a:t>
             </a:r>
             <a:r>
-              <a:rPr lang="zh-CN" altLang="en-US" dirty="0" smtClean="0"/>
+              <a:rPr lang="zh-CN" altLang="en-US" dirty="0" smtClean="0">
+                <a:solidFill>
+                  <a:schemeClr val="bg1"/>
+                </a:solidFill>
+              </a:rPr>
               <a:t>年主要手机操作系统占有率</a:t>
             </a:r>
-            <a:endParaRPr lang="zh-CN" altLang="en-US" dirty="0"/>
+            <a:endParaRPr lang="zh-CN" altLang="en-US" dirty="0">
+              <a:solidFill>
+                <a:schemeClr val="bg1"/>
+              </a:solidFill>
+            </a:endParaRPr>
           </a:p>
         </p:txBody>
       </p:sp>
@@ -26471,12 +27631,9 @@
         </p:blipFill>
         <p:spPr>
           <a:xfrm>
-            <a:off x="1339741" y="1825625"/>
-            <a:ext cx="8374414" cy="4351338"/>
+            <a:off x="4569323" y="1825625"/>
+            <a:ext cx="3053353" cy="4351338"/>
           </a:xfrm>
-          <a:prstGeom prst="rect">
-            <a:avLst/>
-          </a:prstGeom>
         </p:spPr>
       </p:pic>
       <p:sp>
